--- a/presentations/example8.pptx
+++ b/presentations/example8.pptx
@@ -105,6 +105,11 @@
       </a:defRPr>
     </a:lvl9pPr>
   </p:defaultTextStyle>
+  <p:extLst>
+    <p:ext uri="{EFAFB233-063F-42B5-8137-9DF3F51BA10A}">
+      <p15:sldGuideLst xmlns:p15="http://schemas.microsoft.com/office/powerpoint/2012/main"/>
+    </p:ext>
+  </p:extLst>
 </p:presentation>
 </file>
 
@@ -150,10 +155,9 @@
           </a:lstStyle>
           <a:p>
             <a:r>
-              <a:rPr lang="en-US" smtClean="0"/>
+              <a:rPr lang="en-US"/>
               <a:t>Click to edit Master title style</a:t>
             </a:r>
-            <a:endParaRPr lang="en-US"/>
           </a:p>
         </p:txBody>
       </p:sp>
@@ -215,10 +219,9 @@
           </a:lstStyle>
           <a:p>
             <a:r>
-              <a:rPr lang="en-US" smtClean="0"/>
+              <a:rPr lang="en-US"/>
               <a:t>Click to edit Master subtitle style</a:t>
             </a:r>
-            <a:endParaRPr lang="en-US"/>
           </a:p>
         </p:txBody>
       </p:sp>
@@ -239,7 +242,7 @@
           <a:p>
             <a:fld id="{77CC3237-DEF2-4D63-BA16-634F34610D7A}" type="datetimeFigureOut">
               <a:rPr lang="en-US" smtClean="0"/>
-              <a:t>5/6/2021</a:t>
+              <a:t>5/8/2021</a:t>
             </a:fld>
             <a:endParaRPr lang="en-US"/>
           </a:p>
@@ -333,10 +336,9 @@
           <a:lstStyle/>
           <a:p>
             <a:r>
-              <a:rPr lang="en-US" smtClean="0"/>
+              <a:rPr lang="en-US"/>
               <a:t>Click to edit Master title style</a:t>
             </a:r>
-            <a:endParaRPr lang="en-US"/>
           </a:p>
         </p:txBody>
       </p:sp>
@@ -357,38 +359,37 @@
           <a:p>
             <a:pPr lvl="0"/>
             <a:r>
-              <a:rPr lang="en-US" smtClean="0"/>
+              <a:rPr lang="en-US"/>
               <a:t>Edit Master text styles</a:t>
             </a:r>
           </a:p>
           <a:p>
             <a:pPr lvl="1"/>
             <a:r>
-              <a:rPr lang="en-US" smtClean="0"/>
+              <a:rPr lang="en-US"/>
               <a:t>Second level</a:t>
             </a:r>
           </a:p>
           <a:p>
             <a:pPr lvl="2"/>
             <a:r>
-              <a:rPr lang="en-US" smtClean="0"/>
+              <a:rPr lang="en-US"/>
               <a:t>Third level</a:t>
             </a:r>
           </a:p>
           <a:p>
             <a:pPr lvl="3"/>
             <a:r>
-              <a:rPr lang="en-US" smtClean="0"/>
+              <a:rPr lang="en-US"/>
               <a:t>Fourth level</a:t>
             </a:r>
           </a:p>
           <a:p>
             <a:pPr lvl="4"/>
             <a:r>
-              <a:rPr lang="en-US" smtClean="0"/>
+              <a:rPr lang="en-US"/>
               <a:t>Fifth level</a:t>
             </a:r>
-            <a:endParaRPr lang="en-US"/>
           </a:p>
         </p:txBody>
       </p:sp>
@@ -409,7 +410,7 @@
           <a:p>
             <a:fld id="{77CC3237-DEF2-4D63-BA16-634F34610D7A}" type="datetimeFigureOut">
               <a:rPr lang="en-US" smtClean="0"/>
-              <a:t>5/6/2021</a:t>
+              <a:t>5/8/2021</a:t>
             </a:fld>
             <a:endParaRPr lang="en-US"/>
           </a:p>
@@ -508,10 +509,9 @@
           <a:lstStyle/>
           <a:p>
             <a:r>
-              <a:rPr lang="en-US" smtClean="0"/>
+              <a:rPr lang="en-US"/>
               <a:t>Click to edit Master title style</a:t>
             </a:r>
-            <a:endParaRPr lang="en-US"/>
           </a:p>
         </p:txBody>
       </p:sp>
@@ -537,38 +537,37 @@
           <a:p>
             <a:pPr lvl="0"/>
             <a:r>
-              <a:rPr lang="en-US" smtClean="0"/>
+              <a:rPr lang="en-US"/>
               <a:t>Edit Master text styles</a:t>
             </a:r>
           </a:p>
           <a:p>
             <a:pPr lvl="1"/>
             <a:r>
-              <a:rPr lang="en-US" smtClean="0"/>
+              <a:rPr lang="en-US"/>
               <a:t>Second level</a:t>
             </a:r>
           </a:p>
           <a:p>
             <a:pPr lvl="2"/>
             <a:r>
-              <a:rPr lang="en-US" smtClean="0"/>
+              <a:rPr lang="en-US"/>
               <a:t>Third level</a:t>
             </a:r>
           </a:p>
           <a:p>
             <a:pPr lvl="3"/>
             <a:r>
-              <a:rPr lang="en-US" smtClean="0"/>
+              <a:rPr lang="en-US"/>
               <a:t>Fourth level</a:t>
             </a:r>
           </a:p>
           <a:p>
             <a:pPr lvl="4"/>
             <a:r>
-              <a:rPr lang="en-US" smtClean="0"/>
+              <a:rPr lang="en-US"/>
               <a:t>Fifth level</a:t>
             </a:r>
-            <a:endParaRPr lang="en-US"/>
           </a:p>
         </p:txBody>
       </p:sp>
@@ -589,7 +588,7 @@
           <a:p>
             <a:fld id="{77CC3237-DEF2-4D63-BA16-634F34610D7A}" type="datetimeFigureOut">
               <a:rPr lang="en-US" smtClean="0"/>
-              <a:t>5/6/2021</a:t>
+              <a:t>5/8/2021</a:t>
             </a:fld>
             <a:endParaRPr lang="en-US"/>
           </a:p>
@@ -683,10 +682,9 @@
           <a:lstStyle/>
           <a:p>
             <a:r>
-              <a:rPr lang="en-US" smtClean="0"/>
+              <a:rPr lang="en-US"/>
               <a:t>Click to edit Master title style</a:t>
             </a:r>
-            <a:endParaRPr lang="en-US"/>
           </a:p>
         </p:txBody>
       </p:sp>
@@ -707,38 +705,37 @@
           <a:p>
             <a:pPr lvl="0"/>
             <a:r>
-              <a:rPr lang="en-US" smtClean="0"/>
+              <a:rPr lang="en-US"/>
               <a:t>Edit Master text styles</a:t>
             </a:r>
           </a:p>
           <a:p>
             <a:pPr lvl="1"/>
             <a:r>
-              <a:rPr lang="en-US" smtClean="0"/>
+              <a:rPr lang="en-US"/>
               <a:t>Second level</a:t>
             </a:r>
           </a:p>
           <a:p>
             <a:pPr lvl="2"/>
             <a:r>
-              <a:rPr lang="en-US" smtClean="0"/>
+              <a:rPr lang="en-US"/>
               <a:t>Third level</a:t>
             </a:r>
           </a:p>
           <a:p>
             <a:pPr lvl="3"/>
             <a:r>
-              <a:rPr lang="en-US" smtClean="0"/>
+              <a:rPr lang="en-US"/>
               <a:t>Fourth level</a:t>
             </a:r>
           </a:p>
           <a:p>
             <a:pPr lvl="4"/>
             <a:r>
-              <a:rPr lang="en-US" smtClean="0"/>
+              <a:rPr lang="en-US"/>
               <a:t>Fifth level</a:t>
             </a:r>
-            <a:endParaRPr lang="en-US"/>
           </a:p>
         </p:txBody>
       </p:sp>
@@ -759,7 +756,7 @@
           <a:p>
             <a:fld id="{77CC3237-DEF2-4D63-BA16-634F34610D7A}" type="datetimeFigureOut">
               <a:rPr lang="en-US" smtClean="0"/>
-              <a:t>5/6/2021</a:t>
+              <a:t>5/8/2021</a:t>
             </a:fld>
             <a:endParaRPr lang="en-US"/>
           </a:p>
@@ -862,10 +859,9 @@
           </a:lstStyle>
           <a:p>
             <a:r>
-              <a:rPr lang="en-US" smtClean="0"/>
+              <a:rPr lang="en-US"/>
               <a:t>Click to edit Master title style</a:t>
             </a:r>
-            <a:endParaRPr lang="en-US"/>
           </a:p>
         </p:txBody>
       </p:sp>
@@ -982,7 +978,7 @@
           <a:p>
             <a:pPr lvl="0"/>
             <a:r>
-              <a:rPr lang="en-US" smtClean="0"/>
+              <a:rPr lang="en-US"/>
               <a:t>Edit Master text styles</a:t>
             </a:r>
           </a:p>
@@ -1005,7 +1001,7 @@
           <a:p>
             <a:fld id="{77CC3237-DEF2-4D63-BA16-634F34610D7A}" type="datetimeFigureOut">
               <a:rPr lang="en-US" smtClean="0"/>
-              <a:t>5/6/2021</a:t>
+              <a:t>5/8/2021</a:t>
             </a:fld>
             <a:endParaRPr lang="en-US"/>
           </a:p>
@@ -1099,10 +1095,9 @@
           <a:lstStyle/>
           <a:p>
             <a:r>
-              <a:rPr lang="en-US" smtClean="0"/>
+              <a:rPr lang="en-US"/>
               <a:t>Click to edit Master title style</a:t>
             </a:r>
-            <a:endParaRPr lang="en-US"/>
           </a:p>
         </p:txBody>
       </p:sp>
@@ -1128,38 +1123,37 @@
           <a:p>
             <a:pPr lvl="0"/>
             <a:r>
-              <a:rPr lang="en-US" smtClean="0"/>
+              <a:rPr lang="en-US"/>
               <a:t>Edit Master text styles</a:t>
             </a:r>
           </a:p>
           <a:p>
             <a:pPr lvl="1"/>
             <a:r>
-              <a:rPr lang="en-US" smtClean="0"/>
+              <a:rPr lang="en-US"/>
               <a:t>Second level</a:t>
             </a:r>
           </a:p>
           <a:p>
             <a:pPr lvl="2"/>
             <a:r>
-              <a:rPr lang="en-US" smtClean="0"/>
+              <a:rPr lang="en-US"/>
               <a:t>Third level</a:t>
             </a:r>
           </a:p>
           <a:p>
             <a:pPr lvl="3"/>
             <a:r>
-              <a:rPr lang="en-US" smtClean="0"/>
+              <a:rPr lang="en-US"/>
               <a:t>Fourth level</a:t>
             </a:r>
           </a:p>
           <a:p>
             <a:pPr lvl="4"/>
             <a:r>
-              <a:rPr lang="en-US" smtClean="0"/>
+              <a:rPr lang="en-US"/>
               <a:t>Fifth level</a:t>
             </a:r>
-            <a:endParaRPr lang="en-US"/>
           </a:p>
         </p:txBody>
       </p:sp>
@@ -1185,38 +1179,37 @@
           <a:p>
             <a:pPr lvl="0"/>
             <a:r>
-              <a:rPr lang="en-US" smtClean="0"/>
+              <a:rPr lang="en-US"/>
               <a:t>Edit Master text styles</a:t>
             </a:r>
           </a:p>
           <a:p>
             <a:pPr lvl="1"/>
             <a:r>
-              <a:rPr lang="en-US" smtClean="0"/>
+              <a:rPr lang="en-US"/>
               <a:t>Second level</a:t>
             </a:r>
           </a:p>
           <a:p>
             <a:pPr lvl="2"/>
             <a:r>
-              <a:rPr lang="en-US" smtClean="0"/>
+              <a:rPr lang="en-US"/>
               <a:t>Third level</a:t>
             </a:r>
           </a:p>
           <a:p>
             <a:pPr lvl="3"/>
             <a:r>
-              <a:rPr lang="en-US" smtClean="0"/>
+              <a:rPr lang="en-US"/>
               <a:t>Fourth level</a:t>
             </a:r>
           </a:p>
           <a:p>
             <a:pPr lvl="4"/>
             <a:r>
-              <a:rPr lang="en-US" smtClean="0"/>
+              <a:rPr lang="en-US"/>
               <a:t>Fifth level</a:t>
             </a:r>
-            <a:endParaRPr lang="en-US"/>
           </a:p>
         </p:txBody>
       </p:sp>
@@ -1237,7 +1230,7 @@
           <a:p>
             <a:fld id="{77CC3237-DEF2-4D63-BA16-634F34610D7A}" type="datetimeFigureOut">
               <a:rPr lang="en-US" smtClean="0"/>
-              <a:t>5/6/2021</a:t>
+              <a:t>5/8/2021</a:t>
             </a:fld>
             <a:endParaRPr lang="en-US"/>
           </a:p>
@@ -1336,10 +1329,9 @@
           <a:lstStyle/>
           <a:p>
             <a:r>
-              <a:rPr lang="en-US" smtClean="0"/>
+              <a:rPr lang="en-US"/>
               <a:t>Click to edit Master title style</a:t>
             </a:r>
-            <a:endParaRPr lang="en-US"/>
           </a:p>
         </p:txBody>
       </p:sp>
@@ -1402,7 +1394,7 @@
           <a:p>
             <a:pPr lvl="0"/>
             <a:r>
-              <a:rPr lang="en-US" smtClean="0"/>
+              <a:rPr lang="en-US"/>
               <a:t>Edit Master text styles</a:t>
             </a:r>
           </a:p>
@@ -1430,38 +1422,37 @@
           <a:p>
             <a:pPr lvl="0"/>
             <a:r>
-              <a:rPr lang="en-US" smtClean="0"/>
+              <a:rPr lang="en-US"/>
               <a:t>Edit Master text styles</a:t>
             </a:r>
           </a:p>
           <a:p>
             <a:pPr lvl="1"/>
             <a:r>
-              <a:rPr lang="en-US" smtClean="0"/>
+              <a:rPr lang="en-US"/>
               <a:t>Second level</a:t>
             </a:r>
           </a:p>
           <a:p>
             <a:pPr lvl="2"/>
             <a:r>
-              <a:rPr lang="en-US" smtClean="0"/>
+              <a:rPr lang="en-US"/>
               <a:t>Third level</a:t>
             </a:r>
           </a:p>
           <a:p>
             <a:pPr lvl="3"/>
             <a:r>
-              <a:rPr lang="en-US" smtClean="0"/>
+              <a:rPr lang="en-US"/>
               <a:t>Fourth level</a:t>
             </a:r>
           </a:p>
           <a:p>
             <a:pPr lvl="4"/>
             <a:r>
-              <a:rPr lang="en-US" smtClean="0"/>
+              <a:rPr lang="en-US"/>
               <a:t>Fifth level</a:t>
             </a:r>
-            <a:endParaRPr lang="en-US"/>
           </a:p>
         </p:txBody>
       </p:sp>
@@ -1524,7 +1515,7 @@
           <a:p>
             <a:pPr lvl="0"/>
             <a:r>
-              <a:rPr lang="en-US" smtClean="0"/>
+              <a:rPr lang="en-US"/>
               <a:t>Edit Master text styles</a:t>
             </a:r>
           </a:p>
@@ -1552,38 +1543,37 @@
           <a:p>
             <a:pPr lvl="0"/>
             <a:r>
-              <a:rPr lang="en-US" smtClean="0"/>
+              <a:rPr lang="en-US"/>
               <a:t>Edit Master text styles</a:t>
             </a:r>
           </a:p>
           <a:p>
             <a:pPr lvl="1"/>
             <a:r>
-              <a:rPr lang="en-US" smtClean="0"/>
+              <a:rPr lang="en-US"/>
               <a:t>Second level</a:t>
             </a:r>
           </a:p>
           <a:p>
             <a:pPr lvl="2"/>
             <a:r>
-              <a:rPr lang="en-US" smtClean="0"/>
+              <a:rPr lang="en-US"/>
               <a:t>Third level</a:t>
             </a:r>
           </a:p>
           <a:p>
             <a:pPr lvl="3"/>
             <a:r>
-              <a:rPr lang="en-US" smtClean="0"/>
+              <a:rPr lang="en-US"/>
               <a:t>Fourth level</a:t>
             </a:r>
           </a:p>
           <a:p>
             <a:pPr lvl="4"/>
             <a:r>
-              <a:rPr lang="en-US" smtClean="0"/>
+              <a:rPr lang="en-US"/>
               <a:t>Fifth level</a:t>
             </a:r>
-            <a:endParaRPr lang="en-US"/>
           </a:p>
         </p:txBody>
       </p:sp>
@@ -1604,7 +1594,7 @@
           <a:p>
             <a:fld id="{77CC3237-DEF2-4D63-BA16-634F34610D7A}" type="datetimeFigureOut">
               <a:rPr lang="en-US" smtClean="0"/>
-              <a:t>5/6/2021</a:t>
+              <a:t>5/8/2021</a:t>
             </a:fld>
             <a:endParaRPr lang="en-US"/>
           </a:p>
@@ -1698,10 +1688,9 @@
           <a:lstStyle/>
           <a:p>
             <a:r>
-              <a:rPr lang="en-US" smtClean="0"/>
+              <a:rPr lang="en-US"/>
               <a:t>Click to edit Master title style</a:t>
             </a:r>
-            <a:endParaRPr lang="en-US"/>
           </a:p>
         </p:txBody>
       </p:sp>
@@ -1722,7 +1711,7 @@
           <a:p>
             <a:fld id="{77CC3237-DEF2-4D63-BA16-634F34610D7A}" type="datetimeFigureOut">
               <a:rPr lang="en-US" smtClean="0"/>
-              <a:t>5/6/2021</a:t>
+              <a:t>5/8/2021</a:t>
             </a:fld>
             <a:endParaRPr lang="en-US"/>
           </a:p>
@@ -1817,7 +1806,7 @@
           <a:p>
             <a:fld id="{77CC3237-DEF2-4D63-BA16-634F34610D7A}" type="datetimeFigureOut">
               <a:rPr lang="en-US" smtClean="0"/>
-              <a:t>5/6/2021</a:t>
+              <a:t>5/8/2021</a:t>
             </a:fld>
             <a:endParaRPr lang="en-US"/>
           </a:p>
@@ -1920,10 +1909,9 @@
           </a:lstStyle>
           <a:p>
             <a:r>
-              <a:rPr lang="en-US" smtClean="0"/>
+              <a:rPr lang="en-US"/>
               <a:t>Click to edit Master title style</a:t>
             </a:r>
-            <a:endParaRPr lang="en-US"/>
           </a:p>
         </p:txBody>
       </p:sp>
@@ -1977,38 +1965,37 @@
           <a:p>
             <a:pPr lvl="0"/>
             <a:r>
-              <a:rPr lang="en-US" smtClean="0"/>
+              <a:rPr lang="en-US"/>
               <a:t>Edit Master text styles</a:t>
             </a:r>
           </a:p>
           <a:p>
             <a:pPr lvl="1"/>
             <a:r>
-              <a:rPr lang="en-US" smtClean="0"/>
+              <a:rPr lang="en-US"/>
               <a:t>Second level</a:t>
             </a:r>
           </a:p>
           <a:p>
             <a:pPr lvl="2"/>
             <a:r>
-              <a:rPr lang="en-US" smtClean="0"/>
+              <a:rPr lang="en-US"/>
               <a:t>Third level</a:t>
             </a:r>
           </a:p>
           <a:p>
             <a:pPr lvl="3"/>
             <a:r>
-              <a:rPr lang="en-US" smtClean="0"/>
+              <a:rPr lang="en-US"/>
               <a:t>Fourth level</a:t>
             </a:r>
           </a:p>
           <a:p>
             <a:pPr lvl="4"/>
             <a:r>
-              <a:rPr lang="en-US" smtClean="0"/>
+              <a:rPr lang="en-US"/>
               <a:t>Fifth level</a:t>
             </a:r>
-            <a:endParaRPr lang="en-US"/>
           </a:p>
         </p:txBody>
       </p:sp>
@@ -2071,7 +2058,7 @@
           <a:p>
             <a:pPr lvl="0"/>
             <a:r>
-              <a:rPr lang="en-US" smtClean="0"/>
+              <a:rPr lang="en-US"/>
               <a:t>Edit Master text styles</a:t>
             </a:r>
           </a:p>
@@ -2094,7 +2081,7 @@
           <a:p>
             <a:fld id="{77CC3237-DEF2-4D63-BA16-634F34610D7A}" type="datetimeFigureOut">
               <a:rPr lang="en-US" smtClean="0"/>
-              <a:t>5/6/2021</a:t>
+              <a:t>5/8/2021</a:t>
             </a:fld>
             <a:endParaRPr lang="en-US"/>
           </a:p>
@@ -2197,10 +2184,9 @@
           </a:lstStyle>
           <a:p>
             <a:r>
-              <a:rPr lang="en-US" smtClean="0"/>
+              <a:rPr lang="en-US"/>
               <a:t>Click to edit Master title style</a:t>
             </a:r>
-            <a:endParaRPr lang="en-US"/>
           </a:p>
         </p:txBody>
       </p:sp>
@@ -2324,7 +2310,7 @@
           <a:p>
             <a:pPr lvl="0"/>
             <a:r>
-              <a:rPr lang="en-US" smtClean="0"/>
+              <a:rPr lang="en-US"/>
               <a:t>Edit Master text styles</a:t>
             </a:r>
           </a:p>
@@ -2347,7 +2333,7 @@
           <a:p>
             <a:fld id="{77CC3237-DEF2-4D63-BA16-634F34610D7A}" type="datetimeFigureOut">
               <a:rPr lang="en-US" smtClean="0"/>
-              <a:t>5/6/2021</a:t>
+              <a:t>5/8/2021</a:t>
             </a:fld>
             <a:endParaRPr lang="en-US"/>
           </a:p>
@@ -2456,10 +2442,9 @@
           <a:lstStyle/>
           <a:p>
             <a:r>
-              <a:rPr lang="en-US" smtClean="0"/>
+              <a:rPr lang="en-US"/>
               <a:t>Click to edit Master title style</a:t>
             </a:r>
-            <a:endParaRPr lang="en-US"/>
           </a:p>
         </p:txBody>
       </p:sp>
@@ -2490,38 +2475,37 @@
           <a:p>
             <a:pPr lvl="0"/>
             <a:r>
-              <a:rPr lang="en-US" smtClean="0"/>
+              <a:rPr lang="en-US"/>
               <a:t>Edit Master text styles</a:t>
             </a:r>
           </a:p>
           <a:p>
             <a:pPr lvl="1"/>
             <a:r>
-              <a:rPr lang="en-US" smtClean="0"/>
+              <a:rPr lang="en-US"/>
               <a:t>Second level</a:t>
             </a:r>
           </a:p>
           <a:p>
             <a:pPr lvl="2"/>
             <a:r>
-              <a:rPr lang="en-US" smtClean="0"/>
+              <a:rPr lang="en-US"/>
               <a:t>Third level</a:t>
             </a:r>
           </a:p>
           <a:p>
             <a:pPr lvl="3"/>
             <a:r>
-              <a:rPr lang="en-US" smtClean="0"/>
+              <a:rPr lang="en-US"/>
               <a:t>Fourth level</a:t>
             </a:r>
           </a:p>
           <a:p>
             <a:pPr lvl="4"/>
             <a:r>
-              <a:rPr lang="en-US" smtClean="0"/>
+              <a:rPr lang="en-US"/>
               <a:t>Fifth level</a:t>
             </a:r>
-            <a:endParaRPr lang="en-US"/>
           </a:p>
         </p:txBody>
       </p:sp>
@@ -2560,7 +2544,7 @@
           <a:p>
             <a:fld id="{77CC3237-DEF2-4D63-BA16-634F34610D7A}" type="datetimeFigureOut">
               <a:rPr lang="en-US" smtClean="0"/>
-              <a:t>5/6/2021</a:t>
+              <a:t>5/8/2021</a:t>
             </a:fld>
             <a:endParaRPr lang="en-US"/>
           </a:p>
@@ -2981,15 +2965,15 @@
           <a:lstStyle/>
           <a:p>
             <a:r>
-              <a:rPr lang="ru-RU" dirty="0" smtClean="0"/>
+              <a:rPr lang="ru-RU" dirty="0"/>
               <a:t>Использование .</a:t>
             </a:r>
             <a:r>
-              <a:rPr lang="ru-RU" dirty="0" err="1" smtClean="0"/>
+              <a:rPr lang="ru-RU" dirty="0" err="1"/>
               <a:t>properties</a:t>
             </a:r>
             <a:r>
-              <a:rPr lang="ru-RU" dirty="0" smtClean="0"/>
+              <a:rPr lang="ru-RU" dirty="0"/>
               <a:t>(свойств) для конфигурации контекста</a:t>
             </a:r>
             <a:endParaRPr lang="en-US" dirty="0"/>
@@ -3014,77 +2998,77 @@
           <a:lstStyle/>
           <a:p>
             <a:r>
-              <a:rPr lang="ru-RU" dirty="0" smtClean="0"/>
+              <a:rPr lang="ru-RU" dirty="0"/>
               <a:t>Данные  для конфигурации контекста можно вынести в .</a:t>
             </a:r>
             <a:r>
-              <a:rPr lang="en-US" dirty="0" smtClean="0"/>
+              <a:rPr lang="en-US" dirty="0"/>
               <a:t>properties </a:t>
             </a:r>
             <a:r>
-              <a:rPr lang="ru-RU" dirty="0" smtClean="0"/>
+              <a:rPr lang="ru-RU" dirty="0"/>
               <a:t>файл.</a:t>
             </a:r>
           </a:p>
           <a:p>
             <a:r>
-              <a:rPr lang="en-US" dirty="0" smtClean="0"/>
+              <a:rPr lang="en-US" dirty="0"/>
               <a:t>Spring  </a:t>
             </a:r>
             <a:r>
-              <a:rPr lang="ru-RU" dirty="0" smtClean="0"/>
+              <a:rPr lang="ru-RU" dirty="0"/>
               <a:t>считывает .</a:t>
             </a:r>
             <a:r>
-              <a:rPr lang="en-US" dirty="0" smtClean="0"/>
+              <a:rPr lang="en-US" dirty="0"/>
               <a:t>properties </a:t>
             </a:r>
             <a:r>
-              <a:rPr lang="ru-RU" dirty="0" smtClean="0"/>
+              <a:rPr lang="ru-RU" dirty="0"/>
               <a:t>файлы </a:t>
             </a:r>
             <a:r>
-              <a:rPr lang="ru-RU" dirty="0" err="1" smtClean="0"/>
+              <a:rPr lang="ru-RU" dirty="0" err="1"/>
               <a:t>объвленные</a:t>
             </a:r>
             <a:r>
-              <a:rPr lang="ru-RU" dirty="0" smtClean="0"/>
+              <a:rPr lang="ru-RU" dirty="0"/>
               <a:t> при помощи</a:t>
             </a:r>
             <a:r>
-              <a:rPr lang="ru-RU" b="1" dirty="0" smtClean="0"/>
+              <a:rPr lang="ru-RU" b="1" dirty="0"/>
               <a:t> </a:t>
             </a:r>
             <a:r>
-              <a:rPr lang="en-US" b="1" dirty="0" err="1" smtClean="0"/>
+              <a:rPr lang="en-US" b="1" dirty="0" err="1"/>
               <a:t>PropertyPlaceholderConfigurer</a:t>
             </a:r>
             <a:r>
-              <a:rPr lang="en-US" b="1" dirty="0" smtClean="0"/>
+              <a:rPr lang="en-US" b="1" dirty="0"/>
               <a:t> </a:t>
             </a:r>
             <a:r>
-              <a:rPr lang="ru-RU" b="1" dirty="0" err="1" smtClean="0"/>
+              <a:rPr lang="ru-RU" b="1" dirty="0" err="1"/>
               <a:t>бина</a:t>
             </a:r>
             <a:r>
-              <a:rPr lang="ru-RU" b="1" dirty="0" smtClean="0"/>
+              <a:rPr lang="ru-RU" b="1" dirty="0"/>
               <a:t>.</a:t>
             </a:r>
             <a:r>
-              <a:rPr lang="ru-RU" dirty="0" smtClean="0"/>
+              <a:rPr lang="ru-RU" dirty="0"/>
               <a:t>. В этом </a:t>
             </a:r>
             <a:r>
-              <a:rPr lang="ru-RU" dirty="0" err="1" smtClean="0"/>
+              <a:rPr lang="ru-RU" dirty="0" err="1"/>
               <a:t>бине</a:t>
             </a:r>
             <a:r>
-              <a:rPr lang="ru-RU" dirty="0" smtClean="0"/>
+              <a:rPr lang="ru-RU" dirty="0"/>
               <a:t> так же указывается расположение (</a:t>
             </a:r>
             <a:r>
-              <a:rPr lang="en-US" dirty="0" smtClean="0"/>
+              <a:rPr lang="en-US" dirty="0"/>
               <a:t>locations) .properties.</a:t>
             </a:r>
           </a:p>
@@ -3092,35 +3076,35 @@
             <a:endParaRPr lang="en-US" dirty="0"/>
           </a:p>
           <a:p>
-            <a:endParaRPr lang="en-US" dirty="0" smtClean="0"/>
-          </a:p>
-          <a:p>
             <a:endParaRPr lang="en-US" dirty="0"/>
           </a:p>
           <a:p>
-            <a:r>
-              <a:rPr lang="ru-RU" dirty="0" smtClean="0"/>
+            <a:endParaRPr lang="en-US" dirty="0"/>
+          </a:p>
+          <a:p>
+            <a:r>
+              <a:rPr lang="ru-RU" dirty="0"/>
               <a:t>По умолчанию </a:t>
             </a:r>
             <a:r>
-              <a:rPr lang="ru-RU" dirty="0" err="1" smtClean="0"/>
+              <a:rPr lang="ru-RU" dirty="0" err="1"/>
               <a:t>Spring</a:t>
             </a:r>
             <a:r>
-              <a:rPr lang="ru-RU" dirty="0" smtClean="0"/>
+              <a:rPr lang="ru-RU" dirty="0"/>
               <a:t> ищет .</a:t>
             </a:r>
             <a:r>
-              <a:rPr lang="ru-RU" dirty="0" err="1" smtClean="0"/>
+              <a:rPr lang="ru-RU" dirty="0" err="1"/>
               <a:t>properties</a:t>
             </a:r>
             <a:r>
-              <a:rPr lang="ru-RU" dirty="0" smtClean="0"/>
+              <a:rPr lang="ru-RU" dirty="0"/>
               <a:t> файлы в директории приложения. </a:t>
             </a:r>
           </a:p>
           <a:p>
-            <a:endParaRPr lang="ru-RU" dirty="0" smtClean="0"/>
+            <a:endParaRPr lang="ru-RU" dirty="0"/>
           </a:p>
           <a:p>
             <a:pPr marL="0" indent="0">
@@ -3201,7 +3185,7 @@
               <a:tabLst/>
             </a:pPr>
             <a:r>
-              <a:rPr kumimoji="0" lang="en-US" altLang="en-US" sz="2000" b="0" i="0" u="none" strike="noStrike" cap="none" normalizeH="0" baseline="0" dirty="0" smtClean="0">
+              <a:rPr kumimoji="0" lang="en-US" altLang="en-US" sz="2000" b="0" i="0" u="none" strike="noStrike" cap="none" normalizeH="0" baseline="0" dirty="0">
                 <a:ln>
                   <a:noFill/>
                 </a:ln>
@@ -3214,7 +3198,7 @@
               <a:t>&lt;bean </a:t>
             </a:r>
             <a:r>
-              <a:rPr kumimoji="0" lang="en-US" altLang="en-US" sz="2000" b="0" i="0" u="none" strike="noStrike" cap="none" normalizeH="0" baseline="0" dirty="0" smtClean="0">
+              <a:rPr kumimoji="0" lang="en-US" altLang="en-US" sz="2000" b="0" i="0" u="none" strike="noStrike" cap="none" normalizeH="0" baseline="0" dirty="0">
                 <a:ln>
                   <a:noFill/>
                 </a:ln>
@@ -3227,7 +3211,7 @@
               <a:t>class</a:t>
             </a:r>
             <a:r>
-              <a:rPr kumimoji="0" lang="en-US" altLang="en-US" sz="2000" b="0" i="0" u="none" strike="noStrike" cap="none" normalizeH="0" baseline="0" dirty="0" smtClean="0">
+              <a:rPr kumimoji="0" lang="en-US" altLang="en-US" sz="2000" b="0" i="0" u="none" strike="noStrike" cap="none" normalizeH="0" baseline="0" dirty="0">
                 <a:ln>
                   <a:noFill/>
                 </a:ln>
@@ -3240,7 +3224,7 @@
               <a:t>="org.springframework.beans.factory.config.PropertyPlaceholderConfigurer"</a:t>
             </a:r>
             <a:r>
-              <a:rPr kumimoji="0" lang="en-US" altLang="en-US" sz="2000" b="0" i="0" u="none" strike="noStrike" cap="none" normalizeH="0" baseline="0" dirty="0" smtClean="0">
+              <a:rPr kumimoji="0" lang="en-US" altLang="en-US" sz="2000" b="0" i="0" u="none" strike="noStrike" cap="none" normalizeH="0" baseline="0" dirty="0">
                 <a:ln>
                   <a:noFill/>
                 </a:ln>
@@ -3253,7 +3237,7 @@
               <a:t>&gt;</a:t>
             </a:r>
             <a:br>
-              <a:rPr kumimoji="0" lang="en-US" altLang="en-US" sz="2000" b="0" i="0" u="none" strike="noStrike" cap="none" normalizeH="0" baseline="0" dirty="0" smtClean="0">
+              <a:rPr kumimoji="0" lang="en-US" altLang="en-US" sz="2000" b="0" i="0" u="none" strike="noStrike" cap="none" normalizeH="0" baseline="0" dirty="0">
                 <a:ln>
                   <a:noFill/>
                 </a:ln>
@@ -3265,7 +3249,7 @@
               </a:rPr>
             </a:br>
             <a:r>
-              <a:rPr kumimoji="0" lang="en-US" altLang="en-US" sz="2000" b="0" i="0" u="none" strike="noStrike" cap="none" normalizeH="0" baseline="0" dirty="0" smtClean="0">
+              <a:rPr kumimoji="0" lang="en-US" altLang="en-US" sz="2000" b="0" i="0" u="none" strike="noStrike" cap="none" normalizeH="0" baseline="0" dirty="0">
                 <a:ln>
                   <a:noFill/>
                 </a:ln>
@@ -3278,7 +3262,7 @@
               <a:t>    &lt;property </a:t>
             </a:r>
             <a:r>
-              <a:rPr kumimoji="0" lang="en-US" altLang="en-US" sz="2000" b="0" i="0" u="none" strike="noStrike" cap="none" normalizeH="0" baseline="0" dirty="0" smtClean="0">
+              <a:rPr kumimoji="0" lang="en-US" altLang="en-US" sz="2000" b="0" i="0" u="none" strike="noStrike" cap="none" normalizeH="0" baseline="0" dirty="0">
                 <a:ln>
                   <a:noFill/>
                 </a:ln>
@@ -3291,7 +3275,7 @@
               <a:t>name</a:t>
             </a:r>
             <a:r>
-              <a:rPr kumimoji="0" lang="en-US" altLang="en-US" sz="2000" b="0" i="0" u="none" strike="noStrike" cap="none" normalizeH="0" baseline="0" dirty="0" smtClean="0">
+              <a:rPr kumimoji="0" lang="en-US" altLang="en-US" sz="2000" b="0" i="0" u="none" strike="noStrike" cap="none" normalizeH="0" baseline="0" dirty="0">
                 <a:ln>
                   <a:noFill/>
                 </a:ln>
@@ -3304,7 +3288,7 @@
               <a:t>="locations" </a:t>
             </a:r>
             <a:r>
-              <a:rPr kumimoji="0" lang="en-US" altLang="en-US" sz="2000" b="0" i="0" u="none" strike="noStrike" cap="none" normalizeH="0" baseline="0" dirty="0" smtClean="0">
+              <a:rPr kumimoji="0" lang="en-US" altLang="en-US" sz="2000" b="0" i="0" u="none" strike="noStrike" cap="none" normalizeH="0" baseline="0" dirty="0">
                 <a:ln>
                   <a:noFill/>
                 </a:ln>
@@ -3317,7 +3301,7 @@
               <a:t>value</a:t>
             </a:r>
             <a:r>
-              <a:rPr kumimoji="0" lang="en-US" altLang="en-US" sz="2000" b="0" i="0" u="none" strike="noStrike" cap="none" normalizeH="0" baseline="0" dirty="0" smtClean="0">
+              <a:rPr kumimoji="0" lang="en-US" altLang="en-US" sz="2000" b="0" i="0" u="none" strike="noStrike" cap="none" normalizeH="0" baseline="0" dirty="0">
                 <a:ln>
                   <a:noFill/>
                 </a:ln>
@@ -3330,7 +3314,7 @@
               <a:t>="classpath:example8/</a:t>
             </a:r>
             <a:r>
-              <a:rPr kumimoji="0" lang="en-US" altLang="en-US" sz="2000" b="0" i="0" u="none" strike="noStrike" cap="none" normalizeH="0" baseline="0" dirty="0" err="1" smtClean="0">
+              <a:rPr kumimoji="0" lang="en-US" altLang="en-US" sz="2000" b="0" i="0" u="none" strike="noStrike" cap="none" normalizeH="0" baseline="0" dirty="0" err="1">
                 <a:ln>
                   <a:noFill/>
                 </a:ln>
@@ -3343,7 +3327,7 @@
               <a:t>jdbc.properties</a:t>
             </a:r>
             <a:r>
-              <a:rPr kumimoji="0" lang="en-US" altLang="en-US" sz="2000" b="0" i="0" u="none" strike="noStrike" cap="none" normalizeH="0" baseline="0" dirty="0" smtClean="0">
+              <a:rPr kumimoji="0" lang="en-US" altLang="en-US" sz="2000" b="0" i="0" u="none" strike="noStrike" cap="none" normalizeH="0" baseline="0" dirty="0">
                 <a:ln>
                   <a:noFill/>
                 </a:ln>
@@ -3356,7 +3340,7 @@
               <a:t>"</a:t>
             </a:r>
             <a:r>
-              <a:rPr kumimoji="0" lang="en-US" altLang="en-US" sz="2000" b="0" i="0" u="none" strike="noStrike" cap="none" normalizeH="0" baseline="0" dirty="0" smtClean="0">
+              <a:rPr kumimoji="0" lang="en-US" altLang="en-US" sz="2000" b="0" i="0" u="none" strike="noStrike" cap="none" normalizeH="0" baseline="0" dirty="0">
                 <a:ln>
                   <a:noFill/>
                 </a:ln>
@@ -3369,7 +3353,7 @@
               <a:t>/&gt;</a:t>
             </a:r>
             <a:br>
-              <a:rPr kumimoji="0" lang="en-US" altLang="en-US" sz="2000" b="0" i="0" u="none" strike="noStrike" cap="none" normalizeH="0" baseline="0" dirty="0" smtClean="0">
+              <a:rPr kumimoji="0" lang="en-US" altLang="en-US" sz="2000" b="0" i="0" u="none" strike="noStrike" cap="none" normalizeH="0" baseline="0" dirty="0">
                 <a:ln>
                   <a:noFill/>
                 </a:ln>
@@ -3381,7 +3365,7 @@
               </a:rPr>
             </a:br>
             <a:r>
-              <a:rPr kumimoji="0" lang="en-US" altLang="en-US" sz="2000" b="0" i="0" u="none" strike="noStrike" cap="none" normalizeH="0" baseline="0" dirty="0" smtClean="0">
+              <a:rPr kumimoji="0" lang="en-US" altLang="en-US" sz="2000" b="0" i="0" u="none" strike="noStrike" cap="none" normalizeH="0" baseline="0" dirty="0">
                 <a:ln>
                   <a:noFill/>
                 </a:ln>
@@ -3393,7 +3377,7 @@
               </a:rPr>
               <a:t>&lt;/bean&gt;</a:t>
             </a:r>
-            <a:endParaRPr kumimoji="0" lang="en-US" altLang="en-US" sz="2000" b="0" i="0" u="none" strike="noStrike" cap="none" normalizeH="0" baseline="0" dirty="0" smtClean="0">
+            <a:endParaRPr kumimoji="0" lang="en-US" altLang="en-US" sz="2000" b="0" i="0" u="none" strike="noStrike" cap="none" normalizeH="0" baseline="0" dirty="0">
               <a:ln>
                 <a:noFill/>
               </a:ln>
@@ -3403,6 +3387,54 @@
               <a:effectLst/>
               <a:latin typeface="Arial" panose="020B0604020202020204" pitchFamily="34" charset="0"/>
             </a:endParaRPr>
+          </a:p>
+        </p:txBody>
+      </p:sp>
+      <p:sp>
+        <p:nvSpPr>
+          <p:cNvPr id="5" name="TextBox 4">
+            <a:extLst>
+              <a:ext uri="{FF2B5EF4-FFF2-40B4-BE49-F238E27FC236}">
+                <a16:creationId xmlns:a16="http://schemas.microsoft.com/office/drawing/2014/main" id="{22B0A1E9-15B5-42B8-B1D1-513D38DB8F35}"/>
+              </a:ext>
+            </a:extLst>
+          </p:cNvPr>
+          <p:cNvSpPr txBox="1"/>
+          <p:nvPr/>
+        </p:nvSpPr>
+        <p:spPr>
+          <a:xfrm>
+            <a:off x="960966" y="6308209"/>
+            <a:ext cx="10270068" cy="369332"/>
+          </a:xfrm>
+          <a:prstGeom prst="rect">
+            <a:avLst/>
+          </a:prstGeom>
+          <a:noFill/>
+        </p:spPr>
+        <p:txBody>
+          <a:bodyPr wrap="square" rtlCol="0">
+            <a:spAutoFit/>
+          </a:bodyPr>
+          <a:lstStyle/>
+          <a:p>
+            <a:r>
+              <a:rPr lang="ru-RU" dirty="0"/>
+              <a:t>Поменял класс, поменяй в тут</a:t>
+            </a:r>
+            <a:r>
+              <a:rPr lang="en-CA" dirty="0"/>
+              <a:t> (</a:t>
+            </a:r>
+            <a:r>
+              <a:rPr lang="ru-RU" dirty="0"/>
+              <a:t>тот был </a:t>
+            </a:r>
+            <a:r>
+              <a:rPr lang="en-CA" dirty="0"/>
+              <a:t>Deprecated)</a:t>
+            </a:r>
+            <a:endParaRPr lang="ru-RU" dirty="0"/>
           </a:p>
         </p:txBody>
       </p:sp>
@@ -3460,34 +3492,34 @@
               <a:buNone/>
             </a:pPr>
             <a:r>
-              <a:rPr lang="ru-RU" dirty="0" smtClean="0"/>
+              <a:rPr lang="ru-RU" dirty="0"/>
               <a:t>В </a:t>
             </a:r>
             <a:r>
-              <a:rPr lang="ru-RU" dirty="0" err="1" smtClean="0"/>
+              <a:rPr lang="ru-RU" dirty="0" err="1"/>
               <a:t>Spring</a:t>
             </a:r>
             <a:r>
-              <a:rPr lang="ru-RU" dirty="0" smtClean="0"/>
+              <a:rPr lang="ru-RU" dirty="0"/>
               <a:t>  файлы для конфигурации контекста используют </a:t>
             </a:r>
             <a:r>
-              <a:rPr lang="ru-RU" dirty="0" err="1" smtClean="0"/>
+              <a:rPr lang="ru-RU" dirty="0" err="1"/>
               <a:t>плэйсхолдер</a:t>
             </a:r>
             <a:r>
-              <a:rPr lang="ru-RU" dirty="0" smtClean="0"/>
+              <a:rPr lang="ru-RU" dirty="0"/>
               <a:t>  ${</a:t>
             </a:r>
             <a:r>
-              <a:rPr lang="ru-RU" dirty="0" err="1" smtClean="0"/>
+              <a:rPr lang="ru-RU" dirty="0" err="1"/>
               <a:t>название_переменной</a:t>
             </a:r>
             <a:r>
-              <a:rPr lang="ru-RU" dirty="0" smtClean="0"/>
+              <a:rPr lang="ru-RU" dirty="0"/>
               <a:t>(ключ)}.</a:t>
             </a:r>
-            <a:endParaRPr lang="en-US" dirty="0" smtClean="0"/>
+            <a:endParaRPr lang="en-US" dirty="0"/>
           </a:p>
           <a:p>
             <a:pPr marL="0" indent="0">
@@ -3499,7 +3531,7 @@
             <a:pPr marL="0" indent="0">
               <a:buNone/>
             </a:pPr>
-            <a:endParaRPr lang="en-US" dirty="0" smtClean="0"/>
+            <a:endParaRPr lang="en-US" dirty="0"/>
           </a:p>
           <a:p>
             <a:pPr marL="0" indent="0">
@@ -3511,27 +3543,27 @@
             <a:pPr marL="0" indent="0">
               <a:buNone/>
             </a:pPr>
-            <a:endParaRPr lang="en-US" dirty="0" smtClean="0"/>
+            <a:endParaRPr lang="en-US" dirty="0"/>
           </a:p>
           <a:p>
             <a:pPr marL="0" indent="0">
               <a:buNone/>
             </a:pPr>
             <a:r>
-              <a:rPr lang="ru-RU" dirty="0" smtClean="0"/>
+              <a:rPr lang="ru-RU" dirty="0"/>
               <a:t>Содержимое </a:t>
             </a:r>
             <a:r>
-              <a:rPr lang="en-US" dirty="0" err="1" smtClean="0"/>
+              <a:rPr lang="en-US" dirty="0" err="1"/>
               <a:t>jdbc.properties</a:t>
             </a:r>
-            <a:endParaRPr lang="ru-RU" dirty="0" smtClean="0"/>
+            <a:endParaRPr lang="ru-RU" dirty="0"/>
           </a:p>
           <a:p>
             <a:pPr marL="0" indent="0">
               <a:buNone/>
             </a:pPr>
-            <a:endParaRPr lang="ru-RU" dirty="0" smtClean="0"/>
+            <a:endParaRPr lang="ru-RU" dirty="0"/>
           </a:p>
           <a:p>
             <a:pPr marL="0" indent="0">
@@ -3612,7 +3644,7 @@
               <a:tabLst/>
             </a:pPr>
             <a:r>
-              <a:rPr kumimoji="0" lang="en-US" altLang="en-US" sz="2000" b="0" i="0" u="none" strike="noStrike" cap="none" normalizeH="0" baseline="0" dirty="0" smtClean="0">
+              <a:rPr kumimoji="0" lang="en-US" altLang="en-US" sz="2000" b="0" i="0" u="none" strike="noStrike" cap="none" normalizeH="0" baseline="0" dirty="0">
                 <a:ln>
                   <a:noFill/>
                 </a:ln>
@@ -3625,7 +3657,7 @@
               <a:t>&lt;bean </a:t>
             </a:r>
             <a:r>
-              <a:rPr kumimoji="0" lang="en-US" altLang="en-US" sz="2000" b="0" i="0" u="none" strike="noStrike" cap="none" normalizeH="0" baseline="0" dirty="0" smtClean="0">
+              <a:rPr kumimoji="0" lang="en-US" altLang="en-US" sz="2000" b="0" i="0" u="none" strike="noStrike" cap="none" normalizeH="0" baseline="0" dirty="0">
                 <a:ln>
                   <a:noFill/>
                 </a:ln>
@@ -3638,7 +3670,7 @@
               <a:t>name</a:t>
             </a:r>
             <a:r>
-              <a:rPr kumimoji="0" lang="en-US" altLang="en-US" sz="2000" b="0" i="0" u="none" strike="noStrike" cap="none" normalizeH="0" baseline="0" dirty="0" smtClean="0">
+              <a:rPr kumimoji="0" lang="en-US" altLang="en-US" sz="2000" b="0" i="0" u="none" strike="noStrike" cap="none" normalizeH="0" baseline="0" dirty="0">
                 <a:ln>
                   <a:noFill/>
                 </a:ln>
@@ -3651,7 +3683,7 @@
               <a:t>="person" </a:t>
             </a:r>
             <a:r>
-              <a:rPr kumimoji="0" lang="en-US" altLang="en-US" sz="2000" b="0" i="0" u="none" strike="noStrike" cap="none" normalizeH="0" baseline="0" dirty="0" smtClean="0">
+              <a:rPr kumimoji="0" lang="en-US" altLang="en-US" sz="2000" b="0" i="0" u="none" strike="noStrike" cap="none" normalizeH="0" baseline="0" dirty="0">
                 <a:ln>
                   <a:noFill/>
                 </a:ln>
@@ -3664,7 +3696,7 @@
               <a:t>class</a:t>
             </a:r>
             <a:r>
-              <a:rPr kumimoji="0" lang="en-US" altLang="en-US" sz="2000" b="0" i="0" u="none" strike="noStrike" cap="none" normalizeH="0" baseline="0" dirty="0" smtClean="0">
+              <a:rPr kumimoji="0" lang="en-US" altLang="en-US" sz="2000" b="0" i="0" u="none" strike="noStrike" cap="none" normalizeH="0" baseline="0" dirty="0">
                 <a:ln>
                   <a:noFill/>
                 </a:ln>
@@ -3677,7 +3709,7 @@
               <a:t>="com.volkov.IoC.example8.Person"</a:t>
             </a:r>
             <a:r>
-              <a:rPr kumimoji="0" lang="en-US" altLang="en-US" sz="2000" b="0" i="0" u="none" strike="noStrike" cap="none" normalizeH="0" baseline="0" dirty="0" smtClean="0">
+              <a:rPr kumimoji="0" lang="en-US" altLang="en-US" sz="2000" b="0" i="0" u="none" strike="noStrike" cap="none" normalizeH="0" baseline="0" dirty="0">
                 <a:ln>
                   <a:noFill/>
                 </a:ln>
@@ -3690,7 +3722,7 @@
               <a:t>&gt;</a:t>
             </a:r>
             <a:br>
-              <a:rPr kumimoji="0" lang="en-US" altLang="en-US" sz="2000" b="0" i="0" u="none" strike="noStrike" cap="none" normalizeH="0" baseline="0" dirty="0" smtClean="0">
+              <a:rPr kumimoji="0" lang="en-US" altLang="en-US" sz="2000" b="0" i="0" u="none" strike="noStrike" cap="none" normalizeH="0" baseline="0" dirty="0">
                 <a:ln>
                   <a:noFill/>
                 </a:ln>
@@ -3702,7 +3734,7 @@
               </a:rPr>
             </a:br>
             <a:r>
-              <a:rPr kumimoji="0" lang="en-US" altLang="en-US" sz="2000" b="0" i="0" u="none" strike="noStrike" cap="none" normalizeH="0" baseline="0" dirty="0" smtClean="0">
+              <a:rPr kumimoji="0" lang="en-US" altLang="en-US" sz="2000" b="0" i="0" u="none" strike="noStrike" cap="none" normalizeH="0" baseline="0" dirty="0">
                 <a:ln>
                   <a:noFill/>
                 </a:ln>
@@ -3715,7 +3747,7 @@
               <a:t>    &lt;property </a:t>
             </a:r>
             <a:r>
-              <a:rPr kumimoji="0" lang="en-US" altLang="en-US" sz="2000" b="0" i="0" u="none" strike="noStrike" cap="none" normalizeH="0" baseline="0" dirty="0" smtClean="0">
+              <a:rPr kumimoji="0" lang="en-US" altLang="en-US" sz="2000" b="0" i="0" u="none" strike="noStrike" cap="none" normalizeH="0" baseline="0" dirty="0">
                 <a:ln>
                   <a:noFill/>
                 </a:ln>
@@ -3728,7 +3760,7 @@
               <a:t>name</a:t>
             </a:r>
             <a:r>
-              <a:rPr kumimoji="0" lang="en-US" altLang="en-US" sz="2000" b="0" i="0" u="none" strike="noStrike" cap="none" normalizeH="0" baseline="0" dirty="0" smtClean="0">
+              <a:rPr kumimoji="0" lang="en-US" altLang="en-US" sz="2000" b="0" i="0" u="none" strike="noStrike" cap="none" normalizeH="0" baseline="0" dirty="0">
                 <a:ln>
                   <a:noFill/>
                 </a:ln>
@@ -3741,7 +3773,7 @@
               <a:t>="</a:t>
             </a:r>
             <a:r>
-              <a:rPr kumimoji="0" lang="en-US" altLang="en-US" sz="2000" b="0" i="0" u="none" strike="noStrike" cap="none" normalizeH="0" baseline="0" dirty="0" err="1" smtClean="0">
+              <a:rPr kumimoji="0" lang="en-US" altLang="en-US" sz="2000" b="0" i="0" u="none" strike="noStrike" cap="none" normalizeH="0" baseline="0" dirty="0" err="1">
                 <a:ln>
                   <a:noFill/>
                 </a:ln>
@@ -3754,7 +3786,7 @@
               <a:t>firstName</a:t>
             </a:r>
             <a:r>
-              <a:rPr kumimoji="0" lang="en-US" altLang="en-US" sz="2000" b="0" i="0" u="none" strike="noStrike" cap="none" normalizeH="0" baseline="0" dirty="0" smtClean="0">
+              <a:rPr kumimoji="0" lang="en-US" altLang="en-US" sz="2000" b="0" i="0" u="none" strike="noStrike" cap="none" normalizeH="0" baseline="0" dirty="0">
                 <a:ln>
                   <a:noFill/>
                 </a:ln>
@@ -3767,7 +3799,7 @@
               <a:t>" </a:t>
             </a:r>
             <a:r>
-              <a:rPr kumimoji="0" lang="en-US" altLang="en-US" sz="2000" b="0" i="0" u="none" strike="noStrike" cap="none" normalizeH="0" baseline="0" dirty="0" smtClean="0">
+              <a:rPr kumimoji="0" lang="en-US" altLang="en-US" sz="2000" b="0" i="0" u="none" strike="noStrike" cap="none" normalizeH="0" baseline="0" dirty="0">
                 <a:ln>
                   <a:noFill/>
                 </a:ln>
@@ -3780,7 +3812,7 @@
               <a:t>value</a:t>
             </a:r>
             <a:r>
-              <a:rPr kumimoji="0" lang="en-US" altLang="en-US" sz="2000" b="0" i="0" u="none" strike="noStrike" cap="none" normalizeH="0" baseline="0" dirty="0" smtClean="0">
+              <a:rPr kumimoji="0" lang="en-US" altLang="en-US" sz="2000" b="0" i="0" u="none" strike="noStrike" cap="none" normalizeH="0" baseline="0" dirty="0">
                 <a:ln>
                   <a:noFill/>
                 </a:ln>
@@ -3793,7 +3825,7 @@
               <a:t>="${</a:t>
             </a:r>
             <a:r>
-              <a:rPr kumimoji="0" lang="en-US" altLang="en-US" sz="2000" b="0" i="0" u="none" strike="noStrike" cap="none" normalizeH="0" baseline="0" dirty="0" err="1" smtClean="0">
+              <a:rPr kumimoji="0" lang="en-US" altLang="en-US" sz="2000" b="0" i="0" u="none" strike="noStrike" cap="none" normalizeH="0" baseline="0" dirty="0" err="1">
                 <a:ln>
                   <a:noFill/>
                 </a:ln>
@@ -3806,7 +3838,7 @@
               <a:t>jdbc.firstName</a:t>
             </a:r>
             <a:r>
-              <a:rPr kumimoji="0" lang="en-US" altLang="en-US" sz="2000" b="0" i="0" u="none" strike="noStrike" cap="none" normalizeH="0" baseline="0" dirty="0" smtClean="0">
+              <a:rPr kumimoji="0" lang="en-US" altLang="en-US" sz="2000" b="0" i="0" u="none" strike="noStrike" cap="none" normalizeH="0" baseline="0" dirty="0">
                 <a:ln>
                   <a:noFill/>
                 </a:ln>
@@ -3819,7 +3851,7 @@
               <a:t>}"</a:t>
             </a:r>
             <a:r>
-              <a:rPr kumimoji="0" lang="en-US" altLang="en-US" sz="2000" b="0" i="0" u="none" strike="noStrike" cap="none" normalizeH="0" baseline="0" dirty="0" smtClean="0">
+              <a:rPr kumimoji="0" lang="en-US" altLang="en-US" sz="2000" b="0" i="0" u="none" strike="noStrike" cap="none" normalizeH="0" baseline="0" dirty="0">
                 <a:ln>
                   <a:noFill/>
                 </a:ln>
@@ -3832,7 +3864,7 @@
               <a:t>/&gt;</a:t>
             </a:r>
             <a:br>
-              <a:rPr kumimoji="0" lang="en-US" altLang="en-US" sz="2000" b="0" i="0" u="none" strike="noStrike" cap="none" normalizeH="0" baseline="0" dirty="0" smtClean="0">
+              <a:rPr kumimoji="0" lang="en-US" altLang="en-US" sz="2000" b="0" i="0" u="none" strike="noStrike" cap="none" normalizeH="0" baseline="0" dirty="0">
                 <a:ln>
                   <a:noFill/>
                 </a:ln>
@@ -3844,7 +3876,7 @@
               </a:rPr>
             </a:br>
             <a:r>
-              <a:rPr kumimoji="0" lang="en-US" altLang="en-US" sz="2000" b="0" i="0" u="none" strike="noStrike" cap="none" normalizeH="0" baseline="0" dirty="0" smtClean="0">
+              <a:rPr kumimoji="0" lang="en-US" altLang="en-US" sz="2000" b="0" i="0" u="none" strike="noStrike" cap="none" normalizeH="0" baseline="0" dirty="0">
                 <a:ln>
                   <a:noFill/>
                 </a:ln>
@@ -3857,7 +3889,7 @@
               <a:t>    &lt;property </a:t>
             </a:r>
             <a:r>
-              <a:rPr kumimoji="0" lang="en-US" altLang="en-US" sz="2000" b="0" i="0" u="none" strike="noStrike" cap="none" normalizeH="0" baseline="0" dirty="0" smtClean="0">
+              <a:rPr kumimoji="0" lang="en-US" altLang="en-US" sz="2000" b="0" i="0" u="none" strike="noStrike" cap="none" normalizeH="0" baseline="0" dirty="0">
                 <a:ln>
                   <a:noFill/>
                 </a:ln>
@@ -3870,7 +3902,7 @@
               <a:t>name</a:t>
             </a:r>
             <a:r>
-              <a:rPr kumimoji="0" lang="en-US" altLang="en-US" sz="2000" b="0" i="0" u="none" strike="noStrike" cap="none" normalizeH="0" baseline="0" dirty="0" smtClean="0">
+              <a:rPr kumimoji="0" lang="en-US" altLang="en-US" sz="2000" b="0" i="0" u="none" strike="noStrike" cap="none" normalizeH="0" baseline="0" dirty="0">
                 <a:ln>
                   <a:noFill/>
                 </a:ln>
@@ -3883,7 +3915,7 @@
               <a:t>="surname" </a:t>
             </a:r>
             <a:r>
-              <a:rPr kumimoji="0" lang="en-US" altLang="en-US" sz="2000" b="0" i="0" u="none" strike="noStrike" cap="none" normalizeH="0" baseline="0" dirty="0" smtClean="0">
+              <a:rPr kumimoji="0" lang="en-US" altLang="en-US" sz="2000" b="0" i="0" u="none" strike="noStrike" cap="none" normalizeH="0" baseline="0" dirty="0">
                 <a:ln>
                   <a:noFill/>
                 </a:ln>
@@ -3896,7 +3928,7 @@
               <a:t>value</a:t>
             </a:r>
             <a:r>
-              <a:rPr kumimoji="0" lang="en-US" altLang="en-US" sz="2000" b="0" i="0" u="none" strike="noStrike" cap="none" normalizeH="0" baseline="0" dirty="0" smtClean="0">
+              <a:rPr kumimoji="0" lang="en-US" altLang="en-US" sz="2000" b="0" i="0" u="none" strike="noStrike" cap="none" normalizeH="0" baseline="0" dirty="0">
                 <a:ln>
                   <a:noFill/>
                 </a:ln>
@@ -3909,7 +3941,7 @@
               <a:t>="${</a:t>
             </a:r>
             <a:r>
-              <a:rPr kumimoji="0" lang="en-US" altLang="en-US" sz="2000" b="0" i="0" u="none" strike="noStrike" cap="none" normalizeH="0" baseline="0" dirty="0" err="1" smtClean="0">
+              <a:rPr kumimoji="0" lang="en-US" altLang="en-US" sz="2000" b="0" i="0" u="none" strike="noStrike" cap="none" normalizeH="0" baseline="0" dirty="0" err="1">
                 <a:ln>
                   <a:noFill/>
                 </a:ln>
@@ -3922,7 +3954,7 @@
               <a:t>jdbc.surname</a:t>
             </a:r>
             <a:r>
-              <a:rPr kumimoji="0" lang="en-US" altLang="en-US" sz="2000" b="0" i="0" u="none" strike="noStrike" cap="none" normalizeH="0" baseline="0" dirty="0" smtClean="0">
+              <a:rPr kumimoji="0" lang="en-US" altLang="en-US" sz="2000" b="0" i="0" u="none" strike="noStrike" cap="none" normalizeH="0" baseline="0" dirty="0">
                 <a:ln>
                   <a:noFill/>
                 </a:ln>
@@ -3935,7 +3967,7 @@
               <a:t>}"</a:t>
             </a:r>
             <a:r>
-              <a:rPr kumimoji="0" lang="en-US" altLang="en-US" sz="2000" b="0" i="0" u="none" strike="noStrike" cap="none" normalizeH="0" baseline="0" dirty="0" smtClean="0">
+              <a:rPr kumimoji="0" lang="en-US" altLang="en-US" sz="2000" b="0" i="0" u="none" strike="noStrike" cap="none" normalizeH="0" baseline="0" dirty="0">
                 <a:ln>
                   <a:noFill/>
                 </a:ln>
@@ -3948,7 +3980,7 @@
               <a:t>/&gt;</a:t>
             </a:r>
             <a:br>
-              <a:rPr kumimoji="0" lang="en-US" altLang="en-US" sz="2000" b="0" i="0" u="none" strike="noStrike" cap="none" normalizeH="0" baseline="0" dirty="0" smtClean="0">
+              <a:rPr kumimoji="0" lang="en-US" altLang="en-US" sz="2000" b="0" i="0" u="none" strike="noStrike" cap="none" normalizeH="0" baseline="0" dirty="0">
                 <a:ln>
                   <a:noFill/>
                 </a:ln>
@@ -3960,7 +3992,7 @@
               </a:rPr>
             </a:br>
             <a:r>
-              <a:rPr kumimoji="0" lang="en-US" altLang="en-US" sz="2000" b="0" i="0" u="none" strike="noStrike" cap="none" normalizeH="0" baseline="0" dirty="0" smtClean="0">
+              <a:rPr kumimoji="0" lang="en-US" altLang="en-US" sz="2000" b="0" i="0" u="none" strike="noStrike" cap="none" normalizeH="0" baseline="0" dirty="0">
                 <a:ln>
                   <a:noFill/>
                 </a:ln>
@@ -3973,7 +4005,7 @@
               <a:t>    &lt;property </a:t>
             </a:r>
             <a:r>
-              <a:rPr kumimoji="0" lang="en-US" altLang="en-US" sz="2000" b="0" i="0" u="none" strike="noStrike" cap="none" normalizeH="0" baseline="0" dirty="0" smtClean="0">
+              <a:rPr kumimoji="0" lang="en-US" altLang="en-US" sz="2000" b="0" i="0" u="none" strike="noStrike" cap="none" normalizeH="0" baseline="0" dirty="0">
                 <a:ln>
                   <a:noFill/>
                 </a:ln>
@@ -3986,7 +4018,7 @@
               <a:t>name</a:t>
             </a:r>
             <a:r>
-              <a:rPr kumimoji="0" lang="en-US" altLang="en-US" sz="2000" b="0" i="0" u="none" strike="noStrike" cap="none" normalizeH="0" baseline="0" dirty="0" smtClean="0">
+              <a:rPr kumimoji="0" lang="en-US" altLang="en-US" sz="2000" b="0" i="0" u="none" strike="noStrike" cap="none" normalizeH="0" baseline="0" dirty="0">
                 <a:ln>
                   <a:noFill/>
                 </a:ln>
@@ -3999,7 +4031,7 @@
               <a:t>="</a:t>
             </a:r>
             <a:r>
-              <a:rPr kumimoji="0" lang="en-US" altLang="en-US" sz="2000" b="0" i="0" u="none" strike="noStrike" cap="none" normalizeH="0" baseline="0" dirty="0" err="1" smtClean="0">
+              <a:rPr kumimoji="0" lang="en-US" altLang="en-US" sz="2000" b="0" i="0" u="none" strike="noStrike" cap="none" normalizeH="0" baseline="0" dirty="0" err="1">
                 <a:ln>
                   <a:noFill/>
                 </a:ln>
@@ -4012,7 +4044,7 @@
               <a:t>middleName</a:t>
             </a:r>
             <a:r>
-              <a:rPr kumimoji="0" lang="en-US" altLang="en-US" sz="2000" b="0" i="0" u="none" strike="noStrike" cap="none" normalizeH="0" baseline="0" dirty="0" smtClean="0">
+              <a:rPr kumimoji="0" lang="en-US" altLang="en-US" sz="2000" b="0" i="0" u="none" strike="noStrike" cap="none" normalizeH="0" baseline="0" dirty="0">
                 <a:ln>
                   <a:noFill/>
                 </a:ln>
@@ -4025,7 +4057,7 @@
               <a:t>" </a:t>
             </a:r>
             <a:r>
-              <a:rPr kumimoji="0" lang="en-US" altLang="en-US" sz="2000" b="0" i="0" u="none" strike="noStrike" cap="none" normalizeH="0" baseline="0" dirty="0" smtClean="0">
+              <a:rPr kumimoji="0" lang="en-US" altLang="en-US" sz="2000" b="0" i="0" u="none" strike="noStrike" cap="none" normalizeH="0" baseline="0" dirty="0">
                 <a:ln>
                   <a:noFill/>
                 </a:ln>
@@ -4038,7 +4070,7 @@
               <a:t>value</a:t>
             </a:r>
             <a:r>
-              <a:rPr kumimoji="0" lang="en-US" altLang="en-US" sz="2000" b="0" i="0" u="none" strike="noStrike" cap="none" normalizeH="0" baseline="0" dirty="0" smtClean="0">
+              <a:rPr kumimoji="0" lang="en-US" altLang="en-US" sz="2000" b="0" i="0" u="none" strike="noStrike" cap="none" normalizeH="0" baseline="0" dirty="0">
                 <a:ln>
                   <a:noFill/>
                 </a:ln>
@@ -4051,7 +4083,7 @@
               <a:t>="${</a:t>
             </a:r>
             <a:r>
-              <a:rPr kumimoji="0" lang="en-US" altLang="en-US" sz="2000" b="0" i="0" u="none" strike="noStrike" cap="none" normalizeH="0" baseline="0" dirty="0" err="1" smtClean="0">
+              <a:rPr kumimoji="0" lang="en-US" altLang="en-US" sz="2000" b="0" i="0" u="none" strike="noStrike" cap="none" normalizeH="0" baseline="0" dirty="0" err="1">
                 <a:ln>
                   <a:noFill/>
                 </a:ln>
@@ -4064,7 +4096,7 @@
               <a:t>jdbc.middleName</a:t>
             </a:r>
             <a:r>
-              <a:rPr kumimoji="0" lang="en-US" altLang="en-US" sz="2000" b="0" i="0" u="none" strike="noStrike" cap="none" normalizeH="0" baseline="0" dirty="0" smtClean="0">
+              <a:rPr kumimoji="0" lang="en-US" altLang="en-US" sz="2000" b="0" i="0" u="none" strike="noStrike" cap="none" normalizeH="0" baseline="0" dirty="0">
                 <a:ln>
                   <a:noFill/>
                 </a:ln>
@@ -4077,7 +4109,7 @@
               <a:t>}"</a:t>
             </a:r>
             <a:r>
-              <a:rPr kumimoji="0" lang="en-US" altLang="en-US" sz="2000" b="0" i="0" u="none" strike="noStrike" cap="none" normalizeH="0" baseline="0" dirty="0" smtClean="0">
+              <a:rPr kumimoji="0" lang="en-US" altLang="en-US" sz="2000" b="0" i="0" u="none" strike="noStrike" cap="none" normalizeH="0" baseline="0" dirty="0">
                 <a:ln>
                   <a:noFill/>
                 </a:ln>
@@ -4090,7 +4122,7 @@
               <a:t>/&gt;</a:t>
             </a:r>
             <a:br>
-              <a:rPr kumimoji="0" lang="en-US" altLang="en-US" sz="2000" b="0" i="0" u="none" strike="noStrike" cap="none" normalizeH="0" baseline="0" dirty="0" smtClean="0">
+              <a:rPr kumimoji="0" lang="en-US" altLang="en-US" sz="2000" b="0" i="0" u="none" strike="noStrike" cap="none" normalizeH="0" baseline="0" dirty="0">
                 <a:ln>
                   <a:noFill/>
                 </a:ln>
@@ -4102,7 +4134,7 @@
               </a:rPr>
             </a:br>
             <a:r>
-              <a:rPr kumimoji="0" lang="en-US" altLang="en-US" sz="2000" b="0" i="0" u="none" strike="noStrike" cap="none" normalizeH="0" baseline="0" dirty="0" smtClean="0">
+              <a:rPr kumimoji="0" lang="en-US" altLang="en-US" sz="2000" b="0" i="0" u="none" strike="noStrike" cap="none" normalizeH="0" baseline="0" dirty="0">
                 <a:ln>
                   <a:noFill/>
                 </a:ln>
@@ -4115,7 +4147,7 @@
               <a:t>    &lt;property </a:t>
             </a:r>
             <a:r>
-              <a:rPr kumimoji="0" lang="en-US" altLang="en-US" sz="2000" b="0" i="0" u="none" strike="noStrike" cap="none" normalizeH="0" baseline="0" dirty="0" smtClean="0">
+              <a:rPr kumimoji="0" lang="en-US" altLang="en-US" sz="2000" b="0" i="0" u="none" strike="noStrike" cap="none" normalizeH="0" baseline="0" dirty="0">
                 <a:ln>
                   <a:noFill/>
                 </a:ln>
@@ -4128,7 +4160,7 @@
               <a:t>name</a:t>
             </a:r>
             <a:r>
-              <a:rPr kumimoji="0" lang="en-US" altLang="en-US" sz="2000" b="0" i="0" u="none" strike="noStrike" cap="none" normalizeH="0" baseline="0" dirty="0" smtClean="0">
+              <a:rPr kumimoji="0" lang="en-US" altLang="en-US" sz="2000" b="0" i="0" u="none" strike="noStrike" cap="none" normalizeH="0" baseline="0" dirty="0">
                 <a:ln>
                   <a:noFill/>
                 </a:ln>
@@ -4141,7 +4173,7 @@
               <a:t>="age" </a:t>
             </a:r>
             <a:r>
-              <a:rPr kumimoji="0" lang="en-US" altLang="en-US" sz="2000" b="0" i="0" u="none" strike="noStrike" cap="none" normalizeH="0" baseline="0" dirty="0" smtClean="0">
+              <a:rPr kumimoji="0" lang="en-US" altLang="en-US" sz="2000" b="0" i="0" u="none" strike="noStrike" cap="none" normalizeH="0" baseline="0" dirty="0">
                 <a:ln>
                   <a:noFill/>
                 </a:ln>
@@ -4154,7 +4186,7 @@
               <a:t>value</a:t>
             </a:r>
             <a:r>
-              <a:rPr kumimoji="0" lang="en-US" altLang="en-US" sz="2000" b="0" i="0" u="none" strike="noStrike" cap="none" normalizeH="0" baseline="0" dirty="0" smtClean="0">
+              <a:rPr kumimoji="0" lang="en-US" altLang="en-US" sz="2000" b="0" i="0" u="none" strike="noStrike" cap="none" normalizeH="0" baseline="0" dirty="0">
                 <a:ln>
                   <a:noFill/>
                 </a:ln>
@@ -4167,7 +4199,7 @@
               <a:t>="${</a:t>
             </a:r>
             <a:r>
-              <a:rPr kumimoji="0" lang="en-US" altLang="en-US" sz="2000" b="0" i="0" u="none" strike="noStrike" cap="none" normalizeH="0" baseline="0" dirty="0" err="1" smtClean="0">
+              <a:rPr kumimoji="0" lang="en-US" altLang="en-US" sz="2000" b="0" i="0" u="none" strike="noStrike" cap="none" normalizeH="0" baseline="0" dirty="0" err="1">
                 <a:ln>
                   <a:noFill/>
                 </a:ln>
@@ -4180,7 +4212,7 @@
               <a:t>jdbc.age</a:t>
             </a:r>
             <a:r>
-              <a:rPr kumimoji="0" lang="en-US" altLang="en-US" sz="2000" b="0" i="0" u="none" strike="noStrike" cap="none" normalizeH="0" baseline="0" dirty="0" smtClean="0">
+              <a:rPr kumimoji="0" lang="en-US" altLang="en-US" sz="2000" b="0" i="0" u="none" strike="noStrike" cap="none" normalizeH="0" baseline="0" dirty="0">
                 <a:ln>
                   <a:noFill/>
                 </a:ln>
@@ -4193,7 +4225,7 @@
               <a:t>}"</a:t>
             </a:r>
             <a:r>
-              <a:rPr kumimoji="0" lang="en-US" altLang="en-US" sz="2000" b="0" i="0" u="none" strike="noStrike" cap="none" normalizeH="0" baseline="0" dirty="0" smtClean="0">
+              <a:rPr kumimoji="0" lang="en-US" altLang="en-US" sz="2000" b="0" i="0" u="none" strike="noStrike" cap="none" normalizeH="0" baseline="0" dirty="0">
                 <a:ln>
                   <a:noFill/>
                 </a:ln>
@@ -4206,7 +4238,7 @@
               <a:t>/&gt;</a:t>
             </a:r>
             <a:br>
-              <a:rPr kumimoji="0" lang="en-US" altLang="en-US" sz="2000" b="0" i="0" u="none" strike="noStrike" cap="none" normalizeH="0" baseline="0" dirty="0" smtClean="0">
+              <a:rPr kumimoji="0" lang="en-US" altLang="en-US" sz="2000" b="0" i="0" u="none" strike="noStrike" cap="none" normalizeH="0" baseline="0" dirty="0">
                 <a:ln>
                   <a:noFill/>
                 </a:ln>
@@ -4218,7 +4250,7 @@
               </a:rPr>
             </a:br>
             <a:r>
-              <a:rPr kumimoji="0" lang="en-US" altLang="en-US" sz="2000" b="0" i="0" u="none" strike="noStrike" cap="none" normalizeH="0" baseline="0" dirty="0" smtClean="0">
+              <a:rPr kumimoji="0" lang="en-US" altLang="en-US" sz="2000" b="0" i="0" u="none" strike="noStrike" cap="none" normalizeH="0" baseline="0" dirty="0">
                 <a:ln>
                   <a:noFill/>
                 </a:ln>
@@ -4230,7 +4262,7 @@
               </a:rPr>
               <a:t>&lt;/bean&gt;</a:t>
             </a:r>
-            <a:endParaRPr kumimoji="0" lang="en-US" altLang="en-US" sz="2000" b="0" i="0" u="none" strike="noStrike" cap="none" normalizeH="0" baseline="0" dirty="0" smtClean="0">
+            <a:endParaRPr kumimoji="0" lang="en-US" altLang="en-US" sz="2000" b="0" i="0" u="none" strike="noStrike" cap="none" normalizeH="0" baseline="0" dirty="0">
               <a:ln>
                 <a:noFill/>
               </a:ln>
@@ -4253,7 +4285,7 @@
         </p:nvSpPr>
         <p:spPr bwMode="auto">
           <a:xfrm>
-            <a:off x="838199" y="4187860"/>
+            <a:off x="838199" y="4069327"/>
             <a:ext cx="10153651" cy="1323439"/>
           </a:xfrm>
           <a:prstGeom prst="rect">
@@ -4314,7 +4346,7 @@
               <a:tabLst/>
             </a:pPr>
             <a:r>
-              <a:rPr kumimoji="0" lang="en-US" altLang="en-US" sz="2000" b="0" i="0" u="none" strike="noStrike" cap="none" normalizeH="0" baseline="0" dirty="0" err="1" smtClean="0">
+              <a:rPr kumimoji="0" lang="en-US" altLang="en-US" sz="2000" b="0" i="0" u="none" strike="noStrike" cap="none" normalizeH="0" baseline="0" dirty="0" err="1">
                 <a:ln>
                   <a:noFill/>
                 </a:ln>
@@ -4327,7 +4359,7 @@
               <a:t>jdbc.firstName</a:t>
             </a:r>
             <a:r>
-              <a:rPr kumimoji="0" lang="en-US" altLang="en-US" sz="2000" b="0" i="0" u="none" strike="noStrike" cap="none" normalizeH="0" baseline="0" dirty="0" smtClean="0">
+              <a:rPr kumimoji="0" lang="en-US" altLang="en-US" sz="2000" b="0" i="0" u="none" strike="noStrike" cap="none" normalizeH="0" baseline="0" dirty="0">
                 <a:ln>
                   <a:noFill/>
                 </a:ln>
@@ -4340,7 +4372,7 @@
               <a:t>=</a:t>
             </a:r>
             <a:r>
-              <a:rPr kumimoji="0" lang="en-US" altLang="en-US" sz="2000" b="0" i="0" u="none" strike="noStrike" cap="none" normalizeH="0" baseline="0" dirty="0" smtClean="0">
+              <a:rPr kumimoji="0" lang="en-US" altLang="en-US" sz="2000" b="0" i="0" u="none" strike="noStrike" cap="none" normalizeH="0" baseline="0" dirty="0">
                 <a:ln>
                   <a:noFill/>
                 </a:ln>
@@ -4353,7 +4385,7 @@
               <a:t>Ivan</a:t>
             </a:r>
             <a:br>
-              <a:rPr kumimoji="0" lang="en-US" altLang="en-US" sz="2000" b="0" i="0" u="none" strike="noStrike" cap="none" normalizeH="0" baseline="0" dirty="0" smtClean="0">
+              <a:rPr kumimoji="0" lang="en-US" altLang="en-US" sz="2000" b="0" i="0" u="none" strike="noStrike" cap="none" normalizeH="0" baseline="0" dirty="0">
                 <a:ln>
                   <a:noFill/>
                 </a:ln>
@@ -4365,7 +4397,7 @@
               </a:rPr>
             </a:br>
             <a:r>
-              <a:rPr kumimoji="0" lang="en-US" altLang="en-US" sz="2000" b="0" i="0" u="none" strike="noStrike" cap="none" normalizeH="0" baseline="0" dirty="0" err="1" smtClean="0">
+              <a:rPr kumimoji="0" lang="en-US" altLang="en-US" sz="2000" b="0" i="0" u="none" strike="noStrike" cap="none" normalizeH="0" baseline="0" dirty="0" err="1">
                 <a:ln>
                   <a:noFill/>
                 </a:ln>
@@ -4378,7 +4410,7 @@
               <a:t>jdbc.surname</a:t>
             </a:r>
             <a:r>
-              <a:rPr kumimoji="0" lang="en-US" altLang="en-US" sz="2000" b="0" i="0" u="none" strike="noStrike" cap="none" normalizeH="0" baseline="0" dirty="0" smtClean="0">
+              <a:rPr kumimoji="0" lang="en-US" altLang="en-US" sz="2000" b="0" i="0" u="none" strike="noStrike" cap="none" normalizeH="0" baseline="0" dirty="0">
                 <a:ln>
                   <a:noFill/>
                 </a:ln>
@@ -4391,7 +4423,7 @@
               <a:t>=</a:t>
             </a:r>
             <a:r>
-              <a:rPr kumimoji="0" lang="en-US" altLang="en-US" sz="2000" b="0" i="0" u="none" strike="noStrike" cap="none" normalizeH="0" baseline="0" dirty="0" smtClean="0">
+              <a:rPr kumimoji="0" lang="en-US" altLang="en-US" sz="2000" b="0" i="0" u="none" strike="noStrike" cap="none" normalizeH="0" baseline="0" dirty="0">
                 <a:ln>
                   <a:noFill/>
                 </a:ln>
@@ -4404,7 +4436,7 @@
               <a:t>Ivanov</a:t>
             </a:r>
             <a:br>
-              <a:rPr kumimoji="0" lang="en-US" altLang="en-US" sz="2000" b="0" i="0" u="none" strike="noStrike" cap="none" normalizeH="0" baseline="0" dirty="0" smtClean="0">
+              <a:rPr kumimoji="0" lang="en-US" altLang="en-US" sz="2000" b="0" i="0" u="none" strike="noStrike" cap="none" normalizeH="0" baseline="0" dirty="0">
                 <a:ln>
                   <a:noFill/>
                 </a:ln>
@@ -4416,7 +4448,7 @@
               </a:rPr>
             </a:br>
             <a:r>
-              <a:rPr kumimoji="0" lang="en-US" altLang="en-US" sz="2000" b="0" i="0" u="none" strike="noStrike" cap="none" normalizeH="0" baseline="0" dirty="0" err="1" smtClean="0">
+              <a:rPr kumimoji="0" lang="en-US" altLang="en-US" sz="2000" b="0" i="0" u="none" strike="noStrike" cap="none" normalizeH="0" baseline="0" dirty="0" err="1">
                 <a:ln>
                   <a:noFill/>
                 </a:ln>
@@ -4429,7 +4461,7 @@
               <a:t>jdbc.middleName</a:t>
             </a:r>
             <a:r>
-              <a:rPr kumimoji="0" lang="en-US" altLang="en-US" sz="2000" b="0" i="0" u="none" strike="noStrike" cap="none" normalizeH="0" baseline="0" dirty="0" smtClean="0">
+              <a:rPr kumimoji="0" lang="en-US" altLang="en-US" sz="2000" b="0" i="0" u="none" strike="noStrike" cap="none" normalizeH="0" baseline="0" dirty="0">
                 <a:ln>
                   <a:noFill/>
                 </a:ln>
@@ -4442,7 +4474,7 @@
               <a:t>=</a:t>
             </a:r>
             <a:r>
-              <a:rPr kumimoji="0" lang="en-US" altLang="en-US" sz="2000" b="0" i="0" u="none" strike="noStrike" cap="none" normalizeH="0" baseline="0" dirty="0" err="1" smtClean="0">
+              <a:rPr kumimoji="0" lang="en-US" altLang="en-US" sz="2000" b="0" i="0" u="none" strike="noStrike" cap="none" normalizeH="0" baseline="0" dirty="0" err="1">
                 <a:ln>
                   <a:noFill/>
                 </a:ln>
@@ -4454,8 +4486,8 @@
               </a:rPr>
               <a:t>Ivanovich</a:t>
             </a:r>
-            <a:r>
-              <a:rPr kumimoji="0" lang="en-US" altLang="en-US" sz="2000" b="0" i="0" u="none" strike="noStrike" cap="none" normalizeH="0" baseline="0" dirty="0" smtClean="0">
+            <a:br>
+              <a:rPr kumimoji="0" lang="en-US" altLang="en-US" sz="2000" b="0" i="0" u="none" strike="noStrike" cap="none" normalizeH="0" baseline="0" dirty="0">
                 <a:ln>
                   <a:noFill/>
                 </a:ln>
@@ -4465,10 +4497,35 @@
                 <a:effectLst/>
                 <a:latin typeface="JetBrains Mono"/>
               </a:rPr>
-              <a:t/>
-            </a:r>
-            <a:br>
-              <a:rPr kumimoji="0" lang="en-US" altLang="en-US" sz="2000" b="0" i="0" u="none" strike="noStrike" cap="none" normalizeH="0" baseline="0" dirty="0" smtClean="0">
+            </a:br>
+            <a:r>
+              <a:rPr kumimoji="0" lang="en-US" altLang="en-US" sz="2000" b="0" i="0" u="none" strike="noStrike" cap="none" normalizeH="0" baseline="0" dirty="0" err="1">
+                <a:ln>
+                  <a:noFill/>
+                </a:ln>
+                <a:solidFill>
+                  <a:srgbClr val="CC7832"/>
+                </a:solidFill>
+                <a:effectLst/>
+                <a:latin typeface="JetBrains Mono"/>
+              </a:rPr>
+              <a:t>jdbc.age</a:t>
+            </a:r>
+            <a:r>
+              <a:rPr kumimoji="0" lang="en-US" altLang="en-US" sz="2000" b="0" i="0" u="none" strike="noStrike" cap="none" normalizeH="0" baseline="0" dirty="0">
+                <a:ln>
+                  <a:noFill/>
+                </a:ln>
+                <a:solidFill>
+                  <a:srgbClr val="808080"/>
+                </a:solidFill>
+                <a:effectLst/>
+                <a:latin typeface="JetBrains Mono"/>
+              </a:rPr>
+              <a:t>=</a:t>
+            </a:r>
+            <a:r>
+              <a:rPr kumimoji="0" lang="en-US" altLang="en-US" sz="2000" b="0" i="0" u="none" strike="noStrike" cap="none" normalizeH="0" baseline="0" dirty="0">
                 <a:ln>
                   <a:noFill/>
                 </a:ln>
@@ -4478,47 +4535,9 @@
                 <a:effectLst/>
                 <a:latin typeface="JetBrains Mono"/>
               </a:rPr>
-            </a:br>
-            <a:r>
-              <a:rPr kumimoji="0" lang="en-US" altLang="en-US" sz="2000" b="0" i="0" u="none" strike="noStrike" cap="none" normalizeH="0" baseline="0" dirty="0" err="1" smtClean="0">
-                <a:ln>
-                  <a:noFill/>
-                </a:ln>
-                <a:solidFill>
-                  <a:srgbClr val="CC7832"/>
-                </a:solidFill>
-                <a:effectLst/>
-                <a:latin typeface="JetBrains Mono"/>
-              </a:rPr>
-              <a:t>jdbc.age</a:t>
-            </a:r>
-            <a:r>
-              <a:rPr kumimoji="0" lang="en-US" altLang="en-US" sz="2000" b="0" i="0" u="none" strike="noStrike" cap="none" normalizeH="0" baseline="0" dirty="0" smtClean="0">
-                <a:ln>
-                  <a:noFill/>
-                </a:ln>
-                <a:solidFill>
-                  <a:srgbClr val="808080"/>
-                </a:solidFill>
-                <a:effectLst/>
-                <a:latin typeface="JetBrains Mono"/>
-              </a:rPr>
-              <a:t>=</a:t>
-            </a:r>
-            <a:r>
-              <a:rPr kumimoji="0" lang="en-US" altLang="en-US" sz="2000" b="0" i="0" u="none" strike="noStrike" cap="none" normalizeH="0" baseline="0" dirty="0" smtClean="0">
-                <a:ln>
-                  <a:noFill/>
-                </a:ln>
-                <a:solidFill>
-                  <a:srgbClr val="6A8759"/>
-                </a:solidFill>
-                <a:effectLst/>
-                <a:latin typeface="JetBrains Mono"/>
-              </a:rPr>
               <a:t>29</a:t>
             </a:r>
-            <a:endParaRPr kumimoji="0" lang="en-US" altLang="en-US" sz="2000" b="0" i="0" u="none" strike="noStrike" cap="none" normalizeH="0" baseline="0" dirty="0" smtClean="0">
+            <a:endParaRPr kumimoji="0" lang="en-US" altLang="en-US" sz="2000" b="0" i="0" u="none" strike="noStrike" cap="none" normalizeH="0" baseline="0" dirty="0">
               <a:ln>
                 <a:noFill/>
               </a:ln>

--- a/presentations/example8.pptx
+++ b/presentations/example8.pptx
@@ -242,7 +242,7 @@
           <a:p>
             <a:fld id="{77CC3237-DEF2-4D63-BA16-634F34610D7A}" type="datetimeFigureOut">
               <a:rPr lang="en-US" smtClean="0"/>
-              <a:t>5/8/2021</a:t>
+              <a:t>5/9/2021</a:t>
             </a:fld>
             <a:endParaRPr lang="en-US"/>
           </a:p>
@@ -410,7 +410,7 @@
           <a:p>
             <a:fld id="{77CC3237-DEF2-4D63-BA16-634F34610D7A}" type="datetimeFigureOut">
               <a:rPr lang="en-US" smtClean="0"/>
-              <a:t>5/8/2021</a:t>
+              <a:t>5/9/2021</a:t>
             </a:fld>
             <a:endParaRPr lang="en-US"/>
           </a:p>
@@ -588,7 +588,7 @@
           <a:p>
             <a:fld id="{77CC3237-DEF2-4D63-BA16-634F34610D7A}" type="datetimeFigureOut">
               <a:rPr lang="en-US" smtClean="0"/>
-              <a:t>5/8/2021</a:t>
+              <a:t>5/9/2021</a:t>
             </a:fld>
             <a:endParaRPr lang="en-US"/>
           </a:p>
@@ -756,7 +756,7 @@
           <a:p>
             <a:fld id="{77CC3237-DEF2-4D63-BA16-634F34610D7A}" type="datetimeFigureOut">
               <a:rPr lang="en-US" smtClean="0"/>
-              <a:t>5/8/2021</a:t>
+              <a:t>5/9/2021</a:t>
             </a:fld>
             <a:endParaRPr lang="en-US"/>
           </a:p>
@@ -1001,7 +1001,7 @@
           <a:p>
             <a:fld id="{77CC3237-DEF2-4D63-BA16-634F34610D7A}" type="datetimeFigureOut">
               <a:rPr lang="en-US" smtClean="0"/>
-              <a:t>5/8/2021</a:t>
+              <a:t>5/9/2021</a:t>
             </a:fld>
             <a:endParaRPr lang="en-US"/>
           </a:p>
@@ -1230,7 +1230,7 @@
           <a:p>
             <a:fld id="{77CC3237-DEF2-4D63-BA16-634F34610D7A}" type="datetimeFigureOut">
               <a:rPr lang="en-US" smtClean="0"/>
-              <a:t>5/8/2021</a:t>
+              <a:t>5/9/2021</a:t>
             </a:fld>
             <a:endParaRPr lang="en-US"/>
           </a:p>
@@ -1594,7 +1594,7 @@
           <a:p>
             <a:fld id="{77CC3237-DEF2-4D63-BA16-634F34610D7A}" type="datetimeFigureOut">
               <a:rPr lang="en-US" smtClean="0"/>
-              <a:t>5/8/2021</a:t>
+              <a:t>5/9/2021</a:t>
             </a:fld>
             <a:endParaRPr lang="en-US"/>
           </a:p>
@@ -1711,7 +1711,7 @@
           <a:p>
             <a:fld id="{77CC3237-DEF2-4D63-BA16-634F34610D7A}" type="datetimeFigureOut">
               <a:rPr lang="en-US" smtClean="0"/>
-              <a:t>5/8/2021</a:t>
+              <a:t>5/9/2021</a:t>
             </a:fld>
             <a:endParaRPr lang="en-US"/>
           </a:p>
@@ -1806,7 +1806,7 @@
           <a:p>
             <a:fld id="{77CC3237-DEF2-4D63-BA16-634F34610D7A}" type="datetimeFigureOut">
               <a:rPr lang="en-US" smtClean="0"/>
-              <a:t>5/8/2021</a:t>
+              <a:t>5/9/2021</a:t>
             </a:fld>
             <a:endParaRPr lang="en-US"/>
           </a:p>
@@ -2081,7 +2081,7 @@
           <a:p>
             <a:fld id="{77CC3237-DEF2-4D63-BA16-634F34610D7A}" type="datetimeFigureOut">
               <a:rPr lang="en-US" smtClean="0"/>
-              <a:t>5/8/2021</a:t>
+              <a:t>5/9/2021</a:t>
             </a:fld>
             <a:endParaRPr lang="en-US"/>
           </a:p>
@@ -2333,7 +2333,7 @@
           <a:p>
             <a:fld id="{77CC3237-DEF2-4D63-BA16-634F34610D7A}" type="datetimeFigureOut">
               <a:rPr lang="en-US" smtClean="0"/>
-              <a:t>5/8/2021</a:t>
+              <a:t>5/9/2021</a:t>
             </a:fld>
             <a:endParaRPr lang="en-US"/>
           </a:p>
@@ -2544,7 +2544,7 @@
           <a:p>
             <a:fld id="{77CC3237-DEF2-4D63-BA16-634F34610D7A}" type="datetimeFigureOut">
               <a:rPr lang="en-US" smtClean="0"/>
-              <a:t>5/8/2021</a:t>
+              <a:t>5/9/2021</a:t>
             </a:fld>
             <a:endParaRPr lang="en-US"/>
           </a:p>
@@ -3028,12 +3028,12 @@
               <a:t>файлы </a:t>
             </a:r>
             <a:r>
-              <a:rPr lang="ru-RU" dirty="0" err="1"/>
-              <a:t>объвленные</a:t>
+              <a:rPr lang="ru-RU" dirty="0" smtClean="0"/>
+              <a:t>объявленные </a:t>
             </a:r>
             <a:r>
               <a:rPr lang="ru-RU" dirty="0"/>
-              <a:t> при помощи</a:t>
+              <a:t>при помощи</a:t>
             </a:r>
             <a:r>
               <a:rPr lang="ru-RU" b="1" dirty="0"/>
@@ -3116,7 +3116,7 @@
       </p:sp>
       <p:sp>
         <p:nvSpPr>
-          <p:cNvPr id="4" name="Rectangle 1"/>
+          <p:cNvPr id="7" name="Rectangle 2"/>
           <p:cNvSpPr>
             <a:spLocks noChangeArrowheads="1"/>
           </p:cNvSpPr>
@@ -3124,8 +3124,8 @@
         </p:nvSpPr>
         <p:spPr bwMode="auto">
           <a:xfrm>
-            <a:off x="838200" y="4001294"/>
-            <a:ext cx="10791826" cy="1015663"/>
+            <a:off x="960967" y="3826044"/>
+            <a:ext cx="10659534" cy="1015663"/>
           </a:xfrm>
           <a:prstGeom prst="rect">
             <a:avLst/>
@@ -3185,7 +3185,7 @@
               <a:tabLst/>
             </a:pPr>
             <a:r>
-              <a:rPr kumimoji="0" lang="en-US" altLang="en-US" sz="2000" b="0" i="0" u="none" strike="noStrike" cap="none" normalizeH="0" baseline="0" dirty="0">
+              <a:rPr kumimoji="0" lang="en-US" altLang="en-US" sz="2000" b="0" i="0" u="none" strike="noStrike" cap="none" normalizeH="0" baseline="0" dirty="0" smtClean="0">
                 <a:ln>
                   <a:noFill/>
                 </a:ln>
@@ -3198,7 +3198,7 @@
               <a:t>&lt;bean </a:t>
             </a:r>
             <a:r>
-              <a:rPr kumimoji="0" lang="en-US" altLang="en-US" sz="2000" b="0" i="0" u="none" strike="noStrike" cap="none" normalizeH="0" baseline="0" dirty="0">
+              <a:rPr kumimoji="0" lang="en-US" altLang="en-US" sz="2000" b="0" i="0" u="none" strike="noStrike" cap="none" normalizeH="0" baseline="0" dirty="0" smtClean="0">
                 <a:ln>
                   <a:noFill/>
                 </a:ln>
@@ -3211,7 +3211,7 @@
               <a:t>class</a:t>
             </a:r>
             <a:r>
-              <a:rPr kumimoji="0" lang="en-US" altLang="en-US" sz="2000" b="0" i="0" u="none" strike="noStrike" cap="none" normalizeH="0" baseline="0" dirty="0">
+              <a:rPr kumimoji="0" lang="en-US" altLang="en-US" sz="2000" b="0" i="0" u="none" strike="noStrike" cap="none" normalizeH="0" baseline="0" dirty="0" smtClean="0">
                 <a:ln>
                   <a:noFill/>
                 </a:ln>
@@ -3221,10 +3221,10 @@
                 <a:effectLst/>
                 <a:latin typeface="JetBrains Mono"/>
               </a:rPr>
-              <a:t>="org.springframework.beans.factory.config.PropertyPlaceholderConfigurer"</a:t>
-            </a:r>
-            <a:r>
-              <a:rPr kumimoji="0" lang="en-US" altLang="en-US" sz="2000" b="0" i="0" u="none" strike="noStrike" cap="none" normalizeH="0" baseline="0" dirty="0">
+              <a:t>="org.springframework.context.support.PropertySourcesPlaceholderConfigurer"</a:t>
+            </a:r>
+            <a:r>
+              <a:rPr kumimoji="0" lang="en-US" altLang="en-US" sz="2000" b="0" i="0" u="none" strike="noStrike" cap="none" normalizeH="0" baseline="0" dirty="0" smtClean="0">
                 <a:ln>
                   <a:noFill/>
                 </a:ln>
@@ -3237,7 +3237,7 @@
               <a:t>&gt;</a:t>
             </a:r>
             <a:br>
-              <a:rPr kumimoji="0" lang="en-US" altLang="en-US" sz="2000" b="0" i="0" u="none" strike="noStrike" cap="none" normalizeH="0" baseline="0" dirty="0">
+              <a:rPr kumimoji="0" lang="en-US" altLang="en-US" sz="2000" b="0" i="0" u="none" strike="noStrike" cap="none" normalizeH="0" baseline="0" dirty="0" smtClean="0">
                 <a:ln>
                   <a:noFill/>
                 </a:ln>
@@ -3249,7 +3249,7 @@
               </a:rPr>
             </a:br>
             <a:r>
-              <a:rPr kumimoji="0" lang="en-US" altLang="en-US" sz="2000" b="0" i="0" u="none" strike="noStrike" cap="none" normalizeH="0" baseline="0" dirty="0">
+              <a:rPr kumimoji="0" lang="en-US" altLang="en-US" sz="2000" b="0" i="0" u="none" strike="noStrike" cap="none" normalizeH="0" baseline="0" dirty="0" smtClean="0">
                 <a:ln>
                   <a:noFill/>
                 </a:ln>
@@ -3262,7 +3262,7 @@
               <a:t>    &lt;property </a:t>
             </a:r>
             <a:r>
-              <a:rPr kumimoji="0" lang="en-US" altLang="en-US" sz="2000" b="0" i="0" u="none" strike="noStrike" cap="none" normalizeH="0" baseline="0" dirty="0">
+              <a:rPr kumimoji="0" lang="en-US" altLang="en-US" sz="2000" b="0" i="0" u="none" strike="noStrike" cap="none" normalizeH="0" baseline="0" dirty="0" smtClean="0">
                 <a:ln>
                   <a:noFill/>
                 </a:ln>
@@ -3275,7 +3275,7 @@
               <a:t>name</a:t>
             </a:r>
             <a:r>
-              <a:rPr kumimoji="0" lang="en-US" altLang="en-US" sz="2000" b="0" i="0" u="none" strike="noStrike" cap="none" normalizeH="0" baseline="0" dirty="0">
+              <a:rPr kumimoji="0" lang="en-US" altLang="en-US" sz="2000" b="0" i="0" u="none" strike="noStrike" cap="none" normalizeH="0" baseline="0" dirty="0" smtClean="0">
                 <a:ln>
                   <a:noFill/>
                 </a:ln>
@@ -3288,7 +3288,7 @@
               <a:t>="locations" </a:t>
             </a:r>
             <a:r>
-              <a:rPr kumimoji="0" lang="en-US" altLang="en-US" sz="2000" b="0" i="0" u="none" strike="noStrike" cap="none" normalizeH="0" baseline="0" dirty="0">
+              <a:rPr kumimoji="0" lang="en-US" altLang="en-US" sz="2000" b="0" i="0" u="none" strike="noStrike" cap="none" normalizeH="0" baseline="0" dirty="0" smtClean="0">
                 <a:ln>
                   <a:noFill/>
                 </a:ln>
@@ -3301,7 +3301,7 @@
               <a:t>value</a:t>
             </a:r>
             <a:r>
-              <a:rPr kumimoji="0" lang="en-US" altLang="en-US" sz="2000" b="0" i="0" u="none" strike="noStrike" cap="none" normalizeH="0" baseline="0" dirty="0">
+              <a:rPr kumimoji="0" lang="en-US" altLang="en-US" sz="2000" b="0" i="0" u="none" strike="noStrike" cap="none" normalizeH="0" baseline="0" dirty="0" smtClean="0">
                 <a:ln>
                   <a:noFill/>
                 </a:ln>
@@ -3314,7 +3314,7 @@
               <a:t>="classpath:example8/</a:t>
             </a:r>
             <a:r>
-              <a:rPr kumimoji="0" lang="en-US" altLang="en-US" sz="2000" b="0" i="0" u="none" strike="noStrike" cap="none" normalizeH="0" baseline="0" dirty="0" err="1">
+              <a:rPr kumimoji="0" lang="en-US" altLang="en-US" sz="2000" b="0" i="0" u="none" strike="noStrike" cap="none" normalizeH="0" baseline="0" dirty="0" err="1" smtClean="0">
                 <a:ln>
                   <a:noFill/>
                 </a:ln>
@@ -3327,7 +3327,7 @@
               <a:t>jdbc.properties</a:t>
             </a:r>
             <a:r>
-              <a:rPr kumimoji="0" lang="en-US" altLang="en-US" sz="2000" b="0" i="0" u="none" strike="noStrike" cap="none" normalizeH="0" baseline="0" dirty="0">
+              <a:rPr kumimoji="0" lang="en-US" altLang="en-US" sz="2000" b="0" i="0" u="none" strike="noStrike" cap="none" normalizeH="0" baseline="0" dirty="0" smtClean="0">
                 <a:ln>
                   <a:noFill/>
                 </a:ln>
@@ -3340,7 +3340,7 @@
               <a:t>"</a:t>
             </a:r>
             <a:r>
-              <a:rPr kumimoji="0" lang="en-US" altLang="en-US" sz="2000" b="0" i="0" u="none" strike="noStrike" cap="none" normalizeH="0" baseline="0" dirty="0">
+              <a:rPr kumimoji="0" lang="en-US" altLang="en-US" sz="2000" b="0" i="0" u="none" strike="noStrike" cap="none" normalizeH="0" baseline="0" dirty="0" smtClean="0">
                 <a:ln>
                   <a:noFill/>
                 </a:ln>
@@ -3353,7 +3353,7 @@
               <a:t>/&gt;</a:t>
             </a:r>
             <a:br>
-              <a:rPr kumimoji="0" lang="en-US" altLang="en-US" sz="2000" b="0" i="0" u="none" strike="noStrike" cap="none" normalizeH="0" baseline="0" dirty="0">
+              <a:rPr kumimoji="0" lang="en-US" altLang="en-US" sz="2000" b="0" i="0" u="none" strike="noStrike" cap="none" normalizeH="0" baseline="0" dirty="0" smtClean="0">
                 <a:ln>
                   <a:noFill/>
                 </a:ln>
@@ -3365,7 +3365,7 @@
               </a:rPr>
             </a:br>
             <a:r>
-              <a:rPr kumimoji="0" lang="en-US" altLang="en-US" sz="2000" b="0" i="0" u="none" strike="noStrike" cap="none" normalizeH="0" baseline="0" dirty="0">
+              <a:rPr kumimoji="0" lang="en-US" altLang="en-US" sz="2000" b="0" i="0" u="none" strike="noStrike" cap="none" normalizeH="0" baseline="0" dirty="0" smtClean="0">
                 <a:ln>
                   <a:noFill/>
                 </a:ln>
@@ -3377,7 +3377,7 @@
               </a:rPr>
               <a:t>&lt;/bean&gt;</a:t>
             </a:r>
-            <a:endParaRPr kumimoji="0" lang="en-US" altLang="en-US" sz="2000" b="0" i="0" u="none" strike="noStrike" cap="none" normalizeH="0" baseline="0" dirty="0">
+            <a:endParaRPr kumimoji="0" lang="en-US" altLang="en-US" sz="2000" b="0" i="0" u="none" strike="noStrike" cap="none" normalizeH="0" baseline="0" dirty="0" smtClean="0">
               <a:ln>
                 <a:noFill/>
               </a:ln>
@@ -3387,54 +3387,6 @@
               <a:effectLst/>
               <a:latin typeface="Arial" panose="020B0604020202020204" pitchFamily="34" charset="0"/>
             </a:endParaRPr>
-          </a:p>
-        </p:txBody>
-      </p:sp>
-      <p:sp>
-        <p:nvSpPr>
-          <p:cNvPr id="5" name="TextBox 4">
-            <a:extLst>
-              <a:ext uri="{FF2B5EF4-FFF2-40B4-BE49-F238E27FC236}">
-                <a16:creationId xmlns:a16="http://schemas.microsoft.com/office/drawing/2014/main" id="{22B0A1E9-15B5-42B8-B1D1-513D38DB8F35}"/>
-              </a:ext>
-            </a:extLst>
-          </p:cNvPr>
-          <p:cNvSpPr txBox="1"/>
-          <p:nvPr/>
-        </p:nvSpPr>
-        <p:spPr>
-          <a:xfrm>
-            <a:off x="960966" y="6308209"/>
-            <a:ext cx="10270068" cy="369332"/>
-          </a:xfrm>
-          <a:prstGeom prst="rect">
-            <a:avLst/>
-          </a:prstGeom>
-          <a:noFill/>
-        </p:spPr>
-        <p:txBody>
-          <a:bodyPr wrap="square" rtlCol="0">
-            <a:spAutoFit/>
-          </a:bodyPr>
-          <a:lstStyle/>
-          <a:p>
-            <a:r>
-              <a:rPr lang="ru-RU" dirty="0"/>
-              <a:t>Поменял класс, поменяй в тут</a:t>
-            </a:r>
-            <a:r>
-              <a:rPr lang="en-CA" dirty="0"/>
-              <a:t> (</a:t>
-            </a:r>
-            <a:r>
-              <a:rPr lang="ru-RU" dirty="0"/>
-              <a:t>тот был </a:t>
-            </a:r>
-            <a:r>
-              <a:rPr lang="en-CA" dirty="0"/>
-              <a:t>Deprecated)</a:t>
-            </a:r>
-            <a:endParaRPr lang="ru-RU" dirty="0"/>
           </a:p>
         </p:txBody>
       </p:sp>
@@ -3512,12 +3464,16 @@
               <a:t>  ${</a:t>
             </a:r>
             <a:r>
-              <a:rPr lang="ru-RU" dirty="0" err="1"/>
+              <a:rPr lang="ru-RU" dirty="0" err="1" smtClean="0"/>
               <a:t>название_переменной</a:t>
             </a:r>
             <a:r>
+              <a:rPr lang="ru-RU" dirty="0" smtClean="0"/>
+              <a:t>(т.е. ключ</a:t>
+            </a:r>
+            <a:r>
               <a:rPr lang="ru-RU" dirty="0"/>
-              <a:t>(ключ)}.</a:t>
+              <a:t>)}.</a:t>
             </a:r>
             <a:endParaRPr lang="en-US" dirty="0"/>
           </a:p>
@@ -4485,6 +4441,19 @@
                 <a:latin typeface="JetBrains Mono"/>
               </a:rPr>
               <a:t>Ivanovich</a:t>
+            </a:r>
+            <a:r>
+              <a:rPr kumimoji="0" lang="en-US" altLang="en-US" sz="2000" b="0" i="0" u="none" strike="noStrike" cap="none" normalizeH="0" baseline="0" dirty="0">
+                <a:ln>
+                  <a:noFill/>
+                </a:ln>
+                <a:solidFill>
+                  <a:srgbClr val="6A8759"/>
+                </a:solidFill>
+                <a:effectLst/>
+                <a:latin typeface="JetBrains Mono"/>
+              </a:rPr>
+              <a:t/>
             </a:r>
             <a:br>
               <a:rPr kumimoji="0" lang="en-US" altLang="en-US" sz="2000" b="0" i="0" u="none" strike="noStrike" cap="none" normalizeH="0" baseline="0" dirty="0">

--- a/presentations/example8.pptx
+++ b/presentations/example8.pptx
@@ -5,8 +5,9 @@
     <p:sldMasterId id="2147483648" r:id="rId1"/>
   </p:sldMasterIdLst>
   <p:sldIdLst>
-    <p:sldId id="257" r:id="rId2"/>
-    <p:sldId id="258" r:id="rId3"/>
+    <p:sldId id="259" r:id="rId2"/>
+    <p:sldId id="257" r:id="rId3"/>
+    <p:sldId id="258" r:id="rId4"/>
   </p:sldIdLst>
   <p:sldSz cx="12192000" cy="6858000"/>
   <p:notesSz cx="6858000" cy="9144000"/>
@@ -240,9 +241,9 @@
           <a:bodyPr/>
           <a:lstStyle/>
           <a:p>
-            <a:fld id="{77CC3237-DEF2-4D63-BA16-634F34610D7A}" type="datetimeFigureOut">
+            <a:fld id="{936431B8-415A-460F-8061-F0F39B5985BC}" type="datetimeFigureOut">
               <a:rPr lang="en-US" smtClean="0"/>
-              <a:t>5/9/2021</a:t>
+              <a:t>5/8/2021</a:t>
             </a:fld>
             <a:endParaRPr lang="en-US"/>
           </a:p>
@@ -282,7 +283,7 @@
           <a:bodyPr/>
           <a:lstStyle/>
           <a:p>
-            <a:fld id="{F52350A7-6472-4BEC-AECB-CC06E0371583}" type="slidenum">
+            <a:fld id="{754B16AD-88D1-4DE5-A412-43594C2A365F}" type="slidenum">
               <a:rPr lang="en-US" smtClean="0"/>
               <a:t>‹#›</a:t>
             </a:fld>
@@ -293,7 +294,7 @@
     </p:spTree>
     <p:extLst>
       <p:ext uri="{BB962C8B-B14F-4D97-AF65-F5344CB8AC3E}">
-        <p14:creationId xmlns:p14="http://schemas.microsoft.com/office/powerpoint/2010/main" val="526371179"/>
+        <p14:creationId xmlns:p14="http://schemas.microsoft.com/office/powerpoint/2010/main" val="1397719816"/>
       </p:ext>
     </p:extLst>
   </p:cSld>
@@ -408,9 +409,9 @@
           <a:bodyPr/>
           <a:lstStyle/>
           <a:p>
-            <a:fld id="{77CC3237-DEF2-4D63-BA16-634F34610D7A}" type="datetimeFigureOut">
+            <a:fld id="{936431B8-415A-460F-8061-F0F39B5985BC}" type="datetimeFigureOut">
               <a:rPr lang="en-US" smtClean="0"/>
-              <a:t>5/9/2021</a:t>
+              <a:t>5/8/2021</a:t>
             </a:fld>
             <a:endParaRPr lang="en-US"/>
           </a:p>
@@ -450,7 +451,7 @@
           <a:bodyPr/>
           <a:lstStyle/>
           <a:p>
-            <a:fld id="{F52350A7-6472-4BEC-AECB-CC06E0371583}" type="slidenum">
+            <a:fld id="{754B16AD-88D1-4DE5-A412-43594C2A365F}" type="slidenum">
               <a:rPr lang="en-US" smtClean="0"/>
               <a:t>‹#›</a:t>
             </a:fld>
@@ -461,7 +462,7 @@
     </p:spTree>
     <p:extLst>
       <p:ext uri="{BB962C8B-B14F-4D97-AF65-F5344CB8AC3E}">
-        <p14:creationId xmlns:p14="http://schemas.microsoft.com/office/powerpoint/2010/main" val="2193900206"/>
+        <p14:creationId xmlns:p14="http://schemas.microsoft.com/office/powerpoint/2010/main" val="3576447936"/>
       </p:ext>
     </p:extLst>
   </p:cSld>
@@ -586,9 +587,9 @@
           <a:bodyPr/>
           <a:lstStyle/>
           <a:p>
-            <a:fld id="{77CC3237-DEF2-4D63-BA16-634F34610D7A}" type="datetimeFigureOut">
+            <a:fld id="{936431B8-415A-460F-8061-F0F39B5985BC}" type="datetimeFigureOut">
               <a:rPr lang="en-US" smtClean="0"/>
-              <a:t>5/9/2021</a:t>
+              <a:t>5/8/2021</a:t>
             </a:fld>
             <a:endParaRPr lang="en-US"/>
           </a:p>
@@ -628,7 +629,7 @@
           <a:bodyPr/>
           <a:lstStyle/>
           <a:p>
-            <a:fld id="{F52350A7-6472-4BEC-AECB-CC06E0371583}" type="slidenum">
+            <a:fld id="{754B16AD-88D1-4DE5-A412-43594C2A365F}" type="slidenum">
               <a:rPr lang="en-US" smtClean="0"/>
               <a:t>‹#›</a:t>
             </a:fld>
@@ -639,7 +640,7 @@
     </p:spTree>
     <p:extLst>
       <p:ext uri="{BB962C8B-B14F-4D97-AF65-F5344CB8AC3E}">
-        <p14:creationId xmlns:p14="http://schemas.microsoft.com/office/powerpoint/2010/main" val="953198391"/>
+        <p14:creationId xmlns:p14="http://schemas.microsoft.com/office/powerpoint/2010/main" val="3313870604"/>
       </p:ext>
     </p:extLst>
   </p:cSld>
@@ -754,9 +755,9 @@
           <a:bodyPr/>
           <a:lstStyle/>
           <a:p>
-            <a:fld id="{77CC3237-DEF2-4D63-BA16-634F34610D7A}" type="datetimeFigureOut">
+            <a:fld id="{936431B8-415A-460F-8061-F0F39B5985BC}" type="datetimeFigureOut">
               <a:rPr lang="en-US" smtClean="0"/>
-              <a:t>5/9/2021</a:t>
+              <a:t>5/8/2021</a:t>
             </a:fld>
             <a:endParaRPr lang="en-US"/>
           </a:p>
@@ -796,7 +797,7 @@
           <a:bodyPr/>
           <a:lstStyle/>
           <a:p>
-            <a:fld id="{F52350A7-6472-4BEC-AECB-CC06E0371583}" type="slidenum">
+            <a:fld id="{754B16AD-88D1-4DE5-A412-43594C2A365F}" type="slidenum">
               <a:rPr lang="en-US" smtClean="0"/>
               <a:t>‹#›</a:t>
             </a:fld>
@@ -807,7 +808,7 @@
     </p:spTree>
     <p:extLst>
       <p:ext uri="{BB962C8B-B14F-4D97-AF65-F5344CB8AC3E}">
-        <p14:creationId xmlns:p14="http://schemas.microsoft.com/office/powerpoint/2010/main" val="3014409330"/>
+        <p14:creationId xmlns:p14="http://schemas.microsoft.com/office/powerpoint/2010/main" val="52571984"/>
       </p:ext>
     </p:extLst>
   </p:cSld>
@@ -999,9 +1000,9 @@
           <a:bodyPr/>
           <a:lstStyle/>
           <a:p>
-            <a:fld id="{77CC3237-DEF2-4D63-BA16-634F34610D7A}" type="datetimeFigureOut">
+            <a:fld id="{936431B8-415A-460F-8061-F0F39B5985BC}" type="datetimeFigureOut">
               <a:rPr lang="en-US" smtClean="0"/>
-              <a:t>5/9/2021</a:t>
+              <a:t>5/8/2021</a:t>
             </a:fld>
             <a:endParaRPr lang="en-US"/>
           </a:p>
@@ -1041,7 +1042,7 @@
           <a:bodyPr/>
           <a:lstStyle/>
           <a:p>
-            <a:fld id="{F52350A7-6472-4BEC-AECB-CC06E0371583}" type="slidenum">
+            <a:fld id="{754B16AD-88D1-4DE5-A412-43594C2A365F}" type="slidenum">
               <a:rPr lang="en-US" smtClean="0"/>
               <a:t>‹#›</a:t>
             </a:fld>
@@ -1052,7 +1053,7 @@
     </p:spTree>
     <p:extLst>
       <p:ext uri="{BB962C8B-B14F-4D97-AF65-F5344CB8AC3E}">
-        <p14:creationId xmlns:p14="http://schemas.microsoft.com/office/powerpoint/2010/main" val="3063377366"/>
+        <p14:creationId xmlns:p14="http://schemas.microsoft.com/office/powerpoint/2010/main" val="3552793053"/>
       </p:ext>
     </p:extLst>
   </p:cSld>
@@ -1228,9 +1229,9 @@
           <a:bodyPr/>
           <a:lstStyle/>
           <a:p>
-            <a:fld id="{77CC3237-DEF2-4D63-BA16-634F34610D7A}" type="datetimeFigureOut">
+            <a:fld id="{936431B8-415A-460F-8061-F0F39B5985BC}" type="datetimeFigureOut">
               <a:rPr lang="en-US" smtClean="0"/>
-              <a:t>5/9/2021</a:t>
+              <a:t>5/8/2021</a:t>
             </a:fld>
             <a:endParaRPr lang="en-US"/>
           </a:p>
@@ -1270,7 +1271,7 @@
           <a:bodyPr/>
           <a:lstStyle/>
           <a:p>
-            <a:fld id="{F52350A7-6472-4BEC-AECB-CC06E0371583}" type="slidenum">
+            <a:fld id="{754B16AD-88D1-4DE5-A412-43594C2A365F}" type="slidenum">
               <a:rPr lang="en-US" smtClean="0"/>
               <a:t>‹#›</a:t>
             </a:fld>
@@ -1281,7 +1282,7 @@
     </p:spTree>
     <p:extLst>
       <p:ext uri="{BB962C8B-B14F-4D97-AF65-F5344CB8AC3E}">
-        <p14:creationId xmlns:p14="http://schemas.microsoft.com/office/powerpoint/2010/main" val="1786850223"/>
+        <p14:creationId xmlns:p14="http://schemas.microsoft.com/office/powerpoint/2010/main" val="3508839733"/>
       </p:ext>
     </p:extLst>
   </p:cSld>
@@ -1592,9 +1593,9 @@
           <a:bodyPr/>
           <a:lstStyle/>
           <a:p>
-            <a:fld id="{77CC3237-DEF2-4D63-BA16-634F34610D7A}" type="datetimeFigureOut">
+            <a:fld id="{936431B8-415A-460F-8061-F0F39B5985BC}" type="datetimeFigureOut">
               <a:rPr lang="en-US" smtClean="0"/>
-              <a:t>5/9/2021</a:t>
+              <a:t>5/8/2021</a:t>
             </a:fld>
             <a:endParaRPr lang="en-US"/>
           </a:p>
@@ -1634,7 +1635,7 @@
           <a:bodyPr/>
           <a:lstStyle/>
           <a:p>
-            <a:fld id="{F52350A7-6472-4BEC-AECB-CC06E0371583}" type="slidenum">
+            <a:fld id="{754B16AD-88D1-4DE5-A412-43594C2A365F}" type="slidenum">
               <a:rPr lang="en-US" smtClean="0"/>
               <a:t>‹#›</a:t>
             </a:fld>
@@ -1645,7 +1646,7 @@
     </p:spTree>
     <p:extLst>
       <p:ext uri="{BB962C8B-B14F-4D97-AF65-F5344CB8AC3E}">
-        <p14:creationId xmlns:p14="http://schemas.microsoft.com/office/powerpoint/2010/main" val="441741080"/>
+        <p14:creationId xmlns:p14="http://schemas.microsoft.com/office/powerpoint/2010/main" val="3739361062"/>
       </p:ext>
     </p:extLst>
   </p:cSld>
@@ -1709,9 +1710,9 @@
           <a:bodyPr/>
           <a:lstStyle/>
           <a:p>
-            <a:fld id="{77CC3237-DEF2-4D63-BA16-634F34610D7A}" type="datetimeFigureOut">
+            <a:fld id="{936431B8-415A-460F-8061-F0F39B5985BC}" type="datetimeFigureOut">
               <a:rPr lang="en-US" smtClean="0"/>
-              <a:t>5/9/2021</a:t>
+              <a:t>5/8/2021</a:t>
             </a:fld>
             <a:endParaRPr lang="en-US"/>
           </a:p>
@@ -1751,7 +1752,7 @@
           <a:bodyPr/>
           <a:lstStyle/>
           <a:p>
-            <a:fld id="{F52350A7-6472-4BEC-AECB-CC06E0371583}" type="slidenum">
+            <a:fld id="{754B16AD-88D1-4DE5-A412-43594C2A365F}" type="slidenum">
               <a:rPr lang="en-US" smtClean="0"/>
               <a:t>‹#›</a:t>
             </a:fld>
@@ -1762,7 +1763,7 @@
     </p:spTree>
     <p:extLst>
       <p:ext uri="{BB962C8B-B14F-4D97-AF65-F5344CB8AC3E}">
-        <p14:creationId xmlns:p14="http://schemas.microsoft.com/office/powerpoint/2010/main" val="1193995307"/>
+        <p14:creationId xmlns:p14="http://schemas.microsoft.com/office/powerpoint/2010/main" val="483103545"/>
       </p:ext>
     </p:extLst>
   </p:cSld>
@@ -1804,9 +1805,9 @@
           <a:bodyPr/>
           <a:lstStyle/>
           <a:p>
-            <a:fld id="{77CC3237-DEF2-4D63-BA16-634F34610D7A}" type="datetimeFigureOut">
+            <a:fld id="{936431B8-415A-460F-8061-F0F39B5985BC}" type="datetimeFigureOut">
               <a:rPr lang="en-US" smtClean="0"/>
-              <a:t>5/9/2021</a:t>
+              <a:t>5/8/2021</a:t>
             </a:fld>
             <a:endParaRPr lang="en-US"/>
           </a:p>
@@ -1846,7 +1847,7 @@
           <a:bodyPr/>
           <a:lstStyle/>
           <a:p>
-            <a:fld id="{F52350A7-6472-4BEC-AECB-CC06E0371583}" type="slidenum">
+            <a:fld id="{754B16AD-88D1-4DE5-A412-43594C2A365F}" type="slidenum">
               <a:rPr lang="en-US" smtClean="0"/>
               <a:t>‹#›</a:t>
             </a:fld>
@@ -1857,7 +1858,7 @@
     </p:spTree>
     <p:extLst>
       <p:ext uri="{BB962C8B-B14F-4D97-AF65-F5344CB8AC3E}">
-        <p14:creationId xmlns:p14="http://schemas.microsoft.com/office/powerpoint/2010/main" val="2270969170"/>
+        <p14:creationId xmlns:p14="http://schemas.microsoft.com/office/powerpoint/2010/main" val="2887467953"/>
       </p:ext>
     </p:extLst>
   </p:cSld>
@@ -2079,9 +2080,9 @@
           <a:bodyPr/>
           <a:lstStyle/>
           <a:p>
-            <a:fld id="{77CC3237-DEF2-4D63-BA16-634F34610D7A}" type="datetimeFigureOut">
+            <a:fld id="{936431B8-415A-460F-8061-F0F39B5985BC}" type="datetimeFigureOut">
               <a:rPr lang="en-US" smtClean="0"/>
-              <a:t>5/9/2021</a:t>
+              <a:t>5/8/2021</a:t>
             </a:fld>
             <a:endParaRPr lang="en-US"/>
           </a:p>
@@ -2121,7 +2122,7 @@
           <a:bodyPr/>
           <a:lstStyle/>
           <a:p>
-            <a:fld id="{F52350A7-6472-4BEC-AECB-CC06E0371583}" type="slidenum">
+            <a:fld id="{754B16AD-88D1-4DE5-A412-43594C2A365F}" type="slidenum">
               <a:rPr lang="en-US" smtClean="0"/>
               <a:t>‹#›</a:t>
             </a:fld>
@@ -2132,7 +2133,7 @@
     </p:spTree>
     <p:extLst>
       <p:ext uri="{BB962C8B-B14F-4D97-AF65-F5344CB8AC3E}">
-        <p14:creationId xmlns:p14="http://schemas.microsoft.com/office/powerpoint/2010/main" val="3755985625"/>
+        <p14:creationId xmlns:p14="http://schemas.microsoft.com/office/powerpoint/2010/main" val="3497284699"/>
       </p:ext>
     </p:extLst>
   </p:cSld>
@@ -2331,9 +2332,9 @@
           <a:bodyPr/>
           <a:lstStyle/>
           <a:p>
-            <a:fld id="{77CC3237-DEF2-4D63-BA16-634F34610D7A}" type="datetimeFigureOut">
+            <a:fld id="{936431B8-415A-460F-8061-F0F39B5985BC}" type="datetimeFigureOut">
               <a:rPr lang="en-US" smtClean="0"/>
-              <a:t>5/9/2021</a:t>
+              <a:t>5/8/2021</a:t>
             </a:fld>
             <a:endParaRPr lang="en-US"/>
           </a:p>
@@ -2373,7 +2374,7 @@
           <a:bodyPr/>
           <a:lstStyle/>
           <a:p>
-            <a:fld id="{F52350A7-6472-4BEC-AECB-CC06E0371583}" type="slidenum">
+            <a:fld id="{754B16AD-88D1-4DE5-A412-43594C2A365F}" type="slidenum">
               <a:rPr lang="en-US" smtClean="0"/>
               <a:t>‹#›</a:t>
             </a:fld>
@@ -2384,7 +2385,7 @@
     </p:spTree>
     <p:extLst>
       <p:ext uri="{BB962C8B-B14F-4D97-AF65-F5344CB8AC3E}">
-        <p14:creationId xmlns:p14="http://schemas.microsoft.com/office/powerpoint/2010/main" val="2838113365"/>
+        <p14:creationId xmlns:p14="http://schemas.microsoft.com/office/powerpoint/2010/main" val="1536965296"/>
       </p:ext>
     </p:extLst>
   </p:cSld>
@@ -2542,9 +2543,9 @@
             </a:lvl1pPr>
           </a:lstStyle>
           <a:p>
-            <a:fld id="{77CC3237-DEF2-4D63-BA16-634F34610D7A}" type="datetimeFigureOut">
+            <a:fld id="{936431B8-415A-460F-8061-F0F39B5985BC}" type="datetimeFigureOut">
               <a:rPr lang="en-US" smtClean="0"/>
-              <a:t>5/9/2021</a:t>
+              <a:t>5/8/2021</a:t>
             </a:fld>
             <a:endParaRPr lang="en-US"/>
           </a:p>
@@ -2620,7 +2621,7 @@
             </a:lvl1pPr>
           </a:lstStyle>
           <a:p>
-            <a:fld id="{F52350A7-6472-4BEC-AECB-CC06E0371583}" type="slidenum">
+            <a:fld id="{754B16AD-88D1-4DE5-A412-43594C2A365F}" type="slidenum">
               <a:rPr lang="en-US" smtClean="0"/>
               <a:t>‹#›</a:t>
             </a:fld>
@@ -2631,7 +2632,7 @@
     </p:spTree>
     <p:extLst>
       <p:ext uri="{BB962C8B-B14F-4D97-AF65-F5344CB8AC3E}">
-        <p14:creationId xmlns:p14="http://schemas.microsoft.com/office/powerpoint/2010/main" val="283711174"/>
+        <p14:creationId xmlns:p14="http://schemas.microsoft.com/office/powerpoint/2010/main" val="839902544"/>
       </p:ext>
     </p:extLst>
   </p:cSld>
@@ -2966,15 +2967,23 @@
           <a:p>
             <a:r>
               <a:rPr lang="ru-RU" dirty="0"/>
-              <a:t>Использование .</a:t>
+              <a:t>Внедрение зависимостей(</a:t>
             </a:r>
             <a:r>
               <a:rPr lang="ru-RU" dirty="0" err="1"/>
-              <a:t>properties</a:t>
+              <a:t>Dependency</a:t>
             </a:r>
             <a:r>
               <a:rPr lang="ru-RU" dirty="0"/>
-              <a:t>(свойств) для конфигурации контекста</a:t>
+              <a:t> </a:t>
+            </a:r>
+            <a:r>
+              <a:rPr lang="ru-RU" dirty="0" err="1"/>
+              <a:t>injection</a:t>
+            </a:r>
+            <a:r>
+              <a:rPr lang="ru-RU" dirty="0"/>
+              <a:t>) через конструктор.</a:t>
             </a:r>
             <a:endParaRPr lang="en-US" dirty="0"/>
           </a:p>
@@ -2992,408 +3001,53 @@
         </p:nvSpPr>
         <p:spPr/>
         <p:txBody>
-          <a:bodyPr>
-            <a:normAutofit lnSpcReduction="10000"/>
-          </a:bodyPr>
-          <a:lstStyle/>
-          <a:p>
+          <a:bodyPr/>
+          <a:lstStyle/>
+          <a:p>
+            <a:pPr marL="0" indent="0">
+              <a:buNone/>
+            </a:pPr>
             <a:r>
               <a:rPr lang="ru-RU" dirty="0"/>
-              <a:t>Данные  для конфигурации контекста можно вынести в .</a:t>
-            </a:r>
-            <a:r>
-              <a:rPr lang="en-US" dirty="0"/>
-              <a:t>properties </a:t>
+              <a:t>Аргументы в конструктор передаются в бин через &lt;</a:t>
+            </a:r>
+            <a:r>
+              <a:rPr lang="ru-RU" dirty="0" err="1"/>
+              <a:t>constructor-arg</a:t>
             </a:r>
             <a:r>
               <a:rPr lang="ru-RU" dirty="0"/>
-              <a:t>файл.</a:t>
-            </a:r>
-          </a:p>
-          <a:p>
-            <a:r>
-              <a:rPr lang="en-US" dirty="0"/>
-              <a:t>Spring  </a:t>
+              <a:t> </a:t>
+            </a:r>
+            <a:r>
+              <a:rPr lang="ru-RU" dirty="0" err="1"/>
+              <a:t>value</a:t>
             </a:r>
             <a:r>
               <a:rPr lang="ru-RU" dirty="0"/>
-              <a:t>считывает .</a:t>
-            </a:r>
-            <a:r>
-              <a:rPr lang="en-US" dirty="0"/>
-              <a:t>properties </a:t>
+              <a:t>="" или </a:t>
+            </a:r>
+            <a:r>
+              <a:rPr lang="ru-RU" dirty="0" err="1"/>
+              <a:t>ref</a:t>
             </a:r>
             <a:r>
               <a:rPr lang="ru-RU" dirty="0"/>
-              <a:t>файлы </a:t>
-            </a:r>
-            <a:r>
-              <a:rPr lang="ru-RU" dirty="0" smtClean="0"/>
-              <a:t>объявленные </a:t>
-            </a:r>
-            <a:r>
-              <a:rPr lang="ru-RU" dirty="0"/>
-              <a:t>при помощи</a:t>
-            </a:r>
-            <a:r>
-              <a:rPr lang="ru-RU" b="1" dirty="0"/>
-              <a:t> </a:t>
-            </a:r>
-            <a:r>
-              <a:rPr lang="en-US" b="1" dirty="0" err="1"/>
-              <a:t>PropertyPlaceholderConfigurer</a:t>
-            </a:r>
-            <a:r>
-              <a:rPr lang="en-US" b="1" dirty="0"/>
-              <a:t> </a:t>
-            </a:r>
-            <a:r>
-              <a:rPr lang="ru-RU" b="1" dirty="0" err="1"/>
-              <a:t>бина</a:t>
-            </a:r>
-            <a:r>
-              <a:rPr lang="ru-RU" b="1" dirty="0"/>
-              <a:t>.</a:t>
-            </a:r>
-            <a:r>
-              <a:rPr lang="ru-RU" dirty="0"/>
-              <a:t>. В этом </a:t>
-            </a:r>
-            <a:r>
-              <a:rPr lang="ru-RU" dirty="0" err="1"/>
-              <a:t>бине</a:t>
-            </a:r>
-            <a:r>
-              <a:rPr lang="ru-RU" dirty="0"/>
-              <a:t> так же указывается расположение (</a:t>
-            </a:r>
-            <a:r>
-              <a:rPr lang="en-US" dirty="0"/>
-              <a:t>locations) .properties.</a:t>
-            </a:r>
-          </a:p>
-          <a:p>
-            <a:endParaRPr lang="en-US" dirty="0"/>
-          </a:p>
-          <a:p>
-            <a:endParaRPr lang="en-US" dirty="0"/>
-          </a:p>
-          <a:p>
-            <a:endParaRPr lang="en-US" dirty="0"/>
-          </a:p>
-          <a:p>
-            <a:r>
-              <a:rPr lang="ru-RU" dirty="0"/>
-              <a:t>По умолчанию </a:t>
-            </a:r>
-            <a:r>
-              <a:rPr lang="ru-RU" dirty="0" err="1"/>
-              <a:t>Spring</a:t>
-            </a:r>
-            <a:r>
-              <a:rPr lang="ru-RU" dirty="0"/>
-              <a:t> ищет .</a:t>
-            </a:r>
-            <a:r>
-              <a:rPr lang="ru-RU" dirty="0" err="1"/>
-              <a:t>properties</a:t>
-            </a:r>
-            <a:r>
-              <a:rPr lang="ru-RU" dirty="0"/>
-              <a:t> файлы в директории приложения. </a:t>
-            </a:r>
-          </a:p>
-          <a:p>
-            <a:endParaRPr lang="ru-RU" dirty="0"/>
+              <a:t>=""/&gt; для передачи значения или ссылки на другой бин соответственно.</a:t>
+            </a:r>
           </a:p>
           <a:p>
             <a:pPr marL="0" indent="0">
               <a:buNone/>
             </a:pPr>
             <a:endParaRPr lang="en-US" dirty="0"/>
-          </a:p>
-        </p:txBody>
-      </p:sp>
-      <p:sp>
-        <p:nvSpPr>
-          <p:cNvPr id="7" name="Rectangle 2"/>
-          <p:cNvSpPr>
-            <a:spLocks noChangeArrowheads="1"/>
-          </p:cNvSpPr>
-          <p:nvPr/>
-        </p:nvSpPr>
-        <p:spPr bwMode="auto">
-          <a:xfrm>
-            <a:off x="960967" y="3826044"/>
-            <a:ext cx="10659534" cy="1015663"/>
-          </a:xfrm>
-          <a:prstGeom prst="rect">
-            <a:avLst/>
-          </a:prstGeom>
-          <a:solidFill>
-            <a:srgbClr val="2B2B2B"/>
-          </a:solidFill>
-          <a:ln>
-            <a:noFill/>
-          </a:ln>
-          <a:effectLst/>
-          <a:extLst>
-            <a:ext uri="{91240B29-F687-4F45-9708-019B960494DF}">
-              <a14:hiddenLine xmlns:a14="http://schemas.microsoft.com/office/drawing/2010/main" w="9525">
-                <a:solidFill>
-                  <a:schemeClr val="tx1"/>
-                </a:solidFill>
-                <a:miter lim="800000"/>
-                <a:headEnd/>
-                <a:tailEnd/>
-              </a14:hiddenLine>
-            </a:ext>
-            <a:ext uri="{AF507438-7753-43E0-B8FC-AC1667EBCBE1}">
-              <a14:hiddenEffects xmlns:a14="http://schemas.microsoft.com/office/drawing/2010/main">
-                <a:effectLst>
-                  <a:outerShdw dist="35921" dir="2700000" algn="ctr" rotWithShape="0">
-                    <a:schemeClr val="bg2"/>
-                  </a:outerShdw>
-                </a:effectLst>
-              </a14:hiddenEffects>
-            </a:ext>
-          </a:extLst>
-        </p:spPr>
-        <p:txBody>
-          <a:bodyPr vert="horz" wrap="square" lIns="91440" tIns="45720" rIns="91440" bIns="45720" numCol="1" anchor="ctr" anchorCtr="0" compatLnSpc="1">
-            <a:prstTxWarp prst="textNoShape">
-              <a:avLst/>
-            </a:prstTxWarp>
-            <a:spAutoFit/>
-          </a:bodyPr>
-          <a:lstStyle/>
-          <a:p>
-            <a:pPr marL="0" marR="0" lvl="0" indent="0" algn="l" defTabSz="914400" rtl="0" eaLnBrk="0" fontAlgn="base" latinLnBrk="0" hangingPunct="0">
-              <a:lnSpc>
-                <a:spcPct val="100000"/>
-              </a:lnSpc>
-              <a:spcBef>
-                <a:spcPct val="0"/>
-              </a:spcBef>
-              <a:spcAft>
-                <a:spcPct val="0"/>
-              </a:spcAft>
-              <a:buClrTx/>
-              <a:buSzTx/>
-              <a:buFontTx/>
-              <a:buNone/>
-              <a:tabLst/>
-            </a:pPr>
-            <a:r>
-              <a:rPr kumimoji="0" lang="en-US" altLang="en-US" sz="2000" b="0" i="0" u="none" strike="noStrike" cap="none" normalizeH="0" baseline="0" dirty="0" smtClean="0">
-                <a:ln>
-                  <a:noFill/>
-                </a:ln>
-                <a:solidFill>
-                  <a:srgbClr val="E8BF6A"/>
-                </a:solidFill>
-                <a:effectLst/>
-                <a:latin typeface="JetBrains Mono"/>
-              </a:rPr>
-              <a:t>&lt;bean </a:t>
-            </a:r>
-            <a:r>
-              <a:rPr kumimoji="0" lang="en-US" altLang="en-US" sz="2000" b="0" i="0" u="none" strike="noStrike" cap="none" normalizeH="0" baseline="0" dirty="0" smtClean="0">
-                <a:ln>
-                  <a:noFill/>
-                </a:ln>
-                <a:solidFill>
-                  <a:srgbClr val="BABABA"/>
-                </a:solidFill>
-                <a:effectLst/>
-                <a:latin typeface="JetBrains Mono"/>
-              </a:rPr>
-              <a:t>class</a:t>
-            </a:r>
-            <a:r>
-              <a:rPr kumimoji="0" lang="en-US" altLang="en-US" sz="2000" b="0" i="0" u="none" strike="noStrike" cap="none" normalizeH="0" baseline="0" dirty="0" smtClean="0">
-                <a:ln>
-                  <a:noFill/>
-                </a:ln>
-                <a:solidFill>
-                  <a:srgbClr val="6A8759"/>
-                </a:solidFill>
-                <a:effectLst/>
-                <a:latin typeface="JetBrains Mono"/>
-              </a:rPr>
-              <a:t>="org.springframework.context.support.PropertySourcesPlaceholderConfigurer"</a:t>
-            </a:r>
-            <a:r>
-              <a:rPr kumimoji="0" lang="en-US" altLang="en-US" sz="2000" b="0" i="0" u="none" strike="noStrike" cap="none" normalizeH="0" baseline="0" dirty="0" smtClean="0">
-                <a:ln>
-                  <a:noFill/>
-                </a:ln>
-                <a:solidFill>
-                  <a:srgbClr val="E8BF6A"/>
-                </a:solidFill>
-                <a:effectLst/>
-                <a:latin typeface="JetBrains Mono"/>
-              </a:rPr>
-              <a:t>&gt;</a:t>
-            </a:r>
-            <a:br>
-              <a:rPr kumimoji="0" lang="en-US" altLang="en-US" sz="2000" b="0" i="0" u="none" strike="noStrike" cap="none" normalizeH="0" baseline="0" dirty="0" smtClean="0">
-                <a:ln>
-                  <a:noFill/>
-                </a:ln>
-                <a:solidFill>
-                  <a:srgbClr val="E8BF6A"/>
-                </a:solidFill>
-                <a:effectLst/>
-                <a:latin typeface="JetBrains Mono"/>
-              </a:rPr>
-            </a:br>
-            <a:r>
-              <a:rPr kumimoji="0" lang="en-US" altLang="en-US" sz="2000" b="0" i="0" u="none" strike="noStrike" cap="none" normalizeH="0" baseline="0" dirty="0" smtClean="0">
-                <a:ln>
-                  <a:noFill/>
-                </a:ln>
-                <a:solidFill>
-                  <a:srgbClr val="E8BF6A"/>
-                </a:solidFill>
-                <a:effectLst/>
-                <a:latin typeface="JetBrains Mono"/>
-              </a:rPr>
-              <a:t>    &lt;property </a:t>
-            </a:r>
-            <a:r>
-              <a:rPr kumimoji="0" lang="en-US" altLang="en-US" sz="2000" b="0" i="0" u="none" strike="noStrike" cap="none" normalizeH="0" baseline="0" dirty="0" smtClean="0">
-                <a:ln>
-                  <a:noFill/>
-                </a:ln>
-                <a:solidFill>
-                  <a:srgbClr val="BABABA"/>
-                </a:solidFill>
-                <a:effectLst/>
-                <a:latin typeface="JetBrains Mono"/>
-              </a:rPr>
-              <a:t>name</a:t>
-            </a:r>
-            <a:r>
-              <a:rPr kumimoji="0" lang="en-US" altLang="en-US" sz="2000" b="0" i="0" u="none" strike="noStrike" cap="none" normalizeH="0" baseline="0" dirty="0" smtClean="0">
-                <a:ln>
-                  <a:noFill/>
-                </a:ln>
-                <a:solidFill>
-                  <a:srgbClr val="6A8759"/>
-                </a:solidFill>
-                <a:effectLst/>
-                <a:latin typeface="JetBrains Mono"/>
-              </a:rPr>
-              <a:t>="locations" </a:t>
-            </a:r>
-            <a:r>
-              <a:rPr kumimoji="0" lang="en-US" altLang="en-US" sz="2000" b="0" i="0" u="none" strike="noStrike" cap="none" normalizeH="0" baseline="0" dirty="0" smtClean="0">
-                <a:ln>
-                  <a:noFill/>
-                </a:ln>
-                <a:solidFill>
-                  <a:srgbClr val="BABABA"/>
-                </a:solidFill>
-                <a:effectLst/>
-                <a:latin typeface="JetBrains Mono"/>
-              </a:rPr>
-              <a:t>value</a:t>
-            </a:r>
-            <a:r>
-              <a:rPr kumimoji="0" lang="en-US" altLang="en-US" sz="2000" b="0" i="0" u="none" strike="noStrike" cap="none" normalizeH="0" baseline="0" dirty="0" smtClean="0">
-                <a:ln>
-                  <a:noFill/>
-                </a:ln>
-                <a:solidFill>
-                  <a:srgbClr val="6A8759"/>
-                </a:solidFill>
-                <a:effectLst/>
-                <a:latin typeface="JetBrains Mono"/>
-              </a:rPr>
-              <a:t>="classpath:example8/</a:t>
-            </a:r>
-            <a:r>
-              <a:rPr kumimoji="0" lang="en-US" altLang="en-US" sz="2000" b="0" i="0" u="none" strike="noStrike" cap="none" normalizeH="0" baseline="0" dirty="0" err="1" smtClean="0">
-                <a:ln>
-                  <a:noFill/>
-                </a:ln>
-                <a:solidFill>
-                  <a:srgbClr val="6A8759"/>
-                </a:solidFill>
-                <a:effectLst/>
-                <a:latin typeface="JetBrains Mono"/>
-              </a:rPr>
-              <a:t>jdbc.properties</a:t>
-            </a:r>
-            <a:r>
-              <a:rPr kumimoji="0" lang="en-US" altLang="en-US" sz="2000" b="0" i="0" u="none" strike="noStrike" cap="none" normalizeH="0" baseline="0" dirty="0" smtClean="0">
-                <a:ln>
-                  <a:noFill/>
-                </a:ln>
-                <a:solidFill>
-                  <a:srgbClr val="6A8759"/>
-                </a:solidFill>
-                <a:effectLst/>
-                <a:latin typeface="JetBrains Mono"/>
-              </a:rPr>
-              <a:t>"</a:t>
-            </a:r>
-            <a:r>
-              <a:rPr kumimoji="0" lang="en-US" altLang="en-US" sz="2000" b="0" i="0" u="none" strike="noStrike" cap="none" normalizeH="0" baseline="0" dirty="0" smtClean="0">
-                <a:ln>
-                  <a:noFill/>
-                </a:ln>
-                <a:solidFill>
-                  <a:srgbClr val="E8BF6A"/>
-                </a:solidFill>
-                <a:effectLst/>
-                <a:latin typeface="JetBrains Mono"/>
-              </a:rPr>
-              <a:t>/&gt;</a:t>
-            </a:r>
-            <a:br>
-              <a:rPr kumimoji="0" lang="en-US" altLang="en-US" sz="2000" b="0" i="0" u="none" strike="noStrike" cap="none" normalizeH="0" baseline="0" dirty="0" smtClean="0">
-                <a:ln>
-                  <a:noFill/>
-                </a:ln>
-                <a:solidFill>
-                  <a:srgbClr val="E8BF6A"/>
-                </a:solidFill>
-                <a:effectLst/>
-                <a:latin typeface="JetBrains Mono"/>
-              </a:rPr>
-            </a:br>
-            <a:r>
-              <a:rPr kumimoji="0" lang="en-US" altLang="en-US" sz="2000" b="0" i="0" u="none" strike="noStrike" cap="none" normalizeH="0" baseline="0" dirty="0" smtClean="0">
-                <a:ln>
-                  <a:noFill/>
-                </a:ln>
-                <a:solidFill>
-                  <a:srgbClr val="E8BF6A"/>
-                </a:solidFill>
-                <a:effectLst/>
-                <a:latin typeface="JetBrains Mono"/>
-              </a:rPr>
-              <a:t>&lt;/bean&gt;</a:t>
-            </a:r>
-            <a:endParaRPr kumimoji="0" lang="en-US" altLang="en-US" sz="2000" b="0" i="0" u="none" strike="noStrike" cap="none" normalizeH="0" baseline="0" dirty="0" smtClean="0">
-              <a:ln>
-                <a:noFill/>
-              </a:ln>
-              <a:solidFill>
-                <a:schemeClr val="tx1"/>
-              </a:solidFill>
-              <a:effectLst/>
-              <a:latin typeface="Arial" panose="020B0604020202020204" pitchFamily="34" charset="0"/>
-            </a:endParaRPr>
           </a:p>
         </p:txBody>
       </p:sp>
     </p:spTree>
     <p:extLst>
       <p:ext uri="{BB962C8B-B14F-4D97-AF65-F5344CB8AC3E}">
-        <p14:creationId xmlns:p14="http://schemas.microsoft.com/office/powerpoint/2010/main" val="3610239449"/>
+        <p14:creationId xmlns:p14="http://schemas.microsoft.com/office/powerpoint/2010/main" val="3493002907"/>
       </p:ext>
     </p:extLst>
   </p:cSld>
@@ -3430,12 +3084,7 @@
             <p:ph idx="1"/>
           </p:nvPr>
         </p:nvSpPr>
-        <p:spPr>
-          <a:xfrm>
-            <a:off x="838200" y="657225"/>
-            <a:ext cx="10515600" cy="5519738"/>
-          </a:xfrm>
-        </p:spPr>
+        <p:spPr/>
         <p:txBody>
           <a:bodyPr/>
           <a:lstStyle/>
@@ -3445,37 +3094,20 @@
             </a:pPr>
             <a:r>
               <a:rPr lang="ru-RU" dirty="0"/>
-              <a:t>В </a:t>
-            </a:r>
-            <a:r>
-              <a:rPr lang="ru-RU" dirty="0" err="1"/>
-              <a:t>Spring</a:t>
+              <a:t>В данном примере класс </a:t>
+            </a:r>
+            <a:r>
+              <a:rPr lang="en-US" dirty="0"/>
+              <a:t>Cat </a:t>
             </a:r>
             <a:r>
               <a:rPr lang="ru-RU" dirty="0"/>
-              <a:t>  файлы для конфигурации контекста используют </a:t>
-            </a:r>
-            <a:r>
-              <a:rPr lang="ru-RU" dirty="0" err="1"/>
-              <a:t>плэйсхолдер</a:t>
-            </a:r>
-            <a:r>
-              <a:rPr lang="ru-RU" dirty="0"/>
-              <a:t>  ${</a:t>
-            </a:r>
-            <a:r>
-              <a:rPr lang="ru-RU" dirty="0" err="1" smtClean="0"/>
-              <a:t>название_переменной</a:t>
-            </a:r>
-            <a:r>
-              <a:rPr lang="ru-RU" dirty="0" smtClean="0"/>
-              <a:t>(т.е. ключ</a:t>
-            </a:r>
-            <a:r>
-              <a:rPr lang="ru-RU" dirty="0"/>
-              <a:t>)}.</a:t>
-            </a:r>
-            <a:endParaRPr lang="en-US" dirty="0"/>
+              <a:t>зависит от </a:t>
+            </a:r>
+            <a:r>
+              <a:rPr lang="en-US" dirty="0"/>
+              <a:t>Person</a:t>
+            </a:r>
           </a:p>
           <a:p>
             <a:pPr marL="0" indent="0">
@@ -3499,33 +3131,50 @@
             <a:pPr marL="0" indent="0">
               <a:buNone/>
             </a:pPr>
-            <a:endParaRPr lang="en-US" dirty="0"/>
-          </a:p>
-          <a:p>
-            <a:pPr marL="0" indent="0">
-              <a:buNone/>
-            </a:pPr>
             <a:r>
               <a:rPr lang="ru-RU" dirty="0"/>
-              <a:t>Содержимое </a:t>
-            </a:r>
-            <a:r>
-              <a:rPr lang="en-US" dirty="0" err="1"/>
-              <a:t>jdbc.properties</a:t>
-            </a:r>
-            <a:endParaRPr lang="ru-RU" dirty="0"/>
-          </a:p>
-          <a:p>
-            <a:pPr marL="0" indent="0">
-              <a:buNone/>
-            </a:pPr>
-            <a:endParaRPr lang="ru-RU" dirty="0"/>
-          </a:p>
-          <a:p>
-            <a:pPr marL="0" indent="0">
-              <a:buNone/>
-            </a:pPr>
-            <a:endParaRPr lang="en-US" dirty="0"/>
+              <a:t>Внедрение зависимости в </a:t>
+            </a:r>
+            <a:r>
+              <a:rPr lang="en-US" dirty="0"/>
+              <a:t>XML </a:t>
+            </a:r>
+            <a:r>
+              <a:rPr lang="ru-RU" dirty="0"/>
+              <a:t>осуществляется посредством </a:t>
+            </a:r>
+            <a:r>
+              <a:rPr lang="ru-RU" dirty="0" err="1"/>
+              <a:t>референса</a:t>
+            </a:r>
+            <a:r>
+              <a:rPr lang="ru-RU" dirty="0"/>
+              <a:t> из </a:t>
+            </a:r>
+            <a:r>
+              <a:rPr lang="ru-RU" dirty="0" err="1"/>
+              <a:t>бина</a:t>
+            </a:r>
+            <a:r>
+              <a:rPr lang="ru-RU" dirty="0"/>
+              <a:t> </a:t>
+            </a:r>
+            <a:r>
+              <a:rPr lang="en-US" dirty="0"/>
+              <a:t>cat</a:t>
+            </a:r>
+            <a:r>
+              <a:rPr lang="ru-RU" dirty="0"/>
+              <a:t> к </a:t>
+            </a:r>
+            <a:r>
+              <a:rPr lang="ru-RU" dirty="0" err="1"/>
+              <a:t>бину</a:t>
+            </a:r>
+            <a:r>
+              <a:rPr lang="en-US" dirty="0"/>
+              <a:t> person</a:t>
+            </a:r>
           </a:p>
         </p:txBody>
       </p:sp>
@@ -3539,8 +3188,8 @@
         </p:nvSpPr>
         <p:spPr bwMode="auto">
           <a:xfrm>
-            <a:off x="838200" y="1583204"/>
-            <a:ext cx="10153650" cy="1938992"/>
+            <a:off x="838200" y="2463969"/>
+            <a:ext cx="10515600" cy="1015663"/>
           </a:xfrm>
           <a:prstGeom prst="rect">
             <a:avLst/>
@@ -3605,20 +3254,84 @@
                   <a:noFill/>
                 </a:ln>
                 <a:solidFill>
-                  <a:srgbClr val="E8BF6A"/>
-                </a:solidFill>
-                <a:effectLst/>
-                <a:latin typeface="JetBrains Mono"/>
-              </a:rPr>
-              <a:t>&lt;bean </a:t>
-            </a:r>
-            <a:r>
-              <a:rPr kumimoji="0" lang="en-US" altLang="en-US" sz="2000" b="0" i="0" u="none" strike="noStrike" cap="none" normalizeH="0" baseline="0" dirty="0">
-                <a:ln>
-                  <a:noFill/>
-                </a:ln>
-                <a:solidFill>
-                  <a:srgbClr val="BABABA"/>
+                  <a:srgbClr val="CC7832"/>
+                </a:solidFill>
+                <a:effectLst/>
+                <a:latin typeface="JetBrains Mono"/>
+              </a:rPr>
+              <a:t>public class </a:t>
+            </a:r>
+            <a:r>
+              <a:rPr kumimoji="0" lang="en-US" altLang="en-US" sz="2000" b="0" i="0" u="none" strike="noStrike" cap="none" normalizeH="0" baseline="0" dirty="0">
+                <a:ln>
+                  <a:noFill/>
+                </a:ln>
+                <a:solidFill>
+                  <a:srgbClr val="A9B7C6"/>
+                </a:solidFill>
+                <a:effectLst/>
+                <a:latin typeface="JetBrains Mono"/>
+              </a:rPr>
+              <a:t>Cat {</a:t>
+            </a:r>
+            <a:br>
+              <a:rPr kumimoji="0" lang="en-US" altLang="en-US" sz="2000" b="0" i="0" u="none" strike="noStrike" cap="none" normalizeH="0" baseline="0" dirty="0">
+                <a:ln>
+                  <a:noFill/>
+                </a:ln>
+                <a:solidFill>
+                  <a:srgbClr val="A9B7C6"/>
+                </a:solidFill>
+                <a:effectLst/>
+                <a:latin typeface="JetBrains Mono"/>
+              </a:rPr>
+            </a:br>
+            <a:r>
+              <a:rPr kumimoji="0" lang="en-US" altLang="en-US" sz="2000" b="0" i="0" u="none" strike="noStrike" cap="none" normalizeH="0" baseline="0" dirty="0">
+                <a:ln>
+                  <a:noFill/>
+                </a:ln>
+                <a:solidFill>
+                  <a:srgbClr val="A9B7C6"/>
+                </a:solidFill>
+                <a:effectLst/>
+                <a:latin typeface="JetBrains Mono"/>
+              </a:rPr>
+              <a:t>    </a:t>
+            </a:r>
+            <a:r>
+              <a:rPr kumimoji="0" lang="en-US" altLang="en-US" sz="2000" b="0" i="0" u="none" strike="noStrike" cap="none" normalizeH="0" baseline="0" dirty="0">
+                <a:ln>
+                  <a:noFill/>
+                </a:ln>
+                <a:solidFill>
+                  <a:srgbClr val="CC7832"/>
+                </a:solidFill>
+                <a:effectLst/>
+                <a:latin typeface="JetBrains Mono"/>
+              </a:rPr>
+              <a:t>private </a:t>
+            </a:r>
+            <a:r>
+              <a:rPr kumimoji="0" lang="en-US" altLang="en-US" sz="2000" b="0" i="0" u="none" strike="noStrike" cap="none" normalizeH="0" baseline="0" dirty="0">
+                <a:ln>
+                  <a:noFill/>
+                </a:ln>
+                <a:solidFill>
+                  <a:srgbClr val="A9B7C6"/>
+                </a:solidFill>
+                <a:effectLst/>
+                <a:latin typeface="JetBrains Mono"/>
+              </a:rPr>
+              <a:t>String </a:t>
+            </a:r>
+            <a:r>
+              <a:rPr kumimoji="0" lang="en-US" altLang="en-US" sz="2000" b="0" i="0" u="none" strike="noStrike" cap="none" normalizeH="0" baseline="0" dirty="0">
+                <a:ln>
+                  <a:noFill/>
+                </a:ln>
+                <a:solidFill>
+                  <a:srgbClr val="9876AA"/>
                 </a:solidFill>
                 <a:effectLst/>
                 <a:latin typeface="JetBrains Mono"/>
@@ -3631,51 +3344,12 @@
                   <a:noFill/>
                 </a:ln>
                 <a:solidFill>
-                  <a:srgbClr val="6A8759"/>
-                </a:solidFill>
-                <a:effectLst/>
-                <a:latin typeface="JetBrains Mono"/>
-              </a:rPr>
-              <a:t>="person" </a:t>
-            </a:r>
-            <a:r>
-              <a:rPr kumimoji="0" lang="en-US" altLang="en-US" sz="2000" b="0" i="0" u="none" strike="noStrike" cap="none" normalizeH="0" baseline="0" dirty="0">
-                <a:ln>
-                  <a:noFill/>
-                </a:ln>
-                <a:solidFill>
-                  <a:srgbClr val="BABABA"/>
-                </a:solidFill>
-                <a:effectLst/>
-                <a:latin typeface="JetBrains Mono"/>
-              </a:rPr>
-              <a:t>class</a:t>
-            </a:r>
-            <a:r>
-              <a:rPr kumimoji="0" lang="en-US" altLang="en-US" sz="2000" b="0" i="0" u="none" strike="noStrike" cap="none" normalizeH="0" baseline="0" dirty="0">
-                <a:ln>
-                  <a:noFill/>
-                </a:ln>
-                <a:solidFill>
-                  <a:srgbClr val="6A8759"/>
-                </a:solidFill>
-                <a:effectLst/>
-                <a:latin typeface="JetBrains Mono"/>
-              </a:rPr>
-              <a:t>="com.volkov.IoC.example8.Person"</a:t>
-            </a:r>
-            <a:r>
-              <a:rPr kumimoji="0" lang="en-US" altLang="en-US" sz="2000" b="0" i="0" u="none" strike="noStrike" cap="none" normalizeH="0" baseline="0" dirty="0">
-                <a:ln>
-                  <a:noFill/>
-                </a:ln>
-                <a:solidFill>
-                  <a:srgbClr val="E8BF6A"/>
-                </a:solidFill>
-                <a:effectLst/>
-                <a:latin typeface="JetBrains Mono"/>
-              </a:rPr>
-              <a:t>&gt;</a:t>
+                  <a:srgbClr val="CC7832"/>
+                </a:solidFill>
+                <a:effectLst/>
+                <a:latin typeface="JetBrains Mono"/>
+              </a:rPr>
+              <a:t>;</a:t>
             </a:r>
             <a:br>
               <a:rPr kumimoji="0" lang="en-US" altLang="en-US" sz="2000" b="0" i="0" u="none" strike="noStrike" cap="none" normalizeH="0" baseline="0" dirty="0">
@@ -3683,7 +3357,7 @@
                   <a:noFill/>
                 </a:ln>
                 <a:solidFill>
-                  <a:srgbClr val="E8BF6A"/>
+                  <a:srgbClr val="CC7832"/>
                 </a:solidFill>
                 <a:effectLst/>
                 <a:latin typeface="JetBrains Mono"/>
@@ -3695,528 +3369,51 @@
                   <a:noFill/>
                 </a:ln>
                 <a:solidFill>
-                  <a:srgbClr val="E8BF6A"/>
-                </a:solidFill>
-                <a:effectLst/>
-                <a:latin typeface="JetBrains Mono"/>
-              </a:rPr>
-              <a:t>    &lt;property </a:t>
-            </a:r>
-            <a:r>
-              <a:rPr kumimoji="0" lang="en-US" altLang="en-US" sz="2000" b="0" i="0" u="none" strike="noStrike" cap="none" normalizeH="0" baseline="0" dirty="0">
-                <a:ln>
-                  <a:noFill/>
-                </a:ln>
-                <a:solidFill>
-                  <a:srgbClr val="BABABA"/>
-                </a:solidFill>
-                <a:effectLst/>
-                <a:latin typeface="JetBrains Mono"/>
-              </a:rPr>
-              <a:t>name</a:t>
-            </a:r>
-            <a:r>
-              <a:rPr kumimoji="0" lang="en-US" altLang="en-US" sz="2000" b="0" i="0" u="none" strike="noStrike" cap="none" normalizeH="0" baseline="0" dirty="0">
-                <a:ln>
-                  <a:noFill/>
-                </a:ln>
-                <a:solidFill>
-                  <a:srgbClr val="6A8759"/>
-                </a:solidFill>
-                <a:effectLst/>
-                <a:latin typeface="JetBrains Mono"/>
-              </a:rPr>
-              <a:t>="</a:t>
-            </a:r>
-            <a:r>
-              <a:rPr kumimoji="0" lang="en-US" altLang="en-US" sz="2000" b="0" i="0" u="none" strike="noStrike" cap="none" normalizeH="0" baseline="0" dirty="0" err="1">
-                <a:ln>
-                  <a:noFill/>
-                </a:ln>
-                <a:solidFill>
-                  <a:srgbClr val="6A8759"/>
-                </a:solidFill>
-                <a:effectLst/>
-                <a:latin typeface="JetBrains Mono"/>
-              </a:rPr>
-              <a:t>firstName</a:t>
-            </a:r>
-            <a:r>
-              <a:rPr kumimoji="0" lang="en-US" altLang="en-US" sz="2000" b="0" i="0" u="none" strike="noStrike" cap="none" normalizeH="0" baseline="0" dirty="0">
-                <a:ln>
-                  <a:noFill/>
-                </a:ln>
-                <a:solidFill>
-                  <a:srgbClr val="6A8759"/>
-                </a:solidFill>
-                <a:effectLst/>
-                <a:latin typeface="JetBrains Mono"/>
-              </a:rPr>
-              <a:t>" </a:t>
-            </a:r>
-            <a:r>
-              <a:rPr kumimoji="0" lang="en-US" altLang="en-US" sz="2000" b="0" i="0" u="none" strike="noStrike" cap="none" normalizeH="0" baseline="0" dirty="0">
-                <a:ln>
-                  <a:noFill/>
-                </a:ln>
-                <a:solidFill>
-                  <a:srgbClr val="BABABA"/>
-                </a:solidFill>
-                <a:effectLst/>
-                <a:latin typeface="JetBrains Mono"/>
-              </a:rPr>
-              <a:t>value</a:t>
-            </a:r>
-            <a:r>
-              <a:rPr kumimoji="0" lang="en-US" altLang="en-US" sz="2000" b="0" i="0" u="none" strike="noStrike" cap="none" normalizeH="0" baseline="0" dirty="0">
-                <a:ln>
-                  <a:noFill/>
-                </a:ln>
-                <a:solidFill>
-                  <a:srgbClr val="6A8759"/>
-                </a:solidFill>
-                <a:effectLst/>
-                <a:latin typeface="JetBrains Mono"/>
-              </a:rPr>
-              <a:t>="${</a:t>
-            </a:r>
-            <a:r>
-              <a:rPr kumimoji="0" lang="en-US" altLang="en-US" sz="2000" b="0" i="0" u="none" strike="noStrike" cap="none" normalizeH="0" baseline="0" dirty="0" err="1">
-                <a:ln>
-                  <a:noFill/>
-                </a:ln>
-                <a:solidFill>
-                  <a:srgbClr val="6A8759"/>
-                </a:solidFill>
-                <a:effectLst/>
-                <a:latin typeface="JetBrains Mono"/>
-              </a:rPr>
-              <a:t>jdbc.firstName</a:t>
-            </a:r>
-            <a:r>
-              <a:rPr kumimoji="0" lang="en-US" altLang="en-US" sz="2000" b="0" i="0" u="none" strike="noStrike" cap="none" normalizeH="0" baseline="0" dirty="0">
-                <a:ln>
-                  <a:noFill/>
-                </a:ln>
-                <a:solidFill>
-                  <a:srgbClr val="6A8759"/>
-                </a:solidFill>
-                <a:effectLst/>
-                <a:latin typeface="JetBrains Mono"/>
-              </a:rPr>
-              <a:t>}"</a:t>
-            </a:r>
-            <a:r>
-              <a:rPr kumimoji="0" lang="en-US" altLang="en-US" sz="2000" b="0" i="0" u="none" strike="noStrike" cap="none" normalizeH="0" baseline="0" dirty="0">
-                <a:ln>
-                  <a:noFill/>
-                </a:ln>
-                <a:solidFill>
-                  <a:srgbClr val="E8BF6A"/>
-                </a:solidFill>
-                <a:effectLst/>
-                <a:latin typeface="JetBrains Mono"/>
-              </a:rPr>
-              <a:t>/&gt;</a:t>
-            </a:r>
-            <a:br>
-              <a:rPr kumimoji="0" lang="en-US" altLang="en-US" sz="2000" b="0" i="0" u="none" strike="noStrike" cap="none" normalizeH="0" baseline="0" dirty="0">
-                <a:ln>
-                  <a:noFill/>
-                </a:ln>
-                <a:solidFill>
-                  <a:srgbClr val="E8BF6A"/>
-                </a:solidFill>
-                <a:effectLst/>
-                <a:latin typeface="JetBrains Mono"/>
-              </a:rPr>
-            </a:br>
-            <a:r>
-              <a:rPr kumimoji="0" lang="en-US" altLang="en-US" sz="2000" b="0" i="0" u="none" strike="noStrike" cap="none" normalizeH="0" baseline="0" dirty="0">
-                <a:ln>
-                  <a:noFill/>
-                </a:ln>
-                <a:solidFill>
-                  <a:srgbClr val="E8BF6A"/>
-                </a:solidFill>
-                <a:effectLst/>
-                <a:latin typeface="JetBrains Mono"/>
-              </a:rPr>
-              <a:t>    &lt;property </a:t>
-            </a:r>
-            <a:r>
-              <a:rPr kumimoji="0" lang="en-US" altLang="en-US" sz="2000" b="0" i="0" u="none" strike="noStrike" cap="none" normalizeH="0" baseline="0" dirty="0">
-                <a:ln>
-                  <a:noFill/>
-                </a:ln>
-                <a:solidFill>
-                  <a:srgbClr val="BABABA"/>
-                </a:solidFill>
-                <a:effectLst/>
-                <a:latin typeface="JetBrains Mono"/>
-              </a:rPr>
-              <a:t>name</a:t>
-            </a:r>
-            <a:r>
-              <a:rPr kumimoji="0" lang="en-US" altLang="en-US" sz="2000" b="0" i="0" u="none" strike="noStrike" cap="none" normalizeH="0" baseline="0" dirty="0">
-                <a:ln>
-                  <a:noFill/>
-                </a:ln>
-                <a:solidFill>
-                  <a:srgbClr val="6A8759"/>
-                </a:solidFill>
-                <a:effectLst/>
-                <a:latin typeface="JetBrains Mono"/>
-              </a:rPr>
-              <a:t>="surname" </a:t>
-            </a:r>
-            <a:r>
-              <a:rPr kumimoji="0" lang="en-US" altLang="en-US" sz="2000" b="0" i="0" u="none" strike="noStrike" cap="none" normalizeH="0" baseline="0" dirty="0">
-                <a:ln>
-                  <a:noFill/>
-                </a:ln>
-                <a:solidFill>
-                  <a:srgbClr val="BABABA"/>
-                </a:solidFill>
-                <a:effectLst/>
-                <a:latin typeface="JetBrains Mono"/>
-              </a:rPr>
-              <a:t>value</a:t>
-            </a:r>
-            <a:r>
-              <a:rPr kumimoji="0" lang="en-US" altLang="en-US" sz="2000" b="0" i="0" u="none" strike="noStrike" cap="none" normalizeH="0" baseline="0" dirty="0">
-                <a:ln>
-                  <a:noFill/>
-                </a:ln>
-                <a:solidFill>
-                  <a:srgbClr val="6A8759"/>
-                </a:solidFill>
-                <a:effectLst/>
-                <a:latin typeface="JetBrains Mono"/>
-              </a:rPr>
-              <a:t>="${</a:t>
-            </a:r>
-            <a:r>
-              <a:rPr kumimoji="0" lang="en-US" altLang="en-US" sz="2000" b="0" i="0" u="none" strike="noStrike" cap="none" normalizeH="0" baseline="0" dirty="0" err="1">
-                <a:ln>
-                  <a:noFill/>
-                </a:ln>
-                <a:solidFill>
-                  <a:srgbClr val="6A8759"/>
-                </a:solidFill>
-                <a:effectLst/>
-                <a:latin typeface="JetBrains Mono"/>
-              </a:rPr>
-              <a:t>jdbc.surname</a:t>
-            </a:r>
-            <a:r>
-              <a:rPr kumimoji="0" lang="en-US" altLang="en-US" sz="2000" b="0" i="0" u="none" strike="noStrike" cap="none" normalizeH="0" baseline="0" dirty="0">
-                <a:ln>
-                  <a:noFill/>
-                </a:ln>
-                <a:solidFill>
-                  <a:srgbClr val="6A8759"/>
-                </a:solidFill>
-                <a:effectLst/>
-                <a:latin typeface="JetBrains Mono"/>
-              </a:rPr>
-              <a:t>}"</a:t>
-            </a:r>
-            <a:r>
-              <a:rPr kumimoji="0" lang="en-US" altLang="en-US" sz="2000" b="0" i="0" u="none" strike="noStrike" cap="none" normalizeH="0" baseline="0" dirty="0">
-                <a:ln>
-                  <a:noFill/>
-                </a:ln>
-                <a:solidFill>
-                  <a:srgbClr val="E8BF6A"/>
-                </a:solidFill>
-                <a:effectLst/>
-                <a:latin typeface="JetBrains Mono"/>
-              </a:rPr>
-              <a:t>/&gt;</a:t>
-            </a:r>
-            <a:br>
-              <a:rPr kumimoji="0" lang="en-US" altLang="en-US" sz="2000" b="0" i="0" u="none" strike="noStrike" cap="none" normalizeH="0" baseline="0" dirty="0">
-                <a:ln>
-                  <a:noFill/>
-                </a:ln>
-                <a:solidFill>
-                  <a:srgbClr val="E8BF6A"/>
-                </a:solidFill>
-                <a:effectLst/>
-                <a:latin typeface="JetBrains Mono"/>
-              </a:rPr>
-            </a:br>
-            <a:r>
-              <a:rPr kumimoji="0" lang="en-US" altLang="en-US" sz="2000" b="0" i="0" u="none" strike="noStrike" cap="none" normalizeH="0" baseline="0" dirty="0">
-                <a:ln>
-                  <a:noFill/>
-                </a:ln>
-                <a:solidFill>
-                  <a:srgbClr val="E8BF6A"/>
-                </a:solidFill>
-                <a:effectLst/>
-                <a:latin typeface="JetBrains Mono"/>
-              </a:rPr>
-              <a:t>    &lt;property </a:t>
-            </a:r>
-            <a:r>
-              <a:rPr kumimoji="0" lang="en-US" altLang="en-US" sz="2000" b="0" i="0" u="none" strike="noStrike" cap="none" normalizeH="0" baseline="0" dirty="0">
-                <a:ln>
-                  <a:noFill/>
-                </a:ln>
-                <a:solidFill>
-                  <a:srgbClr val="BABABA"/>
-                </a:solidFill>
-                <a:effectLst/>
-                <a:latin typeface="JetBrains Mono"/>
-              </a:rPr>
-              <a:t>name</a:t>
-            </a:r>
-            <a:r>
-              <a:rPr kumimoji="0" lang="en-US" altLang="en-US" sz="2000" b="0" i="0" u="none" strike="noStrike" cap="none" normalizeH="0" baseline="0" dirty="0">
-                <a:ln>
-                  <a:noFill/>
-                </a:ln>
-                <a:solidFill>
-                  <a:srgbClr val="6A8759"/>
-                </a:solidFill>
-                <a:effectLst/>
-                <a:latin typeface="JetBrains Mono"/>
-              </a:rPr>
-              <a:t>="</a:t>
-            </a:r>
-            <a:r>
-              <a:rPr kumimoji="0" lang="en-US" altLang="en-US" sz="2000" b="0" i="0" u="none" strike="noStrike" cap="none" normalizeH="0" baseline="0" dirty="0" err="1">
-                <a:ln>
-                  <a:noFill/>
-                </a:ln>
-                <a:solidFill>
-                  <a:srgbClr val="6A8759"/>
-                </a:solidFill>
-                <a:effectLst/>
-                <a:latin typeface="JetBrains Mono"/>
-              </a:rPr>
-              <a:t>middleName</a:t>
-            </a:r>
-            <a:r>
-              <a:rPr kumimoji="0" lang="en-US" altLang="en-US" sz="2000" b="0" i="0" u="none" strike="noStrike" cap="none" normalizeH="0" baseline="0" dirty="0">
-                <a:ln>
-                  <a:noFill/>
-                </a:ln>
-                <a:solidFill>
-                  <a:srgbClr val="6A8759"/>
-                </a:solidFill>
-                <a:effectLst/>
-                <a:latin typeface="JetBrains Mono"/>
-              </a:rPr>
-              <a:t>" </a:t>
-            </a:r>
-            <a:r>
-              <a:rPr kumimoji="0" lang="en-US" altLang="en-US" sz="2000" b="0" i="0" u="none" strike="noStrike" cap="none" normalizeH="0" baseline="0" dirty="0">
-                <a:ln>
-                  <a:noFill/>
-                </a:ln>
-                <a:solidFill>
-                  <a:srgbClr val="BABABA"/>
-                </a:solidFill>
-                <a:effectLst/>
-                <a:latin typeface="JetBrains Mono"/>
-              </a:rPr>
-              <a:t>value</a:t>
-            </a:r>
-            <a:r>
-              <a:rPr kumimoji="0" lang="en-US" altLang="en-US" sz="2000" b="0" i="0" u="none" strike="noStrike" cap="none" normalizeH="0" baseline="0" dirty="0">
-                <a:ln>
-                  <a:noFill/>
-                </a:ln>
-                <a:solidFill>
-                  <a:srgbClr val="6A8759"/>
-                </a:solidFill>
-                <a:effectLst/>
-                <a:latin typeface="JetBrains Mono"/>
-              </a:rPr>
-              <a:t>="${</a:t>
-            </a:r>
-            <a:r>
-              <a:rPr kumimoji="0" lang="en-US" altLang="en-US" sz="2000" b="0" i="0" u="none" strike="noStrike" cap="none" normalizeH="0" baseline="0" dirty="0" err="1">
-                <a:ln>
-                  <a:noFill/>
-                </a:ln>
-                <a:solidFill>
-                  <a:srgbClr val="6A8759"/>
-                </a:solidFill>
-                <a:effectLst/>
-                <a:latin typeface="JetBrains Mono"/>
-              </a:rPr>
-              <a:t>jdbc.middleName</a:t>
-            </a:r>
-            <a:r>
-              <a:rPr kumimoji="0" lang="en-US" altLang="en-US" sz="2000" b="0" i="0" u="none" strike="noStrike" cap="none" normalizeH="0" baseline="0" dirty="0">
-                <a:ln>
-                  <a:noFill/>
-                </a:ln>
-                <a:solidFill>
-                  <a:srgbClr val="6A8759"/>
-                </a:solidFill>
-                <a:effectLst/>
-                <a:latin typeface="JetBrains Mono"/>
-              </a:rPr>
-              <a:t>}"</a:t>
-            </a:r>
-            <a:r>
-              <a:rPr kumimoji="0" lang="en-US" altLang="en-US" sz="2000" b="0" i="0" u="none" strike="noStrike" cap="none" normalizeH="0" baseline="0" dirty="0">
-                <a:ln>
-                  <a:noFill/>
-                </a:ln>
-                <a:solidFill>
-                  <a:srgbClr val="E8BF6A"/>
-                </a:solidFill>
-                <a:effectLst/>
-                <a:latin typeface="JetBrains Mono"/>
-              </a:rPr>
-              <a:t>/&gt;</a:t>
-            </a:r>
-            <a:br>
-              <a:rPr kumimoji="0" lang="en-US" altLang="en-US" sz="2000" b="0" i="0" u="none" strike="noStrike" cap="none" normalizeH="0" baseline="0" dirty="0">
-                <a:ln>
-                  <a:noFill/>
-                </a:ln>
-                <a:solidFill>
-                  <a:srgbClr val="E8BF6A"/>
-                </a:solidFill>
-                <a:effectLst/>
-                <a:latin typeface="JetBrains Mono"/>
-              </a:rPr>
-            </a:br>
-            <a:r>
-              <a:rPr kumimoji="0" lang="en-US" altLang="en-US" sz="2000" b="0" i="0" u="none" strike="noStrike" cap="none" normalizeH="0" baseline="0" dirty="0">
-                <a:ln>
-                  <a:noFill/>
-                </a:ln>
-                <a:solidFill>
-                  <a:srgbClr val="E8BF6A"/>
-                </a:solidFill>
-                <a:effectLst/>
-                <a:latin typeface="JetBrains Mono"/>
-              </a:rPr>
-              <a:t>    &lt;property </a:t>
-            </a:r>
-            <a:r>
-              <a:rPr kumimoji="0" lang="en-US" altLang="en-US" sz="2000" b="0" i="0" u="none" strike="noStrike" cap="none" normalizeH="0" baseline="0" dirty="0">
-                <a:ln>
-                  <a:noFill/>
-                </a:ln>
-                <a:solidFill>
-                  <a:srgbClr val="BABABA"/>
-                </a:solidFill>
-                <a:effectLst/>
-                <a:latin typeface="JetBrains Mono"/>
-              </a:rPr>
-              <a:t>name</a:t>
-            </a:r>
-            <a:r>
-              <a:rPr kumimoji="0" lang="en-US" altLang="en-US" sz="2000" b="0" i="0" u="none" strike="noStrike" cap="none" normalizeH="0" baseline="0" dirty="0">
-                <a:ln>
-                  <a:noFill/>
-                </a:ln>
-                <a:solidFill>
-                  <a:srgbClr val="6A8759"/>
-                </a:solidFill>
-                <a:effectLst/>
-                <a:latin typeface="JetBrains Mono"/>
-              </a:rPr>
-              <a:t>="age" </a:t>
-            </a:r>
-            <a:r>
-              <a:rPr kumimoji="0" lang="en-US" altLang="en-US" sz="2000" b="0" i="0" u="none" strike="noStrike" cap="none" normalizeH="0" baseline="0" dirty="0">
-                <a:ln>
-                  <a:noFill/>
-                </a:ln>
-                <a:solidFill>
-                  <a:srgbClr val="BABABA"/>
-                </a:solidFill>
-                <a:effectLst/>
-                <a:latin typeface="JetBrains Mono"/>
-              </a:rPr>
-              <a:t>value</a:t>
-            </a:r>
-            <a:r>
-              <a:rPr kumimoji="0" lang="en-US" altLang="en-US" sz="2000" b="0" i="0" u="none" strike="noStrike" cap="none" normalizeH="0" baseline="0" dirty="0">
-                <a:ln>
-                  <a:noFill/>
-                </a:ln>
-                <a:solidFill>
-                  <a:srgbClr val="6A8759"/>
-                </a:solidFill>
-                <a:effectLst/>
-                <a:latin typeface="JetBrains Mono"/>
-              </a:rPr>
-              <a:t>="${</a:t>
-            </a:r>
-            <a:r>
-              <a:rPr kumimoji="0" lang="en-US" altLang="en-US" sz="2000" b="0" i="0" u="none" strike="noStrike" cap="none" normalizeH="0" baseline="0" dirty="0" err="1">
-                <a:ln>
-                  <a:noFill/>
-                </a:ln>
-                <a:solidFill>
-                  <a:srgbClr val="6A8759"/>
-                </a:solidFill>
-                <a:effectLst/>
-                <a:latin typeface="JetBrains Mono"/>
-              </a:rPr>
-              <a:t>jdbc.age</a:t>
-            </a:r>
-            <a:r>
-              <a:rPr kumimoji="0" lang="en-US" altLang="en-US" sz="2000" b="0" i="0" u="none" strike="noStrike" cap="none" normalizeH="0" baseline="0" dirty="0">
-                <a:ln>
-                  <a:noFill/>
-                </a:ln>
-                <a:solidFill>
-                  <a:srgbClr val="6A8759"/>
-                </a:solidFill>
-                <a:effectLst/>
-                <a:latin typeface="JetBrains Mono"/>
-              </a:rPr>
-              <a:t>}"</a:t>
-            </a:r>
-            <a:r>
-              <a:rPr kumimoji="0" lang="en-US" altLang="en-US" sz="2000" b="0" i="0" u="none" strike="noStrike" cap="none" normalizeH="0" baseline="0" dirty="0">
-                <a:ln>
-                  <a:noFill/>
-                </a:ln>
-                <a:solidFill>
-                  <a:srgbClr val="E8BF6A"/>
-                </a:solidFill>
-                <a:effectLst/>
-                <a:latin typeface="JetBrains Mono"/>
-              </a:rPr>
-              <a:t>/&gt;</a:t>
-            </a:r>
-            <a:br>
-              <a:rPr kumimoji="0" lang="en-US" altLang="en-US" sz="2000" b="0" i="0" u="none" strike="noStrike" cap="none" normalizeH="0" baseline="0" dirty="0">
-                <a:ln>
-                  <a:noFill/>
-                </a:ln>
-                <a:solidFill>
-                  <a:srgbClr val="E8BF6A"/>
-                </a:solidFill>
-                <a:effectLst/>
-                <a:latin typeface="JetBrains Mono"/>
-              </a:rPr>
-            </a:br>
-            <a:r>
-              <a:rPr kumimoji="0" lang="en-US" altLang="en-US" sz="2000" b="0" i="0" u="none" strike="noStrike" cap="none" normalizeH="0" baseline="0" dirty="0">
-                <a:ln>
-                  <a:noFill/>
-                </a:ln>
-                <a:solidFill>
-                  <a:srgbClr val="E8BF6A"/>
-                </a:solidFill>
-                <a:effectLst/>
-                <a:latin typeface="JetBrains Mono"/>
-              </a:rPr>
-              <a:t>&lt;/bean&gt;</a:t>
+                  <a:srgbClr val="CC7832"/>
+                </a:solidFill>
+                <a:effectLst/>
+                <a:latin typeface="JetBrains Mono"/>
+              </a:rPr>
+              <a:t>    private </a:t>
+            </a:r>
+            <a:r>
+              <a:rPr kumimoji="0" lang="en-US" altLang="en-US" sz="2000" b="0" i="0" u="none" strike="noStrike" cap="none" normalizeH="0" baseline="0" dirty="0">
+                <a:ln>
+                  <a:noFill/>
+                </a:ln>
+                <a:solidFill>
+                  <a:srgbClr val="A9B7C6"/>
+                </a:solidFill>
+                <a:effectLst/>
+                <a:latin typeface="JetBrains Mono"/>
+              </a:rPr>
+              <a:t>Person </a:t>
+            </a:r>
+            <a:r>
+              <a:rPr kumimoji="0" lang="en-US" altLang="en-US" sz="2000" b="0" i="0" u="none" strike="noStrike" cap="none" normalizeH="0" baseline="0" dirty="0">
+                <a:ln>
+                  <a:noFill/>
+                </a:ln>
+                <a:solidFill>
+                  <a:srgbClr val="9876AA"/>
+                </a:solidFill>
+                <a:effectLst/>
+                <a:latin typeface="JetBrains Mono"/>
+              </a:rPr>
+              <a:t>owner</a:t>
+            </a:r>
+            <a:r>
+              <a:rPr kumimoji="0" lang="en-US" altLang="en-US" sz="2000" b="0" i="0" u="none" strike="noStrike" cap="none" normalizeH="0" baseline="0" dirty="0">
+                <a:ln>
+                  <a:noFill/>
+                </a:ln>
+                <a:solidFill>
+                  <a:srgbClr val="CC7832"/>
+                </a:solidFill>
+                <a:effectLst/>
+                <a:latin typeface="JetBrains Mono"/>
+              </a:rPr>
+              <a:t>;</a:t>
             </a:r>
             <a:endParaRPr kumimoji="0" lang="en-US" altLang="en-US" sz="2000" b="0" i="0" u="none" strike="noStrike" cap="none" normalizeH="0" baseline="0" dirty="0">
               <a:ln>
@@ -4231,9 +3428,39 @@
           </a:p>
         </p:txBody>
       </p:sp>
-      <p:sp>
-        <p:nvSpPr>
-          <p:cNvPr id="5" name="Rectangle 2"/>
+    </p:spTree>
+    <p:extLst>
+      <p:ext uri="{BB962C8B-B14F-4D97-AF65-F5344CB8AC3E}">
+        <p14:creationId xmlns:p14="http://schemas.microsoft.com/office/powerpoint/2010/main" val="1687046197"/>
+      </p:ext>
+    </p:extLst>
+  </p:cSld>
+  <p:clrMapOvr>
+    <a:masterClrMapping/>
+  </p:clrMapOvr>
+</p:sld>
+</file>
+
+<file path=ppt/slides/slide3.xml><?xml version="1.0" encoding="utf-8"?>
+<p:sld xmlns:a="http://schemas.openxmlformats.org/drawingml/2006/main" xmlns:r="http://schemas.openxmlformats.org/officeDocument/2006/relationships" xmlns:p="http://schemas.openxmlformats.org/presentationml/2006/main">
+  <p:cSld>
+    <p:spTree>
+      <p:nvGrpSpPr>
+        <p:cNvPr id="1" name=""/>
+        <p:cNvGrpSpPr/>
+        <p:nvPr/>
+      </p:nvGrpSpPr>
+      <p:grpSpPr>
+        <a:xfrm>
+          <a:off x="0" y="0"/>
+          <a:ext cx="0" cy="0"/>
+          <a:chOff x="0" y="0"/>
+          <a:chExt cx="0" cy="0"/>
+        </a:xfrm>
+      </p:grpSpPr>
+      <p:sp>
+        <p:nvSpPr>
+          <p:cNvPr id="4" name="Rectangle 1"/>
           <p:cNvSpPr>
             <a:spLocks noChangeArrowheads="1"/>
           </p:cNvSpPr>
@@ -4241,8 +3468,8 @@
         </p:nvSpPr>
         <p:spPr bwMode="auto">
           <a:xfrm>
-            <a:off x="838199" y="4069327"/>
-            <a:ext cx="10153651" cy="1323439"/>
+            <a:off x="786063" y="600688"/>
+            <a:ext cx="10427369" cy="3170099"/>
           </a:xfrm>
           <a:prstGeom prst="rect">
             <a:avLst/>
@@ -4302,30 +3529,146 @@
               <a:tabLst/>
             </a:pPr>
             <a:r>
+              <a:rPr kumimoji="0" lang="en-US" altLang="en-US" sz="2000" b="0" i="0" u="none" strike="noStrike" cap="none" normalizeH="0" baseline="0" dirty="0">
+                <a:ln>
+                  <a:noFill/>
+                </a:ln>
+                <a:solidFill>
+                  <a:srgbClr val="E8BF6A"/>
+                </a:solidFill>
+                <a:effectLst/>
+                <a:latin typeface="JetBrains Mono"/>
+              </a:rPr>
+              <a:t>&lt;bean </a:t>
+            </a:r>
+            <a:r>
+              <a:rPr kumimoji="0" lang="en-US" altLang="en-US" sz="2000" b="0" i="0" u="none" strike="noStrike" cap="none" normalizeH="0" baseline="0" dirty="0">
+                <a:ln>
+                  <a:noFill/>
+                </a:ln>
+                <a:solidFill>
+                  <a:srgbClr val="BABABA"/>
+                </a:solidFill>
+                <a:effectLst/>
+                <a:latin typeface="JetBrains Mono"/>
+              </a:rPr>
+              <a:t>name</a:t>
+            </a:r>
+            <a:r>
+              <a:rPr kumimoji="0" lang="en-US" altLang="en-US" sz="2000" b="0" i="0" u="none" strike="noStrike" cap="none" normalizeH="0" baseline="0" dirty="0">
+                <a:ln>
+                  <a:noFill/>
+                </a:ln>
+                <a:solidFill>
+                  <a:srgbClr val="6A8759"/>
+                </a:solidFill>
+                <a:effectLst/>
+                <a:latin typeface="JetBrains Mono"/>
+              </a:rPr>
+              <a:t>="person" </a:t>
+            </a:r>
+            <a:r>
+              <a:rPr kumimoji="0" lang="en-US" altLang="en-US" sz="2000" b="0" i="0" u="none" strike="noStrike" cap="none" normalizeH="0" baseline="0" dirty="0">
+                <a:ln>
+                  <a:noFill/>
+                </a:ln>
+                <a:solidFill>
+                  <a:srgbClr val="BABABA"/>
+                </a:solidFill>
+                <a:effectLst/>
+                <a:latin typeface="JetBrains Mono"/>
+              </a:rPr>
+              <a:t>class</a:t>
+            </a:r>
+            <a:r>
+              <a:rPr kumimoji="0" lang="en-US" altLang="en-US" sz="2000" b="0" i="0" u="none" strike="noStrike" cap="none" normalizeH="0" baseline="0" dirty="0">
+                <a:ln>
+                  <a:noFill/>
+                </a:ln>
+                <a:solidFill>
+                  <a:srgbClr val="6A8759"/>
+                </a:solidFill>
+                <a:effectLst/>
+                <a:latin typeface="JetBrains Mono"/>
+              </a:rPr>
+              <a:t>="com.volkov.IoC.example10.Person"</a:t>
+            </a:r>
+            <a:r>
+              <a:rPr kumimoji="0" lang="en-US" altLang="en-US" sz="2000" b="0" i="0" u="none" strike="noStrike" cap="none" normalizeH="0" baseline="0" dirty="0">
+                <a:ln>
+                  <a:noFill/>
+                </a:ln>
+                <a:solidFill>
+                  <a:srgbClr val="E8BF6A"/>
+                </a:solidFill>
+                <a:effectLst/>
+                <a:latin typeface="JetBrains Mono"/>
+              </a:rPr>
+              <a:t>&gt;</a:t>
+            </a:r>
+            <a:br>
+              <a:rPr kumimoji="0" lang="en-US" altLang="en-US" sz="2000" b="0" i="0" u="none" strike="noStrike" cap="none" normalizeH="0" baseline="0" dirty="0">
+                <a:ln>
+                  <a:noFill/>
+                </a:ln>
+                <a:solidFill>
+                  <a:srgbClr val="E8BF6A"/>
+                </a:solidFill>
+                <a:effectLst/>
+                <a:latin typeface="JetBrains Mono"/>
+              </a:rPr>
+            </a:br>
+            <a:r>
+              <a:rPr kumimoji="0" lang="en-US" altLang="en-US" sz="2000" b="0" i="0" u="none" strike="noStrike" cap="none" normalizeH="0" baseline="0" dirty="0">
+                <a:ln>
+                  <a:noFill/>
+                </a:ln>
+                <a:solidFill>
+                  <a:srgbClr val="E8BF6A"/>
+                </a:solidFill>
+                <a:effectLst/>
+                <a:latin typeface="JetBrains Mono"/>
+              </a:rPr>
+              <a:t>    &lt;constructor-</a:t>
+            </a:r>
+            <a:r>
               <a:rPr kumimoji="0" lang="en-US" altLang="en-US" sz="2000" b="0" i="0" u="none" strike="noStrike" cap="none" normalizeH="0" baseline="0" dirty="0" err="1">
                 <a:ln>
                   <a:noFill/>
                 </a:ln>
                 <a:solidFill>
-                  <a:srgbClr val="CC7832"/>
-                </a:solidFill>
-                <a:effectLst/>
-                <a:latin typeface="JetBrains Mono"/>
-              </a:rPr>
-              <a:t>jdbc.firstName</a:t>
-            </a:r>
-            <a:r>
-              <a:rPr kumimoji="0" lang="en-US" altLang="en-US" sz="2000" b="0" i="0" u="none" strike="noStrike" cap="none" normalizeH="0" baseline="0" dirty="0">
-                <a:ln>
-                  <a:noFill/>
-                </a:ln>
-                <a:solidFill>
-                  <a:srgbClr val="808080"/>
-                </a:solidFill>
-                <a:effectLst/>
-                <a:latin typeface="JetBrains Mono"/>
-              </a:rPr>
-              <a:t>=</a:t>
+                  <a:srgbClr val="E8BF6A"/>
+                </a:solidFill>
+                <a:effectLst/>
+                <a:latin typeface="JetBrains Mono"/>
+              </a:rPr>
+              <a:t>arg</a:t>
+            </a:r>
+            <a:r>
+              <a:rPr kumimoji="0" lang="en-US" altLang="en-US" sz="2000" b="0" i="0" u="none" strike="noStrike" cap="none" normalizeH="0" baseline="0" dirty="0">
+                <a:ln>
+                  <a:noFill/>
+                </a:ln>
+                <a:solidFill>
+                  <a:srgbClr val="E8BF6A"/>
+                </a:solidFill>
+                <a:effectLst/>
+                <a:latin typeface="JetBrains Mono"/>
+              </a:rPr>
+              <a:t> </a:t>
+            </a:r>
+            <a:r>
+              <a:rPr kumimoji="0" lang="en-US" altLang="en-US" sz="2000" b="0" i="0" u="none" strike="noStrike" cap="none" normalizeH="0" baseline="0" dirty="0">
+                <a:ln>
+                  <a:noFill/>
+                </a:ln>
+                <a:solidFill>
+                  <a:srgbClr val="BABABA"/>
+                </a:solidFill>
+                <a:effectLst/>
+                <a:latin typeface="JetBrains Mono"/>
+              </a:rPr>
+              <a:t>name</a:t>
             </a:r>
             <a:r>
               <a:rPr kumimoji="0" lang="en-US" altLang="en-US" sz="2000" b="0" i="0" u="none" strike="noStrike" cap="none" normalizeH="0" baseline="0" dirty="0">
@@ -4338,7 +3681,72 @@
                 <a:effectLst/>
                 <a:latin typeface="JetBrains Mono"/>
               </a:rPr>
-              <a:t>Ivan</a:t>
+              <a:t>="</a:t>
+            </a:r>
+            <a:r>
+              <a:rPr kumimoji="0" lang="en-US" altLang="en-US" sz="2000" b="0" i="0" u="none" strike="noStrike" cap="none" normalizeH="0" baseline="0" dirty="0" err="1">
+                <a:ln>
+                  <a:noFill/>
+                </a:ln>
+                <a:solidFill>
+                  <a:srgbClr val="6A8759"/>
+                </a:solidFill>
+                <a:effectLst/>
+                <a:latin typeface="JetBrains Mono"/>
+              </a:rPr>
+              <a:t>firstName</a:t>
+            </a:r>
+            <a:r>
+              <a:rPr kumimoji="0" lang="en-US" altLang="en-US" sz="2000" b="0" i="0" u="none" strike="noStrike" cap="none" normalizeH="0" baseline="0" dirty="0">
+                <a:ln>
+                  <a:noFill/>
+                </a:ln>
+                <a:solidFill>
+                  <a:srgbClr val="6A8759"/>
+                </a:solidFill>
+                <a:effectLst/>
+                <a:latin typeface="JetBrains Mono"/>
+              </a:rPr>
+              <a:t>" </a:t>
+            </a:r>
+            <a:r>
+              <a:rPr kumimoji="0" lang="en-US" altLang="en-US" sz="2000" b="0" i="0" u="none" strike="noStrike" cap="none" normalizeH="0" baseline="0" dirty="0">
+                <a:ln>
+                  <a:noFill/>
+                </a:ln>
+                <a:solidFill>
+                  <a:srgbClr val="BABABA"/>
+                </a:solidFill>
+                <a:effectLst/>
+                <a:latin typeface="JetBrains Mono"/>
+              </a:rPr>
+              <a:t>value</a:t>
+            </a:r>
+            <a:r>
+              <a:rPr kumimoji="0" lang="en-US" altLang="en-US" sz="2000" b="0" i="0" u="none" strike="noStrike" cap="none" normalizeH="0" baseline="0" dirty="0">
+                <a:ln>
+                  <a:noFill/>
+                </a:ln>
+                <a:solidFill>
+                  <a:srgbClr val="6A8759"/>
+                </a:solidFill>
+                <a:effectLst/>
+                <a:latin typeface="JetBrains Mono"/>
+              </a:rPr>
+              <a:t>="Ivan"</a:t>
+            </a:r>
+            <a:r>
+              <a:rPr kumimoji="0" lang="en-US" altLang="en-US" sz="2000" b="0" i="0" u="none" strike="noStrike" cap="none" normalizeH="0" baseline="0" dirty="0">
+                <a:ln>
+                  <a:noFill/>
+                </a:ln>
+                <a:solidFill>
+                  <a:srgbClr val="E8BF6A"/>
+                </a:solidFill>
+                <a:effectLst/>
+                <a:latin typeface="JetBrains Mono"/>
+              </a:rPr>
+              <a:t>/&gt;</a:t>
             </a:r>
             <a:br>
               <a:rPr kumimoji="0" lang="en-US" altLang="en-US" sz="2000" b="0" i="0" u="none" strike="noStrike" cap="none" normalizeH="0" baseline="0" dirty="0">
@@ -4346,37 +3754,179 @@
                   <a:noFill/>
                 </a:ln>
                 <a:solidFill>
+                  <a:srgbClr val="E8BF6A"/>
+                </a:solidFill>
+                <a:effectLst/>
+                <a:latin typeface="JetBrains Mono"/>
+              </a:rPr>
+            </a:br>
+            <a:r>
+              <a:rPr kumimoji="0" lang="en-US" altLang="en-US" sz="2000" b="0" i="0" u="none" strike="noStrike" cap="none" normalizeH="0" baseline="0" dirty="0">
+                <a:ln>
+                  <a:noFill/>
+                </a:ln>
+                <a:solidFill>
+                  <a:srgbClr val="E8BF6A"/>
+                </a:solidFill>
+                <a:effectLst/>
+                <a:latin typeface="JetBrains Mono"/>
+              </a:rPr>
+              <a:t>    &lt;constructor-</a:t>
+            </a:r>
+            <a:r>
+              <a:rPr kumimoji="0" lang="en-US" altLang="en-US" sz="2000" b="0" i="0" u="none" strike="noStrike" cap="none" normalizeH="0" baseline="0" dirty="0" err="1">
+                <a:ln>
+                  <a:noFill/>
+                </a:ln>
+                <a:solidFill>
+                  <a:srgbClr val="E8BF6A"/>
+                </a:solidFill>
+                <a:effectLst/>
+                <a:latin typeface="JetBrains Mono"/>
+              </a:rPr>
+              <a:t>arg</a:t>
+            </a:r>
+            <a:r>
+              <a:rPr kumimoji="0" lang="en-US" altLang="en-US" sz="2000" b="0" i="0" u="none" strike="noStrike" cap="none" normalizeH="0" baseline="0" dirty="0">
+                <a:ln>
+                  <a:noFill/>
+                </a:ln>
+                <a:solidFill>
+                  <a:srgbClr val="E8BF6A"/>
+                </a:solidFill>
+                <a:effectLst/>
+                <a:latin typeface="JetBrains Mono"/>
+              </a:rPr>
+              <a:t> </a:t>
+            </a:r>
+            <a:r>
+              <a:rPr kumimoji="0" lang="en-US" altLang="en-US" sz="2000" b="0" i="0" u="none" strike="noStrike" cap="none" normalizeH="0" baseline="0" dirty="0">
+                <a:ln>
+                  <a:noFill/>
+                </a:ln>
+                <a:solidFill>
+                  <a:srgbClr val="BABABA"/>
+                </a:solidFill>
+                <a:effectLst/>
+                <a:latin typeface="JetBrains Mono"/>
+              </a:rPr>
+              <a:t>name</a:t>
+            </a:r>
+            <a:r>
+              <a:rPr kumimoji="0" lang="en-US" altLang="en-US" sz="2000" b="0" i="0" u="none" strike="noStrike" cap="none" normalizeH="0" baseline="0" dirty="0">
+                <a:ln>
+                  <a:noFill/>
+                </a:ln>
+                <a:solidFill>
                   <a:srgbClr val="6A8759"/>
                 </a:solidFill>
                 <a:effectLst/>
                 <a:latin typeface="JetBrains Mono"/>
               </a:rPr>
+              <a:t>="surname" </a:t>
+            </a:r>
+            <a:r>
+              <a:rPr kumimoji="0" lang="en-US" altLang="en-US" sz="2000" b="0" i="0" u="none" strike="noStrike" cap="none" normalizeH="0" baseline="0" dirty="0">
+                <a:ln>
+                  <a:noFill/>
+                </a:ln>
+                <a:solidFill>
+                  <a:srgbClr val="BABABA"/>
+                </a:solidFill>
+                <a:effectLst/>
+                <a:latin typeface="JetBrains Mono"/>
+              </a:rPr>
+              <a:t>value</a:t>
+            </a:r>
+            <a:r>
+              <a:rPr kumimoji="0" lang="en-US" altLang="en-US" sz="2000" b="0" i="0" u="none" strike="noStrike" cap="none" normalizeH="0" baseline="0" dirty="0">
+                <a:ln>
+                  <a:noFill/>
+                </a:ln>
+                <a:solidFill>
+                  <a:srgbClr val="6A8759"/>
+                </a:solidFill>
+                <a:effectLst/>
+                <a:latin typeface="JetBrains Mono"/>
+              </a:rPr>
+              <a:t>="Ivanov"</a:t>
+            </a:r>
+            <a:r>
+              <a:rPr kumimoji="0" lang="en-US" altLang="en-US" sz="2000" b="0" i="0" u="none" strike="noStrike" cap="none" normalizeH="0" baseline="0" dirty="0">
+                <a:ln>
+                  <a:noFill/>
+                </a:ln>
+                <a:solidFill>
+                  <a:srgbClr val="E8BF6A"/>
+                </a:solidFill>
+                <a:effectLst/>
+                <a:latin typeface="JetBrains Mono"/>
+              </a:rPr>
+              <a:t>/&gt;</a:t>
+            </a:r>
+            <a:br>
+              <a:rPr kumimoji="0" lang="en-US" altLang="en-US" sz="2000" b="0" i="0" u="none" strike="noStrike" cap="none" normalizeH="0" baseline="0" dirty="0">
+                <a:ln>
+                  <a:noFill/>
+                </a:ln>
+                <a:solidFill>
+                  <a:srgbClr val="E8BF6A"/>
+                </a:solidFill>
+                <a:effectLst/>
+                <a:latin typeface="JetBrains Mono"/>
+              </a:rPr>
             </a:br>
             <a:r>
+              <a:rPr kumimoji="0" lang="en-US" altLang="en-US" sz="2000" b="0" i="0" u="none" strike="noStrike" cap="none" normalizeH="0" baseline="0" dirty="0">
+                <a:ln>
+                  <a:noFill/>
+                </a:ln>
+                <a:solidFill>
+                  <a:srgbClr val="E8BF6A"/>
+                </a:solidFill>
+                <a:effectLst/>
+                <a:latin typeface="JetBrains Mono"/>
+              </a:rPr>
+              <a:t>    &lt;constructor-</a:t>
+            </a:r>
+            <a:r>
               <a:rPr kumimoji="0" lang="en-US" altLang="en-US" sz="2000" b="0" i="0" u="none" strike="noStrike" cap="none" normalizeH="0" baseline="0" dirty="0" err="1">
                 <a:ln>
                   <a:noFill/>
                 </a:ln>
                 <a:solidFill>
-                  <a:srgbClr val="CC7832"/>
-                </a:solidFill>
-                <a:effectLst/>
-                <a:latin typeface="JetBrains Mono"/>
-              </a:rPr>
-              <a:t>jdbc.surname</a:t>
-            </a:r>
-            <a:r>
-              <a:rPr kumimoji="0" lang="en-US" altLang="en-US" sz="2000" b="0" i="0" u="none" strike="noStrike" cap="none" normalizeH="0" baseline="0" dirty="0">
-                <a:ln>
-                  <a:noFill/>
-                </a:ln>
-                <a:solidFill>
-                  <a:srgbClr val="808080"/>
-                </a:solidFill>
-                <a:effectLst/>
-                <a:latin typeface="JetBrains Mono"/>
-              </a:rPr>
-              <a:t>=</a:t>
+                  <a:srgbClr val="E8BF6A"/>
+                </a:solidFill>
+                <a:effectLst/>
+                <a:latin typeface="JetBrains Mono"/>
+              </a:rPr>
+              <a:t>arg</a:t>
+            </a:r>
+            <a:r>
+              <a:rPr kumimoji="0" lang="en-US" altLang="en-US" sz="2000" b="0" i="0" u="none" strike="noStrike" cap="none" normalizeH="0" baseline="0" dirty="0">
+                <a:ln>
+                  <a:noFill/>
+                </a:ln>
+                <a:solidFill>
+                  <a:srgbClr val="E8BF6A"/>
+                </a:solidFill>
+                <a:effectLst/>
+                <a:latin typeface="JetBrains Mono"/>
+              </a:rPr>
+              <a:t> </a:t>
+            </a:r>
+            <a:r>
+              <a:rPr kumimoji="0" lang="en-US" altLang="en-US" sz="2000" b="0" i="0" u="none" strike="noStrike" cap="none" normalizeH="0" baseline="0" dirty="0">
+                <a:ln>
+                  <a:noFill/>
+                </a:ln>
+                <a:solidFill>
+                  <a:srgbClr val="BABABA"/>
+                </a:solidFill>
+                <a:effectLst/>
+                <a:latin typeface="JetBrains Mono"/>
+              </a:rPr>
+              <a:t>name</a:t>
             </a:r>
             <a:r>
               <a:rPr kumimoji="0" lang="en-US" altLang="en-US" sz="2000" b="0" i="0" u="none" strike="noStrike" cap="none" normalizeH="0" baseline="0" dirty="0">
@@ -4389,7 +3939,46 @@
                 <a:effectLst/>
                 <a:latin typeface="JetBrains Mono"/>
               </a:rPr>
-              <a:t>Ivanov</a:t>
+              <a:t>="age" </a:t>
+            </a:r>
+            <a:r>
+              <a:rPr kumimoji="0" lang="en-US" altLang="en-US" sz="2000" b="0" i="0" u="none" strike="noStrike" cap="none" normalizeH="0" baseline="0" dirty="0">
+                <a:ln>
+                  <a:noFill/>
+                </a:ln>
+                <a:solidFill>
+                  <a:srgbClr val="BABABA"/>
+                </a:solidFill>
+                <a:effectLst/>
+                <a:latin typeface="JetBrains Mono"/>
+              </a:rPr>
+              <a:t>value</a:t>
+            </a:r>
+            <a:r>
+              <a:rPr kumimoji="0" lang="en-US" altLang="en-US" sz="2000" b="0" i="0" u="none" strike="noStrike" cap="none" normalizeH="0" baseline="0" dirty="0">
+                <a:ln>
+                  <a:noFill/>
+                </a:ln>
+                <a:solidFill>
+                  <a:srgbClr val="6A8759"/>
+                </a:solidFill>
+                <a:effectLst/>
+                <a:latin typeface="JetBrains Mono"/>
+              </a:rPr>
+              <a:t>="29"</a:t>
+            </a:r>
+            <a:r>
+              <a:rPr kumimoji="0" lang="en-US" altLang="en-US" sz="2000" b="0" i="0" u="none" strike="noStrike" cap="none" normalizeH="0" baseline="0" dirty="0">
+                <a:ln>
+                  <a:noFill/>
+                </a:ln>
+                <a:solidFill>
+                  <a:srgbClr val="E8BF6A"/>
+                </a:solidFill>
+                <a:effectLst/>
+                <a:latin typeface="JetBrains Mono"/>
+              </a:rPr>
+              <a:t>/&gt;</a:t>
             </a:r>
             <a:br>
               <a:rPr kumimoji="0" lang="en-US" altLang="en-US" sz="2000" b="0" i="0" u="none" strike="noStrike" cap="none" normalizeH="0" baseline="0" dirty="0">
@@ -4397,37 +3986,229 @@
                   <a:noFill/>
                 </a:ln>
                 <a:solidFill>
+                  <a:srgbClr val="E8BF6A"/>
+                </a:solidFill>
+                <a:effectLst/>
+                <a:latin typeface="JetBrains Mono"/>
+              </a:rPr>
+            </a:br>
+            <a:r>
+              <a:rPr kumimoji="0" lang="en-US" altLang="en-US" sz="2000" b="0" i="0" u="none" strike="noStrike" cap="none" normalizeH="0" baseline="0" dirty="0">
+                <a:ln>
+                  <a:noFill/>
+                </a:ln>
+                <a:solidFill>
+                  <a:srgbClr val="E8BF6A"/>
+                </a:solidFill>
+                <a:effectLst/>
+                <a:latin typeface="JetBrains Mono"/>
+              </a:rPr>
+              <a:t>&lt;/bean&gt;</a:t>
+            </a:r>
+            <a:br>
+              <a:rPr kumimoji="0" lang="en-US" altLang="en-US" sz="2000" b="0" i="0" u="none" strike="noStrike" cap="none" normalizeH="0" baseline="0" dirty="0">
+                <a:ln>
+                  <a:noFill/>
+                </a:ln>
+                <a:solidFill>
+                  <a:srgbClr val="E8BF6A"/>
+                </a:solidFill>
+                <a:effectLst/>
+                <a:latin typeface="JetBrains Mono"/>
+              </a:rPr>
+            </a:br>
+            <a:br>
+              <a:rPr kumimoji="0" lang="en-US" altLang="en-US" sz="2000" b="0" i="0" u="none" strike="noStrike" cap="none" normalizeH="0" baseline="0" dirty="0">
+                <a:ln>
+                  <a:noFill/>
+                </a:ln>
+                <a:solidFill>
+                  <a:srgbClr val="E8BF6A"/>
+                </a:solidFill>
+                <a:effectLst/>
+                <a:latin typeface="JetBrains Mono"/>
+              </a:rPr>
+            </a:br>
+            <a:r>
+              <a:rPr kumimoji="0" lang="en-US" altLang="en-US" sz="2000" b="0" i="0" u="none" strike="noStrike" cap="none" normalizeH="0" baseline="0" dirty="0">
+                <a:ln>
+                  <a:noFill/>
+                </a:ln>
+                <a:solidFill>
+                  <a:srgbClr val="E8BF6A"/>
+                </a:solidFill>
+                <a:effectLst/>
+                <a:latin typeface="JetBrains Mono"/>
+              </a:rPr>
+              <a:t>&lt;bean </a:t>
+            </a:r>
+            <a:r>
+              <a:rPr kumimoji="0" lang="en-US" altLang="en-US" sz="2000" b="0" i="0" u="none" strike="noStrike" cap="none" normalizeH="0" baseline="0" dirty="0">
+                <a:ln>
+                  <a:noFill/>
+                </a:ln>
+                <a:solidFill>
+                  <a:srgbClr val="BABABA"/>
+                </a:solidFill>
+                <a:effectLst/>
+                <a:latin typeface="JetBrains Mono"/>
+              </a:rPr>
+              <a:t>name</a:t>
+            </a:r>
+            <a:r>
+              <a:rPr kumimoji="0" lang="en-US" altLang="en-US" sz="2000" b="0" i="0" u="none" strike="noStrike" cap="none" normalizeH="0" baseline="0" dirty="0">
+                <a:ln>
+                  <a:noFill/>
+                </a:ln>
+                <a:solidFill>
                   <a:srgbClr val="6A8759"/>
                 </a:solidFill>
                 <a:effectLst/>
                 <a:latin typeface="JetBrains Mono"/>
               </a:rPr>
+              <a:t>="cat" </a:t>
+            </a:r>
+            <a:r>
+              <a:rPr kumimoji="0" lang="en-US" altLang="en-US" sz="2000" b="0" i="0" u="none" strike="noStrike" cap="none" normalizeH="0" baseline="0" dirty="0">
+                <a:ln>
+                  <a:noFill/>
+                </a:ln>
+                <a:solidFill>
+                  <a:srgbClr val="BABABA"/>
+                </a:solidFill>
+                <a:effectLst/>
+                <a:latin typeface="JetBrains Mono"/>
+              </a:rPr>
+              <a:t>class</a:t>
+            </a:r>
+            <a:r>
+              <a:rPr kumimoji="0" lang="en-US" altLang="en-US" sz="2000" b="0" i="0" u="none" strike="noStrike" cap="none" normalizeH="0" baseline="0" dirty="0">
+                <a:ln>
+                  <a:noFill/>
+                </a:ln>
+                <a:solidFill>
+                  <a:srgbClr val="6A8759"/>
+                </a:solidFill>
+                <a:effectLst/>
+                <a:latin typeface="JetBrains Mono"/>
+              </a:rPr>
+              <a:t>="com.volkov.IoC.example10.Cat"</a:t>
+            </a:r>
+            <a:r>
+              <a:rPr kumimoji="0" lang="en-US" altLang="en-US" sz="2000" b="0" i="0" u="none" strike="noStrike" cap="none" normalizeH="0" baseline="0" dirty="0">
+                <a:ln>
+                  <a:noFill/>
+                </a:ln>
+                <a:solidFill>
+                  <a:srgbClr val="E8BF6A"/>
+                </a:solidFill>
+                <a:effectLst/>
+                <a:latin typeface="JetBrains Mono"/>
+              </a:rPr>
+              <a:t>&gt;</a:t>
+            </a:r>
+            <a:br>
+              <a:rPr kumimoji="0" lang="en-US" altLang="en-US" sz="2000" b="0" i="0" u="none" strike="noStrike" cap="none" normalizeH="0" baseline="0" dirty="0">
+                <a:ln>
+                  <a:noFill/>
+                </a:ln>
+                <a:solidFill>
+                  <a:srgbClr val="E8BF6A"/>
+                </a:solidFill>
+                <a:effectLst/>
+                <a:latin typeface="JetBrains Mono"/>
+              </a:rPr>
             </a:br>
             <a:r>
+              <a:rPr kumimoji="0" lang="en-US" altLang="en-US" sz="2000" b="0" i="0" u="none" strike="noStrike" cap="none" normalizeH="0" baseline="0" dirty="0">
+                <a:ln>
+                  <a:noFill/>
+                </a:ln>
+                <a:solidFill>
+                  <a:srgbClr val="E8BF6A"/>
+                </a:solidFill>
+                <a:effectLst/>
+                <a:latin typeface="JetBrains Mono"/>
+              </a:rPr>
+              <a:t>    &lt;constructor-</a:t>
+            </a:r>
+            <a:r>
               <a:rPr kumimoji="0" lang="en-US" altLang="en-US" sz="2000" b="0" i="0" u="none" strike="noStrike" cap="none" normalizeH="0" baseline="0" dirty="0" err="1">
                 <a:ln>
                   <a:noFill/>
                 </a:ln>
                 <a:solidFill>
-                  <a:srgbClr val="CC7832"/>
-                </a:solidFill>
-                <a:effectLst/>
-                <a:latin typeface="JetBrains Mono"/>
-              </a:rPr>
-              <a:t>jdbc.middleName</a:t>
-            </a:r>
-            <a:r>
-              <a:rPr kumimoji="0" lang="en-US" altLang="en-US" sz="2000" b="0" i="0" u="none" strike="noStrike" cap="none" normalizeH="0" baseline="0" dirty="0">
-                <a:ln>
-                  <a:noFill/>
-                </a:ln>
-                <a:solidFill>
-                  <a:srgbClr val="808080"/>
-                </a:solidFill>
-                <a:effectLst/>
-                <a:latin typeface="JetBrains Mono"/>
-              </a:rPr>
-              <a:t>=</a:t>
+                  <a:srgbClr val="E8BF6A"/>
+                </a:solidFill>
+                <a:effectLst/>
+                <a:latin typeface="JetBrains Mono"/>
+              </a:rPr>
+              <a:t>arg</a:t>
+            </a:r>
+            <a:r>
+              <a:rPr kumimoji="0" lang="en-US" altLang="en-US" sz="2000" b="0" i="0" u="none" strike="noStrike" cap="none" normalizeH="0" baseline="0" dirty="0">
+                <a:ln>
+                  <a:noFill/>
+                </a:ln>
+                <a:solidFill>
+                  <a:srgbClr val="E8BF6A"/>
+                </a:solidFill>
+                <a:effectLst/>
+                <a:latin typeface="JetBrains Mono"/>
+              </a:rPr>
+              <a:t> </a:t>
+            </a:r>
+            <a:r>
+              <a:rPr kumimoji="0" lang="en-US" altLang="en-US" sz="2000" b="0" i="0" u="none" strike="noStrike" cap="none" normalizeH="0" baseline="0" dirty="0">
+                <a:ln>
+                  <a:noFill/>
+                </a:ln>
+                <a:solidFill>
+                  <a:srgbClr val="BABABA"/>
+                </a:solidFill>
+                <a:effectLst/>
+                <a:latin typeface="JetBrains Mono"/>
+              </a:rPr>
+              <a:t>name</a:t>
+            </a:r>
+            <a:r>
+              <a:rPr kumimoji="0" lang="en-US" altLang="en-US" sz="2000" b="0" i="0" u="none" strike="noStrike" cap="none" normalizeH="0" baseline="0" dirty="0">
+                <a:ln>
+                  <a:noFill/>
+                </a:ln>
+                <a:solidFill>
+                  <a:srgbClr val="6A8759"/>
+                </a:solidFill>
+                <a:effectLst/>
+                <a:latin typeface="JetBrains Mono"/>
+              </a:rPr>
+              <a:t>="name" </a:t>
+            </a:r>
+            <a:r>
+              <a:rPr kumimoji="0" lang="en-US" altLang="en-US" sz="2000" b="0" i="0" u="none" strike="noStrike" cap="none" normalizeH="0" baseline="0" dirty="0">
+                <a:ln>
+                  <a:noFill/>
+                </a:ln>
+                <a:solidFill>
+                  <a:srgbClr val="BABABA"/>
+                </a:solidFill>
+                <a:effectLst/>
+                <a:latin typeface="JetBrains Mono"/>
+              </a:rPr>
+              <a:t>value</a:t>
+            </a:r>
+            <a:r>
+              <a:rPr kumimoji="0" lang="en-US" altLang="en-US" sz="2000" b="0" i="0" u="none" strike="noStrike" cap="none" normalizeH="0" baseline="0" dirty="0">
+                <a:ln>
+                  <a:noFill/>
+                </a:ln>
+                <a:solidFill>
+                  <a:srgbClr val="6A8759"/>
+                </a:solidFill>
+                <a:effectLst/>
+                <a:latin typeface="JetBrains Mono"/>
+              </a:rPr>
+              <a:t>="</a:t>
             </a:r>
             <a:r>
               <a:rPr kumimoji="0" lang="en-US" altLang="en-US" sz="2000" b="0" i="0" u="none" strike="noStrike" cap="none" normalizeH="0" baseline="0" dirty="0" err="1">
@@ -4440,7 +4221,7 @@
                 <a:effectLst/>
                 <a:latin typeface="JetBrains Mono"/>
               </a:rPr>
-              <a:t>Ivanovich</a:t>
+              <a:t>Barsik</a:t>
             </a:r>
             <a:r>
               <a:rPr kumimoji="0" lang="en-US" altLang="en-US" sz="2000" b="0" i="0" u="none" strike="noStrike" cap="none" normalizeH="0" baseline="0" dirty="0">
@@ -4453,7 +4234,20 @@
                 <a:effectLst/>
                 <a:latin typeface="JetBrains Mono"/>
               </a:rPr>
-              <a:t/>
+              <a:t>"</a:t>
+            </a:r>
+            <a:r>
+              <a:rPr kumimoji="0" lang="en-US" altLang="en-US" sz="2000" b="0" i="0" u="none" strike="noStrike" cap="none" normalizeH="0" baseline="0" dirty="0">
+                <a:ln>
+                  <a:noFill/>
+                </a:ln>
+                <a:solidFill>
+                  <a:srgbClr val="E8BF6A"/>
+                </a:solidFill>
+                <a:effectLst/>
+                <a:latin typeface="JetBrains Mono"/>
+              </a:rPr>
+              <a:t>/&gt;</a:t>
             </a:r>
             <a:br>
               <a:rPr kumimoji="0" lang="en-US" altLang="en-US" sz="2000" b="0" i="0" u="none" strike="noStrike" cap="none" normalizeH="0" baseline="0" dirty="0">
@@ -4461,50 +4255,140 @@
                   <a:noFill/>
                 </a:ln>
                 <a:solidFill>
+                  <a:srgbClr val="E8BF6A"/>
+                </a:solidFill>
+                <a:effectLst/>
+                <a:latin typeface="JetBrains Mono"/>
+              </a:rPr>
+            </a:br>
+            <a:r>
+              <a:rPr kumimoji="0" lang="en-US" altLang="en-US" sz="2000" b="0" i="0" u="none" strike="noStrike" cap="none" normalizeH="0" baseline="0" dirty="0">
+                <a:ln>
+                  <a:noFill/>
+                </a:ln>
+                <a:solidFill>
+                  <a:srgbClr val="E8BF6A"/>
+                </a:solidFill>
+                <a:effectLst/>
+                <a:latin typeface="JetBrains Mono"/>
+              </a:rPr>
+              <a:t>    &lt;constructor-</a:t>
+            </a:r>
+            <a:r>
+              <a:rPr kumimoji="0" lang="en-US" altLang="en-US" sz="2000" b="0" i="0" u="none" strike="noStrike" cap="none" normalizeH="0" baseline="0" dirty="0" err="1">
+                <a:ln>
+                  <a:noFill/>
+                </a:ln>
+                <a:solidFill>
+                  <a:srgbClr val="E8BF6A"/>
+                </a:solidFill>
+                <a:effectLst/>
+                <a:latin typeface="JetBrains Mono"/>
+              </a:rPr>
+              <a:t>arg</a:t>
+            </a:r>
+            <a:r>
+              <a:rPr kumimoji="0" lang="en-US" altLang="en-US" sz="2000" b="0" i="0" u="none" strike="noStrike" cap="none" normalizeH="0" baseline="0" dirty="0">
+                <a:ln>
+                  <a:noFill/>
+                </a:ln>
+                <a:solidFill>
+                  <a:srgbClr val="E8BF6A"/>
+                </a:solidFill>
+                <a:effectLst/>
+                <a:latin typeface="JetBrains Mono"/>
+              </a:rPr>
+              <a:t> </a:t>
+            </a:r>
+            <a:r>
+              <a:rPr kumimoji="0" lang="en-US" altLang="en-US" sz="2000" b="0" i="0" u="none" strike="noStrike" cap="none" normalizeH="0" baseline="0" dirty="0">
+                <a:ln>
+                  <a:noFill/>
+                </a:ln>
+                <a:solidFill>
+                  <a:srgbClr val="BABABA"/>
+                </a:solidFill>
+                <a:effectLst/>
+                <a:latin typeface="JetBrains Mono"/>
+              </a:rPr>
+              <a:t>name</a:t>
+            </a:r>
+            <a:r>
+              <a:rPr kumimoji="0" lang="en-US" altLang="en-US" sz="2000" b="0" i="0" u="none" strike="noStrike" cap="none" normalizeH="0" baseline="0" dirty="0">
+                <a:ln>
+                  <a:noFill/>
+                </a:ln>
+                <a:solidFill>
                   <a:srgbClr val="6A8759"/>
                 </a:solidFill>
                 <a:effectLst/>
                 <a:latin typeface="JetBrains Mono"/>
               </a:rPr>
+              <a:t>="owner" </a:t>
+            </a:r>
+            <a:r>
+              <a:rPr kumimoji="0" lang="en-US" altLang="en-US" sz="2000" b="0" i="0" u="none" strike="noStrike" cap="none" normalizeH="0" baseline="0" dirty="0">
+                <a:ln>
+                  <a:noFill/>
+                </a:ln>
+                <a:solidFill>
+                  <a:srgbClr val="BABABA"/>
+                </a:solidFill>
+                <a:effectLst/>
+                <a:latin typeface="JetBrains Mono"/>
+              </a:rPr>
+              <a:t>ref</a:t>
+            </a:r>
+            <a:r>
+              <a:rPr kumimoji="0" lang="en-US" altLang="en-US" sz="2000" b="0" i="0" u="none" strike="noStrike" cap="none" normalizeH="0" baseline="0" dirty="0">
+                <a:ln>
+                  <a:noFill/>
+                </a:ln>
+                <a:solidFill>
+                  <a:srgbClr val="6A8759"/>
+                </a:solidFill>
+                <a:effectLst/>
+                <a:latin typeface="JetBrains Mono"/>
+              </a:rPr>
+              <a:t>="person"</a:t>
+            </a:r>
+            <a:r>
+              <a:rPr kumimoji="0" lang="en-US" altLang="en-US" sz="2000" b="0" i="0" u="none" strike="noStrike" cap="none" normalizeH="0" baseline="0" dirty="0">
+                <a:ln>
+                  <a:noFill/>
+                </a:ln>
+                <a:solidFill>
+                  <a:srgbClr val="E8BF6A"/>
+                </a:solidFill>
+                <a:effectLst/>
+                <a:latin typeface="JetBrains Mono"/>
+              </a:rPr>
+              <a:t>/&gt;</a:t>
+            </a:r>
+            <a:br>
+              <a:rPr kumimoji="0" lang="en-US" altLang="en-US" sz="2000" b="0" i="0" u="none" strike="noStrike" cap="none" normalizeH="0" baseline="0" dirty="0">
+                <a:ln>
+                  <a:noFill/>
+                </a:ln>
+                <a:solidFill>
+                  <a:srgbClr val="E8BF6A"/>
+                </a:solidFill>
+                <a:effectLst/>
+                <a:latin typeface="JetBrains Mono"/>
+              </a:rPr>
             </a:br>
             <a:r>
-              <a:rPr kumimoji="0" lang="en-US" altLang="en-US" sz="2000" b="0" i="0" u="none" strike="noStrike" cap="none" normalizeH="0" baseline="0" dirty="0" err="1">
-                <a:ln>
-                  <a:noFill/>
-                </a:ln>
-                <a:solidFill>
-                  <a:srgbClr val="CC7832"/>
-                </a:solidFill>
-                <a:effectLst/>
-                <a:latin typeface="JetBrains Mono"/>
-              </a:rPr>
-              <a:t>jdbc.age</a:t>
-            </a:r>
-            <a:r>
-              <a:rPr kumimoji="0" lang="en-US" altLang="en-US" sz="2000" b="0" i="0" u="none" strike="noStrike" cap="none" normalizeH="0" baseline="0" dirty="0">
-                <a:ln>
-                  <a:noFill/>
-                </a:ln>
-                <a:solidFill>
-                  <a:srgbClr val="808080"/>
-                </a:solidFill>
-                <a:effectLst/>
-                <a:latin typeface="JetBrains Mono"/>
-              </a:rPr>
-              <a:t>=</a:t>
-            </a:r>
-            <a:r>
-              <a:rPr kumimoji="0" lang="en-US" altLang="en-US" sz="2000" b="0" i="0" u="none" strike="noStrike" cap="none" normalizeH="0" baseline="0" dirty="0">
-                <a:ln>
-                  <a:noFill/>
-                </a:ln>
-                <a:solidFill>
-                  <a:srgbClr val="6A8759"/>
-                </a:solidFill>
-                <a:effectLst/>
-                <a:latin typeface="JetBrains Mono"/>
-              </a:rPr>
-              <a:t>29</a:t>
+              <a:rPr kumimoji="0" lang="en-US" altLang="en-US" sz="2000" b="0" i="0" u="none" strike="noStrike" cap="none" normalizeH="0" baseline="0" dirty="0">
+                <a:ln>
+                  <a:noFill/>
+                </a:ln>
+                <a:solidFill>
+                  <a:srgbClr val="E8BF6A"/>
+                </a:solidFill>
+                <a:effectLst/>
+                <a:latin typeface="JetBrains Mono"/>
+              </a:rPr>
+              <a:t>&lt;/bean&gt;</a:t>
             </a:r>
             <a:endParaRPr kumimoji="0" lang="en-US" altLang="en-US" sz="2000" b="0" i="0" u="none" strike="noStrike" cap="none" normalizeH="0" baseline="0" dirty="0">
               <a:ln>
@@ -4522,7 +4406,7 @@
     </p:spTree>
     <p:extLst>
       <p:ext uri="{BB962C8B-B14F-4D97-AF65-F5344CB8AC3E}">
-        <p14:creationId xmlns:p14="http://schemas.microsoft.com/office/powerpoint/2010/main" val="2141029618"/>
+        <p14:creationId xmlns:p14="http://schemas.microsoft.com/office/powerpoint/2010/main" val="1965342830"/>
       </p:ext>
     </p:extLst>
   </p:cSld>
